--- a/planung/Fachgespraech.pptx
+++ b/planung/Fachgespraech.pptx
@@ -9,16 +9,19 @@
     <p:sldId id="266" r:id="rId3"/>
     <p:sldId id="265" r:id="rId4"/>
     <p:sldId id="257" r:id="rId5"/>
-    <p:sldId id="258" r:id="rId6"/>
-    <p:sldId id="259" r:id="rId7"/>
-    <p:sldId id="260" r:id="rId8"/>
-    <p:sldId id="261" r:id="rId9"/>
-    <p:sldId id="262" r:id="rId10"/>
-    <p:sldId id="263" r:id="rId11"/>
-    <p:sldId id="264" r:id="rId12"/>
-    <p:sldId id="267" r:id="rId13"/>
-    <p:sldId id="269" r:id="rId14"/>
-    <p:sldId id="268" r:id="rId15"/>
+    <p:sldId id="271" r:id="rId6"/>
+    <p:sldId id="272" r:id="rId7"/>
+    <p:sldId id="259" r:id="rId8"/>
+    <p:sldId id="273" r:id="rId9"/>
+    <p:sldId id="260" r:id="rId10"/>
+    <p:sldId id="261" r:id="rId11"/>
+    <p:sldId id="262" r:id="rId12"/>
+    <p:sldId id="263" r:id="rId13"/>
+    <p:sldId id="264" r:id="rId14"/>
+    <p:sldId id="267" r:id="rId15"/>
+    <p:sldId id="269" r:id="rId16"/>
+    <p:sldId id="268" r:id="rId17"/>
+    <p:sldId id="270" r:id="rId18"/>
   </p:sldIdLst>
   <p:sldSz cx="12192000" cy="6858000"/>
   <p:notesSz cx="6858000" cy="9144000"/>
@@ -3433,7 +3436,7 @@
           <p:cNvPr id="2" name="Titel 1">
             <a:extLst>
               <a:ext uri="{FF2B5EF4-FFF2-40B4-BE49-F238E27FC236}">
-                <a16:creationId xmlns:a16="http://schemas.microsoft.com/office/drawing/2014/main" id="{26AF6C46-E64E-1D75-0AA5-582EDA3E91EC}"/>
+                <a16:creationId xmlns:a16="http://schemas.microsoft.com/office/drawing/2014/main" id="{FFB70AAE-CEC4-0A75-4753-32032DEFB29E}"/>
               </a:ext>
             </a:extLst>
           </p:cNvPr>
@@ -3451,7 +3454,7 @@
           <a:p>
             <a:r>
               <a:rPr lang="de-DE" dirty="0"/>
-              <a:t>Implementierung</a:t>
+              <a:t>Architektur</a:t>
             </a:r>
           </a:p>
         </p:txBody>
@@ -3461,7 +3464,7 @@
           <p:cNvPr id="3" name="Inhaltsplatzhalter 2">
             <a:extLst>
               <a:ext uri="{FF2B5EF4-FFF2-40B4-BE49-F238E27FC236}">
-                <a16:creationId xmlns:a16="http://schemas.microsoft.com/office/drawing/2014/main" id="{6532EB35-07F6-1CA5-35C5-786DDDF2CEE3}"/>
+                <a16:creationId xmlns:a16="http://schemas.microsoft.com/office/drawing/2014/main" id="{6B297AC2-FC2D-3C6D-1A7A-9F357792A9FC}"/>
               </a:ext>
             </a:extLst>
           </p:cNvPr>
@@ -3477,14 +3480,14 @@
           <a:bodyPr/>
           <a:lstStyle/>
           <a:p>
-            <a:endParaRPr lang="de-DE"/>
+            <a:endParaRPr lang="de-DE" dirty="0"/>
           </a:p>
         </p:txBody>
       </p:sp>
     </p:spTree>
     <p:extLst>
       <p:ext uri="{BB962C8B-B14F-4D97-AF65-F5344CB8AC3E}">
-        <p14:creationId xmlns:p14="http://schemas.microsoft.com/office/powerpoint/2010/main" val="1271831112"/>
+        <p14:creationId xmlns:p14="http://schemas.microsoft.com/office/powerpoint/2010/main" val="2725832454"/>
       </p:ext>
     </p:extLst>
   </p:cSld>
@@ -3516,7 +3519,7 @@
           <p:cNvPr id="2" name="Titel 1">
             <a:extLst>
               <a:ext uri="{FF2B5EF4-FFF2-40B4-BE49-F238E27FC236}">
-                <a16:creationId xmlns:a16="http://schemas.microsoft.com/office/drawing/2014/main" id="{E8FFF89F-F3F0-02D1-9EDC-51C8E4E0F1A0}"/>
+                <a16:creationId xmlns:a16="http://schemas.microsoft.com/office/drawing/2014/main" id="{D0888CDC-BE80-BEC1-134C-8814FAE6967A}"/>
               </a:ext>
             </a:extLst>
           </p:cNvPr>
@@ -3534,7 +3537,7 @@
           <a:p>
             <a:r>
               <a:rPr lang="de-DE" dirty="0"/>
-              <a:t>Webseite</a:t>
+              <a:t>GUI</a:t>
             </a:r>
           </a:p>
         </p:txBody>
@@ -3544,7 +3547,7 @@
           <p:cNvPr id="3" name="Inhaltsplatzhalter 2">
             <a:extLst>
               <a:ext uri="{FF2B5EF4-FFF2-40B4-BE49-F238E27FC236}">
-                <a16:creationId xmlns:a16="http://schemas.microsoft.com/office/drawing/2014/main" id="{AC5ECC8D-D2EE-AA52-359F-D16708712DA4}"/>
+                <a16:creationId xmlns:a16="http://schemas.microsoft.com/office/drawing/2014/main" id="{1AF3F34F-A15B-5D6B-65DE-F3E3732A96CF}"/>
               </a:ext>
             </a:extLst>
           </p:cNvPr>
@@ -3560,14 +3563,14 @@
           <a:bodyPr/>
           <a:lstStyle/>
           <a:p>
-            <a:endParaRPr lang="de-DE" dirty="0"/>
+            <a:endParaRPr lang="de-DE"/>
           </a:p>
         </p:txBody>
       </p:sp>
     </p:spTree>
     <p:extLst>
       <p:ext uri="{BB962C8B-B14F-4D97-AF65-F5344CB8AC3E}">
-        <p14:creationId xmlns:p14="http://schemas.microsoft.com/office/powerpoint/2010/main" val="1801721779"/>
+        <p14:creationId xmlns:p14="http://schemas.microsoft.com/office/powerpoint/2010/main" val="1764534369"/>
       </p:ext>
     </p:extLst>
   </p:cSld>
@@ -3599,7 +3602,7 @@
           <p:cNvPr id="2" name="Titel 1">
             <a:extLst>
               <a:ext uri="{FF2B5EF4-FFF2-40B4-BE49-F238E27FC236}">
-                <a16:creationId xmlns:a16="http://schemas.microsoft.com/office/drawing/2014/main" id="{C990329F-1823-DBF7-D3C1-E6402FE9DEEC}"/>
+                <a16:creationId xmlns:a16="http://schemas.microsoft.com/office/drawing/2014/main" id="{26AF6C46-E64E-1D75-0AA5-582EDA3E91EC}"/>
               </a:ext>
             </a:extLst>
           </p:cNvPr>
@@ -3617,7 +3620,7 @@
           <a:p>
             <a:r>
               <a:rPr lang="de-DE" dirty="0"/>
-              <a:t>REST-API</a:t>
+              <a:t>Implementierung</a:t>
             </a:r>
           </a:p>
         </p:txBody>
@@ -3627,7 +3630,7 @@
           <p:cNvPr id="3" name="Inhaltsplatzhalter 2">
             <a:extLst>
               <a:ext uri="{FF2B5EF4-FFF2-40B4-BE49-F238E27FC236}">
-                <a16:creationId xmlns:a16="http://schemas.microsoft.com/office/drawing/2014/main" id="{965C8D7A-86D0-AE0E-DE78-F7E325A1754B}"/>
+                <a16:creationId xmlns:a16="http://schemas.microsoft.com/office/drawing/2014/main" id="{6532EB35-07F6-1CA5-35C5-786DDDF2CEE3}"/>
               </a:ext>
             </a:extLst>
           </p:cNvPr>
@@ -3650,7 +3653,7 @@
     </p:spTree>
     <p:extLst>
       <p:ext uri="{BB962C8B-B14F-4D97-AF65-F5344CB8AC3E}">
-        <p14:creationId xmlns:p14="http://schemas.microsoft.com/office/powerpoint/2010/main" val="39987096"/>
+        <p14:creationId xmlns:p14="http://schemas.microsoft.com/office/powerpoint/2010/main" val="1271831112"/>
       </p:ext>
     </p:extLst>
   </p:cSld>
@@ -3682,7 +3685,7 @@
           <p:cNvPr id="2" name="Titel 1">
             <a:extLst>
               <a:ext uri="{FF2B5EF4-FFF2-40B4-BE49-F238E27FC236}">
-                <a16:creationId xmlns:a16="http://schemas.microsoft.com/office/drawing/2014/main" id="{17B5A5C0-8290-7C8E-E367-E97F90DB857A}"/>
+                <a16:creationId xmlns:a16="http://schemas.microsoft.com/office/drawing/2014/main" id="{E8FFF89F-F3F0-02D1-9EDC-51C8E4E0F1A0}"/>
               </a:ext>
             </a:extLst>
           </p:cNvPr>
@@ -3700,7 +3703,7 @@
           <a:p>
             <a:r>
               <a:rPr lang="de-DE" dirty="0"/>
-              <a:t>Datenbank</a:t>
+              <a:t>Webseite</a:t>
             </a:r>
           </a:p>
         </p:txBody>
@@ -3710,7 +3713,7 @@
           <p:cNvPr id="3" name="Inhaltsplatzhalter 2">
             <a:extLst>
               <a:ext uri="{FF2B5EF4-FFF2-40B4-BE49-F238E27FC236}">
-                <a16:creationId xmlns:a16="http://schemas.microsoft.com/office/drawing/2014/main" id="{17FD410C-4573-DACE-522D-3ADB1E271026}"/>
+                <a16:creationId xmlns:a16="http://schemas.microsoft.com/office/drawing/2014/main" id="{AC5ECC8D-D2EE-AA52-359F-D16708712DA4}"/>
               </a:ext>
             </a:extLst>
           </p:cNvPr>
@@ -3726,14 +3729,14 @@
           <a:bodyPr/>
           <a:lstStyle/>
           <a:p>
-            <a:endParaRPr lang="de-DE"/>
+            <a:endParaRPr lang="de-DE" dirty="0"/>
           </a:p>
         </p:txBody>
       </p:sp>
     </p:spTree>
     <p:extLst>
       <p:ext uri="{BB962C8B-B14F-4D97-AF65-F5344CB8AC3E}">
-        <p14:creationId xmlns:p14="http://schemas.microsoft.com/office/powerpoint/2010/main" val="250442459"/>
+        <p14:creationId xmlns:p14="http://schemas.microsoft.com/office/powerpoint/2010/main" val="1801721779"/>
       </p:ext>
     </p:extLst>
   </p:cSld>
@@ -3765,6 +3768,172 @@
           <p:cNvPr id="2" name="Titel 1">
             <a:extLst>
               <a:ext uri="{FF2B5EF4-FFF2-40B4-BE49-F238E27FC236}">
+                <a16:creationId xmlns:a16="http://schemas.microsoft.com/office/drawing/2014/main" id="{C990329F-1823-DBF7-D3C1-E6402FE9DEEC}"/>
+              </a:ext>
+            </a:extLst>
+          </p:cNvPr>
+          <p:cNvSpPr>
+            <a:spLocks noGrp="1"/>
+          </p:cNvSpPr>
+          <p:nvPr>
+            <p:ph type="title"/>
+          </p:nvPr>
+        </p:nvSpPr>
+        <p:spPr/>
+        <p:txBody>
+          <a:bodyPr/>
+          <a:lstStyle/>
+          <a:p>
+            <a:r>
+              <a:rPr lang="de-DE" dirty="0"/>
+              <a:t>REST-API</a:t>
+            </a:r>
+          </a:p>
+        </p:txBody>
+      </p:sp>
+      <p:sp>
+        <p:nvSpPr>
+          <p:cNvPr id="3" name="Inhaltsplatzhalter 2">
+            <a:extLst>
+              <a:ext uri="{FF2B5EF4-FFF2-40B4-BE49-F238E27FC236}">
+                <a16:creationId xmlns:a16="http://schemas.microsoft.com/office/drawing/2014/main" id="{965C8D7A-86D0-AE0E-DE78-F7E325A1754B}"/>
+              </a:ext>
+            </a:extLst>
+          </p:cNvPr>
+          <p:cNvSpPr>
+            <a:spLocks noGrp="1"/>
+          </p:cNvSpPr>
+          <p:nvPr>
+            <p:ph idx="1"/>
+          </p:nvPr>
+        </p:nvSpPr>
+        <p:spPr/>
+        <p:txBody>
+          <a:bodyPr/>
+          <a:lstStyle/>
+          <a:p>
+            <a:endParaRPr lang="de-DE"/>
+          </a:p>
+        </p:txBody>
+      </p:sp>
+    </p:spTree>
+    <p:extLst>
+      <p:ext uri="{BB962C8B-B14F-4D97-AF65-F5344CB8AC3E}">
+        <p14:creationId xmlns:p14="http://schemas.microsoft.com/office/powerpoint/2010/main" val="39987096"/>
+      </p:ext>
+    </p:extLst>
+  </p:cSld>
+  <p:clrMapOvr>
+    <a:masterClrMapping/>
+  </p:clrMapOvr>
+</p:sld>
+</file>
+
+<file path=ppt/slides/slide15.xml><?xml version="1.0" encoding="utf-8"?>
+<p:sld xmlns:a="http://schemas.openxmlformats.org/drawingml/2006/main" xmlns:r="http://schemas.openxmlformats.org/officeDocument/2006/relationships" xmlns:p="http://schemas.openxmlformats.org/presentationml/2006/main">
+  <p:cSld>
+    <p:spTree>
+      <p:nvGrpSpPr>
+        <p:cNvPr id="1" name=""/>
+        <p:cNvGrpSpPr/>
+        <p:nvPr/>
+      </p:nvGrpSpPr>
+      <p:grpSpPr>
+        <a:xfrm>
+          <a:off x="0" y="0"/>
+          <a:ext cx="0" cy="0"/>
+          <a:chOff x="0" y="0"/>
+          <a:chExt cx="0" cy="0"/>
+        </a:xfrm>
+      </p:grpSpPr>
+      <p:sp>
+        <p:nvSpPr>
+          <p:cNvPr id="2" name="Titel 1">
+            <a:extLst>
+              <a:ext uri="{FF2B5EF4-FFF2-40B4-BE49-F238E27FC236}">
+                <a16:creationId xmlns:a16="http://schemas.microsoft.com/office/drawing/2014/main" id="{17B5A5C0-8290-7C8E-E367-E97F90DB857A}"/>
+              </a:ext>
+            </a:extLst>
+          </p:cNvPr>
+          <p:cNvSpPr>
+            <a:spLocks noGrp="1"/>
+          </p:cNvSpPr>
+          <p:nvPr>
+            <p:ph type="title"/>
+          </p:nvPr>
+        </p:nvSpPr>
+        <p:spPr/>
+        <p:txBody>
+          <a:bodyPr/>
+          <a:lstStyle/>
+          <a:p>
+            <a:r>
+              <a:rPr lang="de-DE" dirty="0"/>
+              <a:t>Datenbank</a:t>
+            </a:r>
+          </a:p>
+        </p:txBody>
+      </p:sp>
+      <p:sp>
+        <p:nvSpPr>
+          <p:cNvPr id="3" name="Inhaltsplatzhalter 2">
+            <a:extLst>
+              <a:ext uri="{FF2B5EF4-FFF2-40B4-BE49-F238E27FC236}">
+                <a16:creationId xmlns:a16="http://schemas.microsoft.com/office/drawing/2014/main" id="{17FD410C-4573-DACE-522D-3ADB1E271026}"/>
+              </a:ext>
+            </a:extLst>
+          </p:cNvPr>
+          <p:cNvSpPr>
+            <a:spLocks noGrp="1"/>
+          </p:cNvSpPr>
+          <p:nvPr>
+            <p:ph idx="1"/>
+          </p:nvPr>
+        </p:nvSpPr>
+        <p:spPr/>
+        <p:txBody>
+          <a:bodyPr/>
+          <a:lstStyle/>
+          <a:p>
+            <a:endParaRPr lang="de-DE"/>
+          </a:p>
+        </p:txBody>
+      </p:sp>
+    </p:spTree>
+    <p:extLst>
+      <p:ext uri="{BB962C8B-B14F-4D97-AF65-F5344CB8AC3E}">
+        <p14:creationId xmlns:p14="http://schemas.microsoft.com/office/powerpoint/2010/main" val="250442459"/>
+      </p:ext>
+    </p:extLst>
+  </p:cSld>
+  <p:clrMapOvr>
+    <a:masterClrMapping/>
+  </p:clrMapOvr>
+</p:sld>
+</file>
+
+<file path=ppt/slides/slide16.xml><?xml version="1.0" encoding="utf-8"?>
+<p:sld xmlns:a="http://schemas.openxmlformats.org/drawingml/2006/main" xmlns:r="http://schemas.openxmlformats.org/officeDocument/2006/relationships" xmlns:p="http://schemas.openxmlformats.org/presentationml/2006/main">
+  <p:cSld>
+    <p:spTree>
+      <p:nvGrpSpPr>
+        <p:cNvPr id="1" name=""/>
+        <p:cNvGrpSpPr/>
+        <p:nvPr/>
+      </p:nvGrpSpPr>
+      <p:grpSpPr>
+        <a:xfrm>
+          <a:off x="0" y="0"/>
+          <a:ext cx="0" cy="0"/>
+          <a:chOff x="0" y="0"/>
+          <a:chExt cx="0" cy="0"/>
+        </a:xfrm>
+      </p:grpSpPr>
+      <p:sp>
+        <p:nvSpPr>
+          <p:cNvPr id="2" name="Titel 1">
+            <a:extLst>
+              <a:ext uri="{FF2B5EF4-FFF2-40B4-BE49-F238E27FC236}">
                 <a16:creationId xmlns:a16="http://schemas.microsoft.com/office/drawing/2014/main" id="{FFB40984-BB98-B724-3C7A-4010A921A6B3}"/>
               </a:ext>
             </a:extLst>
@@ -3817,6 +3986,108 @@
     <p:extLst>
       <p:ext uri="{BB962C8B-B14F-4D97-AF65-F5344CB8AC3E}">
         <p14:creationId xmlns:p14="http://schemas.microsoft.com/office/powerpoint/2010/main" val="2557872005"/>
+      </p:ext>
+    </p:extLst>
+  </p:cSld>
+  <p:clrMapOvr>
+    <a:masterClrMapping/>
+  </p:clrMapOvr>
+</p:sld>
+</file>
+
+<file path=ppt/slides/slide17.xml><?xml version="1.0" encoding="utf-8"?>
+<p:sld xmlns:a="http://schemas.openxmlformats.org/drawingml/2006/main" xmlns:r="http://schemas.openxmlformats.org/officeDocument/2006/relationships" xmlns:p="http://schemas.openxmlformats.org/presentationml/2006/main">
+  <p:cSld>
+    <p:spTree>
+      <p:nvGrpSpPr>
+        <p:cNvPr id="1" name=""/>
+        <p:cNvGrpSpPr/>
+        <p:nvPr/>
+      </p:nvGrpSpPr>
+      <p:grpSpPr>
+        <a:xfrm>
+          <a:off x="0" y="0"/>
+          <a:ext cx="0" cy="0"/>
+          <a:chOff x="0" y="0"/>
+          <a:chExt cx="0" cy="0"/>
+        </a:xfrm>
+      </p:grpSpPr>
+      <p:sp>
+        <p:nvSpPr>
+          <p:cNvPr id="2" name="Titel 1">
+            <a:extLst>
+              <a:ext uri="{FF2B5EF4-FFF2-40B4-BE49-F238E27FC236}">
+                <a16:creationId xmlns:a16="http://schemas.microsoft.com/office/drawing/2014/main" id="{795B6C7D-C72F-879D-DCF8-FE2D4C7DDCD5}"/>
+              </a:ext>
+            </a:extLst>
+          </p:cNvPr>
+          <p:cNvSpPr>
+            <a:spLocks noGrp="1"/>
+          </p:cNvSpPr>
+          <p:nvPr>
+            <p:ph type="title"/>
+          </p:nvPr>
+        </p:nvSpPr>
+        <p:spPr/>
+        <p:txBody>
+          <a:bodyPr/>
+          <a:lstStyle/>
+          <a:p>
+            <a:r>
+              <a:rPr lang="de-DE" dirty="0"/>
+              <a:t>Quellen</a:t>
+            </a:r>
+          </a:p>
+        </p:txBody>
+      </p:sp>
+      <p:sp>
+        <p:nvSpPr>
+          <p:cNvPr id="3" name="Inhaltsplatzhalter 2">
+            <a:extLst>
+              <a:ext uri="{FF2B5EF4-FFF2-40B4-BE49-F238E27FC236}">
+                <a16:creationId xmlns:a16="http://schemas.microsoft.com/office/drawing/2014/main" id="{E99D5A4C-8E21-6DCC-A897-4048A1384A77}"/>
+              </a:ext>
+            </a:extLst>
+          </p:cNvPr>
+          <p:cNvSpPr>
+            <a:spLocks noGrp="1"/>
+          </p:cNvSpPr>
+          <p:nvPr>
+            <p:ph idx="1"/>
+          </p:nvPr>
+        </p:nvSpPr>
+        <p:spPr/>
+        <p:txBody>
+          <a:bodyPr/>
+          <a:lstStyle/>
+          <a:p>
+            <a:r>
+              <a:rPr lang="de-DE" dirty="0"/>
+              <a:t>Q1 : </a:t>
+            </a:r>
+            <a:r>
+              <a:rPr lang="de-DE" dirty="0">
+                <a:hlinkClick r:id="rId2"/>
+              </a:rPr>
+              <a:t>https://de.wikipedia.org/wiki/Wasserfallmodell</a:t>
+            </a:r>
+            <a:r>
+              <a:rPr lang="de-DE" dirty="0"/>
+              <a:t> </a:t>
+            </a:r>
+          </a:p>
+          <a:p>
+            <a:r>
+              <a:rPr lang="de-DE" dirty="0"/>
+              <a:t> </a:t>
+            </a:r>
+          </a:p>
+        </p:txBody>
+      </p:sp>
+    </p:spTree>
+    <p:extLst>
+      <p:ext uri="{BB962C8B-B14F-4D97-AF65-F5344CB8AC3E}">
+        <p14:creationId xmlns:p14="http://schemas.microsoft.com/office/powerpoint/2010/main" val="3260964455"/>
       </p:ext>
     </p:extLst>
   </p:cSld>
@@ -3887,10 +4158,27 @@
             <p:ph idx="1"/>
           </p:nvPr>
         </p:nvSpPr>
-        <p:spPr/>
-        <p:txBody>
-          <a:bodyPr/>
-          <a:lstStyle/>
+        <p:spPr>
+          <a:xfrm>
+            <a:off x="838200" y="1798992"/>
+            <a:ext cx="10515600" cy="4351338"/>
+          </a:xfrm>
+        </p:spPr>
+        <p:txBody>
+          <a:bodyPr/>
+          <a:lstStyle/>
+          <a:p>
+            <a:r>
+              <a:rPr lang="de-DE" dirty="0"/>
+              <a:t>Planung</a:t>
+            </a:r>
+          </a:p>
+          <a:p>
+            <a:r>
+              <a:rPr lang="de-DE" dirty="0"/>
+              <a:t>Implementierung</a:t>
+            </a:r>
+          </a:p>
           <a:p>
             <a:endParaRPr lang="de-DE" dirty="0"/>
           </a:p>
@@ -4054,12 +4342,103 @@
             <p:ph idx="1"/>
           </p:nvPr>
         </p:nvSpPr>
-        <p:spPr/>
-        <p:txBody>
-          <a:bodyPr/>
-          <a:lstStyle/>
-          <a:p>
-            <a:endParaRPr lang="de-DE"/>
+        <p:spPr>
+          <a:xfrm>
+            <a:off x="838200" y="1514976"/>
+            <a:ext cx="6977539" cy="2858587"/>
+          </a:xfrm>
+        </p:spPr>
+        <p:txBody>
+          <a:bodyPr/>
+          <a:lstStyle/>
+          <a:p>
+            <a:r>
+              <a:rPr lang="de-DE" dirty="0"/>
+              <a:t>Wasserfallmodel</a:t>
+            </a:r>
+          </a:p>
+          <a:p>
+            <a:endParaRPr lang="de-DE" dirty="0"/>
+          </a:p>
+        </p:txBody>
+      </p:sp>
+      <p:pic>
+        <p:nvPicPr>
+          <p:cNvPr id="1026" name="Picture 2" descr="undefined">
+            <a:extLst>
+              <a:ext uri="{FF2B5EF4-FFF2-40B4-BE49-F238E27FC236}">
+                <a16:creationId xmlns:a16="http://schemas.microsoft.com/office/drawing/2014/main" id="{EB084A91-C496-AEED-8807-746A0D8BD0A3}"/>
+              </a:ext>
+            </a:extLst>
+          </p:cNvPr>
+          <p:cNvPicPr>
+            <a:picLocks noChangeAspect="1" noChangeArrowheads="1"/>
+          </p:cNvPicPr>
+          <p:nvPr/>
+        </p:nvPicPr>
+        <p:blipFill rotWithShape="1">
+          <a:blip r:embed="rId2">
+            <a:extLst>
+              <a:ext uri="{28A0092B-C50C-407E-A947-70E740481C1C}">
+                <a14:useLocalDpi xmlns:a14="http://schemas.microsoft.com/office/drawing/2010/main" val="0"/>
+              </a:ext>
+            </a:extLst>
+          </a:blip>
+          <a:srcRect l="328" t="80" r="-328" b="22911"/>
+          <a:stretch/>
+        </p:blipFill>
+        <p:spPr bwMode="auto">
+          <a:xfrm>
+            <a:off x="1464780" y="2260358"/>
+            <a:ext cx="6067425" cy="3504337"/>
+          </a:xfrm>
+          <a:prstGeom prst="rect">
+            <a:avLst/>
+          </a:prstGeom>
+          <a:noFill/>
+          <a:extLst>
+            <a:ext uri="{909E8E84-426E-40DD-AFC4-6F175D3DCCD1}">
+              <a14:hiddenFill xmlns:a14="http://schemas.microsoft.com/office/drawing/2010/main">
+                <a:solidFill>
+                  <a:srgbClr val="FFFFFF"/>
+                </a:solidFill>
+              </a14:hiddenFill>
+            </a:ext>
+          </a:extLst>
+        </p:spPr>
+      </p:pic>
+      <p:sp>
+        <p:nvSpPr>
+          <p:cNvPr id="4" name="Textfeld 3">
+            <a:extLst>
+              <a:ext uri="{FF2B5EF4-FFF2-40B4-BE49-F238E27FC236}">
+                <a16:creationId xmlns:a16="http://schemas.microsoft.com/office/drawing/2014/main" id="{22EF4D5D-2A41-8CEF-9B7E-C31761FCA116}"/>
+              </a:ext>
+            </a:extLst>
+          </p:cNvPr>
+          <p:cNvSpPr txBox="1"/>
+          <p:nvPr/>
+        </p:nvSpPr>
+        <p:spPr>
+          <a:xfrm>
+            <a:off x="924339" y="6112565"/>
+            <a:ext cx="481222" cy="369332"/>
+          </a:xfrm>
+          <a:prstGeom prst="rect">
+            <a:avLst/>
+          </a:prstGeom>
+          <a:noFill/>
+        </p:spPr>
+        <p:txBody>
+          <a:bodyPr wrap="none" rtlCol="0">
+            <a:spAutoFit/>
+          </a:bodyPr>
+          <a:lstStyle/>
+          <a:p>
+            <a:r>
+              <a:rPr lang="de-DE" dirty="0"/>
+              <a:t>Q1</a:t>
+            </a:r>
           </a:p>
         </p:txBody>
       </p:sp>
@@ -4098,7 +4477,7 @@
           <p:cNvPr id="2" name="Titel 1">
             <a:extLst>
               <a:ext uri="{FF2B5EF4-FFF2-40B4-BE49-F238E27FC236}">
-                <a16:creationId xmlns:a16="http://schemas.microsoft.com/office/drawing/2014/main" id="{D21A3BD7-1F7E-CC54-F2B1-3F84DF1552FD}"/>
+                <a16:creationId xmlns:a16="http://schemas.microsoft.com/office/drawing/2014/main" id="{C8C17787-25F0-E9A0-378F-3ED9EF87753D}"/>
               </a:ext>
             </a:extLst>
           </p:cNvPr>
@@ -4116,15 +4495,23 @@
           <a:p>
             <a:r>
               <a:rPr lang="en-US" dirty="0" err="1"/>
-              <a:t>i</a:t>
+              <a:t>Anforderungsanalyse</a:t>
+            </a:r>
+            <a:r>
+              <a:rPr lang="en-US" dirty="0"/>
+              <a:t> </a:t>
+            </a:r>
+            <a:r>
+              <a:rPr lang="de-DE" dirty="0"/>
+              <a:t>(</a:t>
             </a:r>
             <a:r>
               <a:rPr lang="de-DE" dirty="0" err="1"/>
-              <a:t>st</a:t>
-            </a:r>
-            <a:r>
-              <a:rPr lang="de-DE" dirty="0"/>
-              <a:t> - Analyse</a:t>
+              <a:t>MosCow</a:t>
+            </a:r>
+            <a:r>
+              <a:rPr lang="de-DE" dirty="0"/>
+              <a:t>)</a:t>
             </a:r>
           </a:p>
         </p:txBody>
@@ -4134,7 +4521,7 @@
           <p:cNvPr id="3" name="Inhaltsplatzhalter 2">
             <a:extLst>
               <a:ext uri="{FF2B5EF4-FFF2-40B4-BE49-F238E27FC236}">
-                <a16:creationId xmlns:a16="http://schemas.microsoft.com/office/drawing/2014/main" id="{8C920D0C-6AA3-431B-7FC3-3B4A1AE7752F}"/>
+                <a16:creationId xmlns:a16="http://schemas.microsoft.com/office/drawing/2014/main" id="{69EEA2BB-A372-4F17-B1FE-4A93B96CC4C7}"/>
               </a:ext>
             </a:extLst>
           </p:cNvPr>
@@ -4147,17 +4534,91 @@
         </p:nvSpPr>
         <p:spPr/>
         <p:txBody>
-          <a:bodyPr/>
-          <a:lstStyle/>
-          <a:p>
-            <a:endParaRPr lang="de-DE"/>
+          <a:bodyPr>
+            <a:normAutofit/>
+          </a:bodyPr>
+          <a:lstStyle/>
+          <a:p>
+            <a:pPr marL="0" indent="0">
+              <a:buNone/>
+            </a:pPr>
+            <a:r>
+              <a:rPr lang="de-DE" dirty="0"/>
+              <a:t>SHOULD HAVE</a:t>
+            </a:r>
+          </a:p>
+          <a:p>
+            <a:r>
+              <a:rPr lang="de-DE" dirty="0" err="1"/>
+              <a:t>mmWave</a:t>
+            </a:r>
+            <a:r>
+              <a:rPr lang="de-DE" dirty="0"/>
+              <a:t> Sensor zum tracken</a:t>
+            </a:r>
+          </a:p>
+          <a:p>
+            <a:r>
+              <a:rPr lang="de-DE" dirty="0"/>
+              <a:t>Display zeigt Zeit an</a:t>
+            </a:r>
+          </a:p>
+          <a:p>
+            <a:r>
+              <a:rPr lang="de-DE" dirty="0"/>
+              <a:t>Klingelt weiter wenn Person im Bett liegen bleibt</a:t>
+            </a:r>
+          </a:p>
+          <a:p>
+            <a:r>
+              <a:rPr lang="de-DE" dirty="0"/>
+              <a:t>Einstellungen </a:t>
+            </a:r>
+            <a:r>
+              <a:rPr lang="de-DE" dirty="0" err="1"/>
+              <a:t>übereine</a:t>
+            </a:r>
+            <a:r>
+              <a:rPr lang="de-DE" dirty="0"/>
+              <a:t> Webseite</a:t>
+            </a:r>
+          </a:p>
+          <a:p>
+            <a:r>
+              <a:rPr lang="de-DE" dirty="0"/>
+              <a:t>Internet</a:t>
+            </a:r>
+          </a:p>
+          <a:p>
+            <a:r>
+              <a:rPr lang="de-DE" dirty="0"/>
+              <a:t>Lautsprecher</a:t>
+            </a:r>
+          </a:p>
+          <a:p>
+            <a:r>
+              <a:rPr lang="de-DE" dirty="0"/>
+              <a:t>Notfallbatterie Betrieb</a:t>
+            </a:r>
+          </a:p>
+          <a:p>
+            <a:endParaRPr lang="de-DE" dirty="0"/>
+          </a:p>
+          <a:p>
+            <a:endParaRPr lang="de-DE" dirty="0"/>
+          </a:p>
+          <a:p>
+            <a:endParaRPr lang="de-DE" dirty="0"/>
+          </a:p>
+          <a:p>
+            <a:endParaRPr lang="de-DE" dirty="0"/>
           </a:p>
         </p:txBody>
       </p:sp>
     </p:spTree>
     <p:extLst>
       <p:ext uri="{BB962C8B-B14F-4D97-AF65-F5344CB8AC3E}">
-        <p14:creationId xmlns:p14="http://schemas.microsoft.com/office/powerpoint/2010/main" val="3293509534"/>
+        <p14:creationId xmlns:p14="http://schemas.microsoft.com/office/powerpoint/2010/main" val="3212325810"/>
       </p:ext>
     </p:extLst>
   </p:cSld>
@@ -4246,17 +4707,73 @@
         </p:nvSpPr>
         <p:spPr/>
         <p:txBody>
-          <a:bodyPr/>
-          <a:lstStyle/>
-          <a:p>
-            <a:endParaRPr lang="de-DE"/>
+          <a:bodyPr>
+            <a:normAutofit/>
+          </a:bodyPr>
+          <a:lstStyle/>
+          <a:p>
+            <a:pPr marL="0" indent="0">
+              <a:buNone/>
+            </a:pPr>
+            <a:r>
+              <a:rPr lang="de-DE" dirty="0"/>
+              <a:t>SHOULD HAVE 2</a:t>
+            </a:r>
+          </a:p>
+          <a:p>
+            <a:r>
+              <a:rPr lang="de-DE" dirty="0"/>
+              <a:t>Daten</a:t>
+            </a:r>
+          </a:p>
+          <a:p>
+            <a:pPr lvl="1"/>
+            <a:r>
+              <a:rPr lang="de-DE" dirty="0"/>
+              <a:t>Weckzeiten</a:t>
+            </a:r>
+          </a:p>
+          <a:p>
+            <a:pPr lvl="1"/>
+            <a:r>
+              <a:rPr lang="de-DE" dirty="0"/>
+              <a:t>Aufenthaltszeiten im Bett</a:t>
+            </a:r>
+          </a:p>
+          <a:p>
+            <a:pPr lvl="1"/>
+            <a:r>
+              <a:rPr lang="de-DE" dirty="0" err="1"/>
+              <a:t>Avg</a:t>
+            </a:r>
+            <a:r>
+              <a:rPr lang="de-DE" dirty="0"/>
+              <a:t>. Zeit bis Wecker ausgeschaltet wurde.</a:t>
+            </a:r>
+          </a:p>
+          <a:p>
+            <a:pPr lvl="1"/>
+            <a:endParaRPr lang="de-DE" dirty="0"/>
+          </a:p>
+          <a:p>
+            <a:pPr lvl="1"/>
+            <a:endParaRPr lang="de-DE" dirty="0"/>
+          </a:p>
+          <a:p>
+            <a:endParaRPr lang="de-DE" dirty="0"/>
+          </a:p>
+          <a:p>
+            <a:endParaRPr lang="de-DE" dirty="0"/>
+          </a:p>
+          <a:p>
+            <a:endParaRPr lang="de-DE" dirty="0"/>
           </a:p>
         </p:txBody>
       </p:sp>
     </p:spTree>
     <p:extLst>
       <p:ext uri="{BB962C8B-B14F-4D97-AF65-F5344CB8AC3E}">
-        <p14:creationId xmlns:p14="http://schemas.microsoft.com/office/powerpoint/2010/main" val="3256620783"/>
+        <p14:creationId xmlns:p14="http://schemas.microsoft.com/office/powerpoint/2010/main" val="2864582715"/>
       </p:ext>
     </p:extLst>
   </p:cSld>
@@ -4288,7 +4805,7 @@
           <p:cNvPr id="2" name="Titel 1">
             <a:extLst>
               <a:ext uri="{FF2B5EF4-FFF2-40B4-BE49-F238E27FC236}">
-                <a16:creationId xmlns:a16="http://schemas.microsoft.com/office/drawing/2014/main" id="{35D5F4B1-132A-E041-2F36-36EBC48B04CD}"/>
+                <a16:creationId xmlns:a16="http://schemas.microsoft.com/office/drawing/2014/main" id="{C8C17787-25F0-E9A0-378F-3ED9EF87753D}"/>
               </a:ext>
             </a:extLst>
           </p:cNvPr>
@@ -4305,8 +4822,24 @@
           <a:lstStyle/>
           <a:p>
             <a:r>
-              <a:rPr lang="de-DE" dirty="0"/>
-              <a:t>Zeitplan</a:t>
+              <a:rPr lang="en-US" dirty="0" err="1"/>
+              <a:t>Anforderungsanalyse</a:t>
+            </a:r>
+            <a:r>
+              <a:rPr lang="en-US" dirty="0"/>
+              <a:t> </a:t>
+            </a:r>
+            <a:r>
+              <a:rPr lang="de-DE" dirty="0"/>
+              <a:t>(</a:t>
+            </a:r>
+            <a:r>
+              <a:rPr lang="de-DE" dirty="0" err="1"/>
+              <a:t>MosCow</a:t>
+            </a:r>
+            <a:r>
+              <a:rPr lang="de-DE" dirty="0"/>
+              <a:t>)</a:t>
             </a:r>
           </a:p>
         </p:txBody>
@@ -4316,7 +4849,7 @@
           <p:cNvPr id="3" name="Inhaltsplatzhalter 2">
             <a:extLst>
               <a:ext uri="{FF2B5EF4-FFF2-40B4-BE49-F238E27FC236}">
-                <a16:creationId xmlns:a16="http://schemas.microsoft.com/office/drawing/2014/main" id="{BCF85A63-A017-1219-4AC1-E6AECF0ECDD8}"/>
+                <a16:creationId xmlns:a16="http://schemas.microsoft.com/office/drawing/2014/main" id="{69EEA2BB-A372-4F17-B1FE-4A93B96CC4C7}"/>
               </a:ext>
             </a:extLst>
           </p:cNvPr>
@@ -4332,14 +4865,72 @@
           <a:bodyPr/>
           <a:lstStyle/>
           <a:p>
-            <a:endParaRPr lang="de-DE"/>
+            <a:pPr marL="0" indent="0">
+              <a:buNone/>
+            </a:pPr>
+            <a:r>
+              <a:rPr lang="de-DE" dirty="0"/>
+              <a:t>COULD HAVE</a:t>
+            </a:r>
+          </a:p>
+          <a:p>
+            <a:r>
+              <a:rPr lang="de-DE" dirty="0"/>
+              <a:t>Einstellungen über Wecker einstellbar</a:t>
+            </a:r>
+          </a:p>
+          <a:p>
+            <a:r>
+              <a:rPr lang="de-DE" dirty="0"/>
+              <a:t>Wetter</a:t>
+            </a:r>
+          </a:p>
+          <a:p>
+            <a:r>
+              <a:rPr lang="de-DE" dirty="0"/>
+              <a:t>Ambient light</a:t>
+            </a:r>
+          </a:p>
+          <a:p>
+            <a:r>
+              <a:rPr lang="de-DE" dirty="0"/>
+              <a:t>Schlafdaten speichern</a:t>
+            </a:r>
+          </a:p>
+          <a:p>
+            <a:r>
+              <a:rPr lang="de-DE" dirty="0"/>
+              <a:t>Helligkeitssensor </a:t>
+            </a:r>
+            <a:r>
+              <a:rPr lang="de-DE" dirty="0" err="1"/>
+              <a:t>fuer</a:t>
+            </a:r>
+            <a:r>
+              <a:rPr lang="de-DE" dirty="0"/>
+              <a:t> Display</a:t>
+            </a:r>
+          </a:p>
+          <a:p>
+            <a:r>
+              <a:rPr lang="de-DE" dirty="0"/>
+              <a:t>Temperatur </a:t>
+            </a:r>
+            <a:r>
+              <a:rPr lang="de-DE" dirty="0" err="1"/>
+              <a:t>sensor</a:t>
+            </a:r>
+            <a:endParaRPr lang="de-DE" dirty="0"/>
+          </a:p>
+          <a:p>
+            <a:endParaRPr lang="de-DE" dirty="0"/>
           </a:p>
         </p:txBody>
       </p:sp>
     </p:spTree>
     <p:extLst>
       <p:ext uri="{BB962C8B-B14F-4D97-AF65-F5344CB8AC3E}">
-        <p14:creationId xmlns:p14="http://schemas.microsoft.com/office/powerpoint/2010/main" val="2912715340"/>
+        <p14:creationId xmlns:p14="http://schemas.microsoft.com/office/powerpoint/2010/main" val="3256620783"/>
       </p:ext>
     </p:extLst>
   </p:cSld>
@@ -4371,7 +4962,7 @@
           <p:cNvPr id="2" name="Titel 1">
             <a:extLst>
               <a:ext uri="{FF2B5EF4-FFF2-40B4-BE49-F238E27FC236}">
-                <a16:creationId xmlns:a16="http://schemas.microsoft.com/office/drawing/2014/main" id="{FFB70AAE-CEC4-0A75-4753-32032DEFB29E}"/>
+                <a16:creationId xmlns:a16="http://schemas.microsoft.com/office/drawing/2014/main" id="{C8C17787-25F0-E9A0-378F-3ED9EF87753D}"/>
               </a:ext>
             </a:extLst>
           </p:cNvPr>
@@ -4388,8 +4979,24 @@
           <a:lstStyle/>
           <a:p>
             <a:r>
-              <a:rPr lang="de-DE" dirty="0"/>
-              <a:t>Architektur</a:t>
+              <a:rPr lang="en-US" dirty="0" err="1"/>
+              <a:t>Anforderungsanalyse</a:t>
+            </a:r>
+            <a:r>
+              <a:rPr lang="en-US" dirty="0"/>
+              <a:t> </a:t>
+            </a:r>
+            <a:r>
+              <a:rPr lang="de-DE" dirty="0"/>
+              <a:t>(</a:t>
+            </a:r>
+            <a:r>
+              <a:rPr lang="de-DE" dirty="0" err="1"/>
+              <a:t>MosCow</a:t>
+            </a:r>
+            <a:r>
+              <a:rPr lang="de-DE" dirty="0"/>
+              <a:t>)</a:t>
             </a:r>
           </a:p>
         </p:txBody>
@@ -4399,7 +5006,7 @@
           <p:cNvPr id="3" name="Inhaltsplatzhalter 2">
             <a:extLst>
               <a:ext uri="{FF2B5EF4-FFF2-40B4-BE49-F238E27FC236}">
-                <a16:creationId xmlns:a16="http://schemas.microsoft.com/office/drawing/2014/main" id="{6B297AC2-FC2D-3C6D-1A7A-9F357792A9FC}"/>
+                <a16:creationId xmlns:a16="http://schemas.microsoft.com/office/drawing/2014/main" id="{69EEA2BB-A372-4F17-B1FE-4A93B96CC4C7}"/>
               </a:ext>
             </a:extLst>
           </p:cNvPr>
@@ -4415,14 +5022,54 @@
           <a:bodyPr/>
           <a:lstStyle/>
           <a:p>
-            <a:endParaRPr lang="de-DE" dirty="0"/>
+            <a:pPr marL="0" indent="0">
+              <a:buNone/>
+            </a:pPr>
+            <a:r>
+              <a:rPr lang="de-DE" dirty="0"/>
+              <a:t>COULD HAVE 2</a:t>
+            </a:r>
+          </a:p>
+          <a:p>
+            <a:r>
+              <a:rPr lang="de-DE" dirty="0"/>
+              <a:t>Data</a:t>
+            </a:r>
+          </a:p>
+          <a:p>
+            <a:pPr lvl="1"/>
+            <a:r>
+              <a:rPr lang="de-DE" dirty="0"/>
+              <a:t>Schlafzeiten</a:t>
+            </a:r>
+          </a:p>
+          <a:p>
+            <a:pPr lvl="1"/>
+            <a:r>
+              <a:rPr lang="de-DE" dirty="0"/>
+              <a:t>Schlafphasen</a:t>
+            </a:r>
+          </a:p>
+          <a:p>
+            <a:pPr lvl="1"/>
+            <a:r>
+              <a:rPr lang="de-DE" dirty="0"/>
+              <a:t>Bewegung im Schlaf</a:t>
+            </a:r>
+          </a:p>
+          <a:p>
+            <a:pPr lvl="1"/>
+            <a:r>
+              <a:rPr lang="de-DE" dirty="0"/>
+              <a:t>Schlafenszeiten</a:t>
+            </a:r>
           </a:p>
         </p:txBody>
       </p:sp>
     </p:spTree>
     <p:extLst>
       <p:ext uri="{BB962C8B-B14F-4D97-AF65-F5344CB8AC3E}">
-        <p14:creationId xmlns:p14="http://schemas.microsoft.com/office/powerpoint/2010/main" val="2725832454"/>
+        <p14:creationId xmlns:p14="http://schemas.microsoft.com/office/powerpoint/2010/main" val="3335442734"/>
       </p:ext>
     </p:extLst>
   </p:cSld>
@@ -4454,7 +5101,7 @@
           <p:cNvPr id="2" name="Titel 1">
             <a:extLst>
               <a:ext uri="{FF2B5EF4-FFF2-40B4-BE49-F238E27FC236}">
-                <a16:creationId xmlns:a16="http://schemas.microsoft.com/office/drawing/2014/main" id="{D0888CDC-BE80-BEC1-134C-8814FAE6967A}"/>
+                <a16:creationId xmlns:a16="http://schemas.microsoft.com/office/drawing/2014/main" id="{35D5F4B1-132A-E041-2F36-36EBC48B04CD}"/>
               </a:ext>
             </a:extLst>
           </p:cNvPr>
@@ -4472,7 +5119,7 @@
           <a:p>
             <a:r>
               <a:rPr lang="de-DE" dirty="0"/>
-              <a:t>GUI</a:t>
+              <a:t>Zeitplan</a:t>
             </a:r>
           </a:p>
         </p:txBody>
@@ -4482,7 +5129,7 @@
           <p:cNvPr id="3" name="Inhaltsplatzhalter 2">
             <a:extLst>
               <a:ext uri="{FF2B5EF4-FFF2-40B4-BE49-F238E27FC236}">
-                <a16:creationId xmlns:a16="http://schemas.microsoft.com/office/drawing/2014/main" id="{1AF3F34F-A15B-5D6B-65DE-F3E3732A96CF}"/>
+                <a16:creationId xmlns:a16="http://schemas.microsoft.com/office/drawing/2014/main" id="{BCF85A63-A017-1219-4AC1-E6AECF0ECDD8}"/>
               </a:ext>
             </a:extLst>
           </p:cNvPr>
@@ -4505,7 +5152,7 @@
     </p:spTree>
     <p:extLst>
       <p:ext uri="{BB962C8B-B14F-4D97-AF65-F5344CB8AC3E}">
-        <p14:creationId xmlns:p14="http://schemas.microsoft.com/office/powerpoint/2010/main" val="1764534369"/>
+        <p14:creationId xmlns:p14="http://schemas.microsoft.com/office/powerpoint/2010/main" val="2912715340"/>
       </p:ext>
     </p:extLst>
   </p:cSld>

--- a/planung/Fachgespraech.pptx
+++ b/planung/Fachgespraech.pptx
@@ -19,9 +19,11 @@
     <p:sldId id="263" r:id="rId13"/>
     <p:sldId id="264" r:id="rId14"/>
     <p:sldId id="267" r:id="rId15"/>
-    <p:sldId id="269" r:id="rId16"/>
-    <p:sldId id="268" r:id="rId17"/>
-    <p:sldId id="270" r:id="rId18"/>
+    <p:sldId id="274" r:id="rId16"/>
+    <p:sldId id="275" r:id="rId17"/>
+    <p:sldId id="269" r:id="rId18"/>
+    <p:sldId id="268" r:id="rId19"/>
+    <p:sldId id="270" r:id="rId20"/>
   </p:sldIdLst>
   <p:sldSz cx="12192000" cy="6858000"/>
   <p:notesSz cx="6858000" cy="9144000"/>
@@ -275,7 +277,7 @@
           <a:p>
             <a:fld id="{E4780573-CD1C-4620-A951-667904371759}" type="datetimeFigureOut">
               <a:rPr lang="de-DE" smtClean="0"/>
-              <a:t>06.11.2023</a:t>
+              <a:t>13.11.2023</a:t>
             </a:fld>
             <a:endParaRPr lang="de-DE"/>
           </a:p>
@@ -473,7 +475,7 @@
           <a:p>
             <a:fld id="{E4780573-CD1C-4620-A951-667904371759}" type="datetimeFigureOut">
               <a:rPr lang="de-DE" smtClean="0"/>
-              <a:t>06.11.2023</a:t>
+              <a:t>13.11.2023</a:t>
             </a:fld>
             <a:endParaRPr lang="de-DE"/>
           </a:p>
@@ -681,7 +683,7 @@
           <a:p>
             <a:fld id="{E4780573-CD1C-4620-A951-667904371759}" type="datetimeFigureOut">
               <a:rPr lang="de-DE" smtClean="0"/>
-              <a:t>06.11.2023</a:t>
+              <a:t>13.11.2023</a:t>
             </a:fld>
             <a:endParaRPr lang="de-DE"/>
           </a:p>
@@ -879,7 +881,7 @@
           <a:p>
             <a:fld id="{E4780573-CD1C-4620-A951-667904371759}" type="datetimeFigureOut">
               <a:rPr lang="de-DE" smtClean="0"/>
-              <a:t>06.11.2023</a:t>
+              <a:t>13.11.2023</a:t>
             </a:fld>
             <a:endParaRPr lang="de-DE"/>
           </a:p>
@@ -1154,7 +1156,7 @@
           <a:p>
             <a:fld id="{E4780573-CD1C-4620-A951-667904371759}" type="datetimeFigureOut">
               <a:rPr lang="de-DE" smtClean="0"/>
-              <a:t>06.11.2023</a:t>
+              <a:t>13.11.2023</a:t>
             </a:fld>
             <a:endParaRPr lang="de-DE"/>
           </a:p>
@@ -1419,7 +1421,7 @@
           <a:p>
             <a:fld id="{E4780573-CD1C-4620-A951-667904371759}" type="datetimeFigureOut">
               <a:rPr lang="de-DE" smtClean="0"/>
-              <a:t>06.11.2023</a:t>
+              <a:t>13.11.2023</a:t>
             </a:fld>
             <a:endParaRPr lang="de-DE"/>
           </a:p>
@@ -1831,7 +1833,7 @@
           <a:p>
             <a:fld id="{E4780573-CD1C-4620-A951-667904371759}" type="datetimeFigureOut">
               <a:rPr lang="de-DE" smtClean="0"/>
-              <a:t>06.11.2023</a:t>
+              <a:t>13.11.2023</a:t>
             </a:fld>
             <a:endParaRPr lang="de-DE"/>
           </a:p>
@@ -1972,7 +1974,7 @@
           <a:p>
             <a:fld id="{E4780573-CD1C-4620-A951-667904371759}" type="datetimeFigureOut">
               <a:rPr lang="de-DE" smtClean="0"/>
-              <a:t>06.11.2023</a:t>
+              <a:t>13.11.2023</a:t>
             </a:fld>
             <a:endParaRPr lang="de-DE"/>
           </a:p>
@@ -2085,7 +2087,7 @@
           <a:p>
             <a:fld id="{E4780573-CD1C-4620-A951-667904371759}" type="datetimeFigureOut">
               <a:rPr lang="de-DE" smtClean="0"/>
-              <a:t>06.11.2023</a:t>
+              <a:t>13.11.2023</a:t>
             </a:fld>
             <a:endParaRPr lang="de-DE"/>
           </a:p>
@@ -2396,7 +2398,7 @@
           <a:p>
             <a:fld id="{E4780573-CD1C-4620-A951-667904371759}" type="datetimeFigureOut">
               <a:rPr lang="de-DE" smtClean="0"/>
-              <a:t>06.11.2023</a:t>
+              <a:t>13.11.2023</a:t>
             </a:fld>
             <a:endParaRPr lang="de-DE"/>
           </a:p>
@@ -2687,7 +2689,7 @@
           <a:p>
             <a:fld id="{E4780573-CD1C-4620-A951-667904371759}" type="datetimeFigureOut">
               <a:rPr lang="de-DE" smtClean="0"/>
-              <a:t>06.11.2023</a:t>
+              <a:t>13.11.2023</a:t>
             </a:fld>
             <a:endParaRPr lang="de-DE"/>
           </a:p>
@@ -2928,7 +2930,7 @@
           <a:p>
             <a:fld id="{E4780573-CD1C-4620-A951-667904371759}" type="datetimeFigureOut">
               <a:rPr lang="de-DE" smtClean="0"/>
-              <a:t>06.11.2023</a:t>
+              <a:t>13.11.2023</a:t>
             </a:fld>
             <a:endParaRPr lang="de-DE"/>
           </a:p>
@@ -3812,10 +3814,67 @@
           <a:bodyPr/>
           <a:lstStyle/>
           <a:p>
-            <a:endParaRPr lang="de-DE"/>
-          </a:p>
-        </p:txBody>
-      </p:sp>
+            <a:r>
+              <a:rPr lang="de-DE" dirty="0"/>
+              <a:t>Java</a:t>
+            </a:r>
+          </a:p>
+          <a:p>
+            <a:r>
+              <a:rPr lang="de-DE" dirty="0"/>
+              <a:t>Spring Framework</a:t>
+            </a:r>
+          </a:p>
+          <a:p>
+            <a:pPr lvl="1"/>
+            <a:r>
+              <a:rPr lang="de-DE" dirty="0"/>
+              <a:t>Webserver</a:t>
+            </a:r>
+          </a:p>
+          <a:p>
+            <a:pPr lvl="1"/>
+            <a:r>
+              <a:rPr lang="de-DE" dirty="0"/>
+              <a:t>REST-Funktionalitäten</a:t>
+            </a:r>
+          </a:p>
+          <a:p>
+            <a:pPr lvl="1"/>
+            <a:endParaRPr lang="de-DE" dirty="0"/>
+          </a:p>
+        </p:txBody>
+      </p:sp>
+      <p:pic>
+        <p:nvPicPr>
+          <p:cNvPr id="5" name="Grafik 4">
+            <a:extLst>
+              <a:ext uri="{FF2B5EF4-FFF2-40B4-BE49-F238E27FC236}">
+                <a16:creationId xmlns:a16="http://schemas.microsoft.com/office/drawing/2014/main" id="{5D8BAC73-1ECE-988E-5D53-FC1C7F02CC61}"/>
+              </a:ext>
+            </a:extLst>
+          </p:cNvPr>
+          <p:cNvPicPr>
+            <a:picLocks noChangeAspect="1"/>
+          </p:cNvPicPr>
+          <p:nvPr/>
+        </p:nvPicPr>
+        <p:blipFill>
+          <a:blip r:embed="rId2"/>
+          <a:stretch>
+            <a:fillRect/>
+          </a:stretch>
+        </p:blipFill>
+        <p:spPr>
+          <a:xfrm>
+            <a:off x="5143870" y="2401279"/>
+            <a:ext cx="4434574" cy="2055441"/>
+          </a:xfrm>
+          <a:prstGeom prst="rect">
+            <a:avLst/>
+          </a:prstGeom>
+        </p:spPr>
+      </p:pic>
     </p:spTree>
     <p:extLst>
       <p:ext uri="{BB962C8B-B14F-4D97-AF65-F5344CB8AC3E}">
@@ -3851,7 +3910,7 @@
           <p:cNvPr id="2" name="Titel 1">
             <a:extLst>
               <a:ext uri="{FF2B5EF4-FFF2-40B4-BE49-F238E27FC236}">
-                <a16:creationId xmlns:a16="http://schemas.microsoft.com/office/drawing/2014/main" id="{17B5A5C0-8290-7C8E-E367-E97F90DB857A}"/>
+                <a16:creationId xmlns:a16="http://schemas.microsoft.com/office/drawing/2014/main" id="{C990329F-1823-DBF7-D3C1-E6402FE9DEEC}"/>
               </a:ext>
             </a:extLst>
           </p:cNvPr>
@@ -3869,7 +3928,7 @@
           <a:p>
             <a:r>
               <a:rPr lang="de-DE" dirty="0"/>
-              <a:t>Datenbank</a:t>
+              <a:t>REST-API</a:t>
             </a:r>
           </a:p>
         </p:txBody>
@@ -3879,7 +3938,7 @@
           <p:cNvPr id="3" name="Inhaltsplatzhalter 2">
             <a:extLst>
               <a:ext uri="{FF2B5EF4-FFF2-40B4-BE49-F238E27FC236}">
-                <a16:creationId xmlns:a16="http://schemas.microsoft.com/office/drawing/2014/main" id="{17FD410C-4573-DACE-522D-3ADB1E271026}"/>
+                <a16:creationId xmlns:a16="http://schemas.microsoft.com/office/drawing/2014/main" id="{965C8D7A-86D0-AE0E-DE78-F7E325A1754B}"/>
               </a:ext>
             </a:extLst>
           </p:cNvPr>
@@ -3895,14 +3954,182 @@
           <a:bodyPr/>
           <a:lstStyle/>
           <a:p>
-            <a:endParaRPr lang="de-DE"/>
+            <a:pPr marL="457200" lvl="1" indent="0">
+              <a:buNone/>
+            </a:pPr>
+            <a:r>
+              <a:rPr lang="de-DE" sz="3600" dirty="0"/>
+              <a:t>Notation</a:t>
+            </a:r>
+            <a:endParaRPr lang="de-DE" dirty="0"/>
+          </a:p>
+          <a:p>
+            <a:pPr marL="457200" lvl="1" indent="0">
+              <a:buNone/>
+            </a:pPr>
+            <a:endParaRPr lang="de-DE" dirty="0"/>
+          </a:p>
+          <a:p>
+            <a:pPr marL="457200" lvl="1" indent="0">
+              <a:buNone/>
+            </a:pPr>
+            <a:r>
+              <a:rPr lang="de-DE" dirty="0"/>
+              <a:t>GET /</a:t>
+            </a:r>
+            <a:r>
+              <a:rPr lang="de-DE" dirty="0" err="1"/>
+              <a:t>api</a:t>
+            </a:r>
+            <a:r>
+              <a:rPr lang="de-DE" dirty="0"/>
+              <a:t>/v1/</a:t>
+            </a:r>
+            <a:r>
+              <a:rPr lang="de-DE" dirty="0" err="1"/>
+              <a:t>cars</a:t>
+            </a:r>
+            <a:endParaRPr lang="de-DE" dirty="0"/>
+          </a:p>
+          <a:p>
+            <a:pPr marL="457200" lvl="1" indent="0">
+              <a:buNone/>
+            </a:pPr>
+            <a:r>
+              <a:rPr lang="de-DE" dirty="0"/>
+              <a:t>GET /</a:t>
+            </a:r>
+            <a:r>
+              <a:rPr lang="de-DE" dirty="0" err="1"/>
+              <a:t>api</a:t>
+            </a:r>
+            <a:r>
+              <a:rPr lang="de-DE" dirty="0"/>
+              <a:t>/v1/</a:t>
+            </a:r>
+            <a:r>
+              <a:rPr lang="de-DE" dirty="0" err="1"/>
+              <a:t>cars</a:t>
+            </a:r>
+            <a:r>
+              <a:rPr lang="de-DE" dirty="0"/>
+              <a:t>/:</a:t>
+            </a:r>
+            <a:r>
+              <a:rPr lang="de-DE" dirty="0" err="1"/>
+              <a:t>id</a:t>
+            </a:r>
+            <a:endParaRPr lang="de-DE" dirty="0"/>
+          </a:p>
+          <a:p>
+            <a:pPr marL="457200" lvl="1" indent="0">
+              <a:buNone/>
+            </a:pPr>
+            <a:r>
+              <a:rPr lang="de-DE" dirty="0"/>
+              <a:t>GET /</a:t>
+            </a:r>
+            <a:r>
+              <a:rPr lang="de-DE" dirty="0" err="1"/>
+              <a:t>api</a:t>
+            </a:r>
+            <a:r>
+              <a:rPr lang="de-DE" dirty="0"/>
+              <a:t>/v1/</a:t>
+            </a:r>
+            <a:r>
+              <a:rPr lang="de-DE" dirty="0" err="1"/>
+              <a:t>cars</a:t>
+            </a:r>
+            <a:r>
+              <a:rPr lang="de-DE" dirty="0"/>
+              <a:t>/:</a:t>
+            </a:r>
+            <a:r>
+              <a:rPr lang="de-DE" dirty="0" err="1"/>
+              <a:t>id?someFilter</a:t>
+            </a:r>
+            <a:r>
+              <a:rPr lang="de-DE" dirty="0"/>
+              <a:t>=blau</a:t>
+            </a:r>
+          </a:p>
+          <a:p>
+            <a:pPr marL="457200" lvl="1" indent="0">
+              <a:buNone/>
+            </a:pPr>
+            <a:endParaRPr lang="de-DE" dirty="0"/>
+          </a:p>
+          <a:p>
+            <a:pPr marL="457200" lvl="1" indent="0">
+              <a:buNone/>
+            </a:pPr>
+            <a:r>
+              <a:rPr lang="de-DE" dirty="0"/>
+              <a:t>GET /</a:t>
+            </a:r>
+            <a:r>
+              <a:rPr lang="de-DE" dirty="0" err="1"/>
+              <a:t>api</a:t>
+            </a:r>
+            <a:r>
+              <a:rPr lang="de-DE" dirty="0"/>
+              <a:t>/v1/</a:t>
+            </a:r>
+            <a:r>
+              <a:rPr lang="de-DE" dirty="0" err="1"/>
+              <a:t>factories</a:t>
+            </a:r>
+            <a:r>
+              <a:rPr lang="de-DE" dirty="0"/>
+              <a:t>/:</a:t>
+            </a:r>
+            <a:r>
+              <a:rPr lang="de-DE" dirty="0" err="1"/>
+              <a:t>id</a:t>
+            </a:r>
+            <a:r>
+              <a:rPr lang="de-DE" dirty="0"/>
+              <a:t>/</a:t>
+            </a:r>
+            <a:r>
+              <a:rPr lang="de-DE" dirty="0" err="1"/>
+              <a:t>cars</a:t>
+            </a:r>
+            <a:r>
+              <a:rPr lang="de-DE" dirty="0"/>
+              <a:t>/:</a:t>
+            </a:r>
+            <a:r>
+              <a:rPr lang="de-DE" dirty="0" err="1"/>
+              <a:t>id</a:t>
+            </a:r>
+            <a:endParaRPr lang="de-DE" dirty="0"/>
+          </a:p>
+          <a:p>
+            <a:pPr marL="457200" lvl="1" indent="0">
+              <a:buNone/>
+            </a:pPr>
+            <a:endParaRPr lang="de-DE" dirty="0"/>
+          </a:p>
+          <a:p>
+            <a:pPr marL="457200" lvl="1" indent="0">
+              <a:buNone/>
+            </a:pPr>
+            <a:endParaRPr lang="de-DE" dirty="0"/>
+          </a:p>
+          <a:p>
+            <a:pPr marL="457200" lvl="1" indent="0">
+              <a:buNone/>
+            </a:pPr>
+            <a:endParaRPr lang="de-DE" dirty="0"/>
           </a:p>
         </p:txBody>
       </p:sp>
     </p:spTree>
     <p:extLst>
       <p:ext uri="{BB962C8B-B14F-4D97-AF65-F5344CB8AC3E}">
-        <p14:creationId xmlns:p14="http://schemas.microsoft.com/office/powerpoint/2010/main" val="250442459"/>
+        <p14:creationId xmlns:p14="http://schemas.microsoft.com/office/powerpoint/2010/main" val="2529969082"/>
       </p:ext>
     </p:extLst>
   </p:cSld>
@@ -3934,6 +4161,323 @@
           <p:cNvPr id="2" name="Titel 1">
             <a:extLst>
               <a:ext uri="{FF2B5EF4-FFF2-40B4-BE49-F238E27FC236}">
+                <a16:creationId xmlns:a16="http://schemas.microsoft.com/office/drawing/2014/main" id="{C990329F-1823-DBF7-D3C1-E6402FE9DEEC}"/>
+              </a:ext>
+            </a:extLst>
+          </p:cNvPr>
+          <p:cNvSpPr>
+            <a:spLocks noGrp="1"/>
+          </p:cNvSpPr>
+          <p:nvPr>
+            <p:ph type="title"/>
+          </p:nvPr>
+        </p:nvSpPr>
+        <p:spPr/>
+        <p:txBody>
+          <a:bodyPr/>
+          <a:lstStyle/>
+          <a:p>
+            <a:r>
+              <a:rPr lang="de-DE" dirty="0"/>
+              <a:t>REST-API</a:t>
+            </a:r>
+          </a:p>
+        </p:txBody>
+      </p:sp>
+      <p:sp>
+        <p:nvSpPr>
+          <p:cNvPr id="3" name="Inhaltsplatzhalter 2">
+            <a:extLst>
+              <a:ext uri="{FF2B5EF4-FFF2-40B4-BE49-F238E27FC236}">
+                <a16:creationId xmlns:a16="http://schemas.microsoft.com/office/drawing/2014/main" id="{965C8D7A-86D0-AE0E-DE78-F7E325A1754B}"/>
+              </a:ext>
+            </a:extLst>
+          </p:cNvPr>
+          <p:cNvSpPr>
+            <a:spLocks noGrp="1"/>
+          </p:cNvSpPr>
+          <p:nvPr>
+            <p:ph idx="1"/>
+          </p:nvPr>
+        </p:nvSpPr>
+        <p:spPr/>
+        <p:txBody>
+          <a:bodyPr/>
+          <a:lstStyle/>
+          <a:p>
+            <a:pPr marL="457200" lvl="1" indent="0">
+              <a:buNone/>
+            </a:pPr>
+            <a:r>
+              <a:rPr lang="de-DE" dirty="0"/>
+              <a:t>Schnittstellenbeschreibung</a:t>
+            </a:r>
+          </a:p>
+          <a:p>
+            <a:pPr marL="457200" lvl="1" indent="0">
+              <a:buNone/>
+            </a:pPr>
+            <a:endParaRPr lang="de-DE" dirty="0"/>
+          </a:p>
+          <a:p>
+            <a:pPr marL="457200" lvl="1" indent="0">
+              <a:buNone/>
+            </a:pPr>
+            <a:endParaRPr lang="de-DE" dirty="0"/>
+          </a:p>
+          <a:p>
+            <a:pPr marL="457200" lvl="1" indent="0">
+              <a:buNone/>
+            </a:pPr>
+            <a:endParaRPr lang="de-DE" dirty="0"/>
+          </a:p>
+          <a:p>
+            <a:pPr marL="457200" lvl="1" indent="0">
+              <a:buNone/>
+            </a:pPr>
+            <a:endParaRPr lang="de-DE" dirty="0"/>
+          </a:p>
+        </p:txBody>
+      </p:sp>
+    </p:spTree>
+    <p:extLst>
+      <p:ext uri="{BB962C8B-B14F-4D97-AF65-F5344CB8AC3E}">
+        <p14:creationId xmlns:p14="http://schemas.microsoft.com/office/powerpoint/2010/main" val="2208370728"/>
+      </p:ext>
+    </p:extLst>
+  </p:cSld>
+  <p:clrMapOvr>
+    <a:masterClrMapping/>
+  </p:clrMapOvr>
+</p:sld>
+</file>
+
+<file path=ppt/slides/slide17.xml><?xml version="1.0" encoding="utf-8"?>
+<p:sld xmlns:a="http://schemas.openxmlformats.org/drawingml/2006/main" xmlns:r="http://schemas.openxmlformats.org/officeDocument/2006/relationships" xmlns:p="http://schemas.openxmlformats.org/presentationml/2006/main">
+  <p:cSld>
+    <p:spTree>
+      <p:nvGrpSpPr>
+        <p:cNvPr id="1" name=""/>
+        <p:cNvGrpSpPr/>
+        <p:nvPr/>
+      </p:nvGrpSpPr>
+      <p:grpSpPr>
+        <a:xfrm>
+          <a:off x="0" y="0"/>
+          <a:ext cx="0" cy="0"/>
+          <a:chOff x="0" y="0"/>
+          <a:chExt cx="0" cy="0"/>
+        </a:xfrm>
+      </p:grpSpPr>
+      <p:sp>
+        <p:nvSpPr>
+          <p:cNvPr id="2" name="Titel 1">
+            <a:extLst>
+              <a:ext uri="{FF2B5EF4-FFF2-40B4-BE49-F238E27FC236}">
+                <a16:creationId xmlns:a16="http://schemas.microsoft.com/office/drawing/2014/main" id="{17B5A5C0-8290-7C8E-E367-E97F90DB857A}"/>
+              </a:ext>
+            </a:extLst>
+          </p:cNvPr>
+          <p:cNvSpPr>
+            <a:spLocks noGrp="1"/>
+          </p:cNvSpPr>
+          <p:nvPr>
+            <p:ph type="title"/>
+          </p:nvPr>
+        </p:nvSpPr>
+        <p:spPr/>
+        <p:txBody>
+          <a:bodyPr/>
+          <a:lstStyle/>
+          <a:p>
+            <a:r>
+              <a:rPr lang="de-DE" dirty="0"/>
+              <a:t>Datenbank</a:t>
+            </a:r>
+          </a:p>
+        </p:txBody>
+      </p:sp>
+      <p:pic>
+        <p:nvPicPr>
+          <p:cNvPr id="5" name="Inhaltsplatzhalter 4" descr="Ein Bild, das Text, Screenshot, Diagramm, Reihe enthält.&#10;&#10;Automatisch generierte Beschreibung">
+            <a:extLst>
+              <a:ext uri="{FF2B5EF4-FFF2-40B4-BE49-F238E27FC236}">
+                <a16:creationId xmlns:a16="http://schemas.microsoft.com/office/drawing/2014/main" id="{E2DFDDB2-3998-78C3-9B8A-F8217EE22549}"/>
+              </a:ext>
+            </a:extLst>
+          </p:cNvPr>
+          <p:cNvPicPr>
+            <a:picLocks noGrp="1" noChangeAspect="1"/>
+          </p:cNvPicPr>
+          <p:nvPr>
+            <p:ph idx="1"/>
+          </p:nvPr>
+        </p:nvPicPr>
+        <p:blipFill>
+          <a:blip r:embed="rId2">
+            <a:extLst>
+              <a:ext uri="{28A0092B-C50C-407E-A947-70E740481C1C}">
+                <a14:useLocalDpi xmlns:a14="http://schemas.microsoft.com/office/drawing/2010/main" val="0"/>
+              </a:ext>
+            </a:extLst>
+          </a:blip>
+          <a:stretch>
+            <a:fillRect/>
+          </a:stretch>
+        </p:blipFill>
+        <p:spPr>
+          <a:xfrm>
+            <a:off x="6760368" y="3034506"/>
+            <a:ext cx="3343275" cy="2009775"/>
+          </a:xfrm>
+        </p:spPr>
+      </p:pic>
+      <p:pic>
+        <p:nvPicPr>
+          <p:cNvPr id="7" name="Grafik 6" descr="Ein Bild, das Text, Diagramm, Reihe, Screenshot enthält.&#10;&#10;Automatisch generierte Beschreibung">
+            <a:extLst>
+              <a:ext uri="{FF2B5EF4-FFF2-40B4-BE49-F238E27FC236}">
+                <a16:creationId xmlns:a16="http://schemas.microsoft.com/office/drawing/2014/main" id="{ECA87B96-2A44-4F1F-24DD-A53020E51B1D}"/>
+              </a:ext>
+            </a:extLst>
+          </p:cNvPr>
+          <p:cNvPicPr>
+            <a:picLocks noChangeAspect="1"/>
+          </p:cNvPicPr>
+          <p:nvPr/>
+        </p:nvPicPr>
+        <p:blipFill>
+          <a:blip r:embed="rId3">
+            <a:extLst>
+              <a:ext uri="{28A0092B-C50C-407E-A947-70E740481C1C}">
+                <a14:useLocalDpi xmlns:a14="http://schemas.microsoft.com/office/drawing/2010/main" val="0"/>
+              </a:ext>
+            </a:extLst>
+          </a:blip>
+          <a:stretch>
+            <a:fillRect/>
+          </a:stretch>
+        </p:blipFill>
+        <p:spPr>
+          <a:xfrm>
+            <a:off x="633412" y="3034506"/>
+            <a:ext cx="5057775" cy="1628775"/>
+          </a:xfrm>
+          <a:prstGeom prst="rect">
+            <a:avLst/>
+          </a:prstGeom>
+        </p:spPr>
+      </p:pic>
+      <p:sp>
+        <p:nvSpPr>
+          <p:cNvPr id="9" name="Textfeld 8">
+            <a:extLst>
+              <a:ext uri="{FF2B5EF4-FFF2-40B4-BE49-F238E27FC236}">
+                <a16:creationId xmlns:a16="http://schemas.microsoft.com/office/drawing/2014/main" id="{8F8BC405-39C8-DE1D-4EA0-BB6646F90D2E}"/>
+              </a:ext>
+            </a:extLst>
+          </p:cNvPr>
+          <p:cNvSpPr txBox="1"/>
+          <p:nvPr/>
+        </p:nvSpPr>
+        <p:spPr>
+          <a:xfrm>
+            <a:off x="6760368" y="2665174"/>
+            <a:ext cx="1580882" cy="369332"/>
+          </a:xfrm>
+          <a:prstGeom prst="rect">
+            <a:avLst/>
+          </a:prstGeom>
+          <a:noFill/>
+        </p:spPr>
+        <p:txBody>
+          <a:bodyPr wrap="none" rtlCol="0">
+            <a:spAutoFit/>
+          </a:bodyPr>
+          <a:lstStyle/>
+          <a:p>
+            <a:r>
+              <a:rPr lang="de-DE" dirty="0"/>
+              <a:t>Sensor Daten</a:t>
+            </a:r>
+          </a:p>
+        </p:txBody>
+      </p:sp>
+      <p:sp>
+        <p:nvSpPr>
+          <p:cNvPr id="10" name="Textfeld 9">
+            <a:extLst>
+              <a:ext uri="{FF2B5EF4-FFF2-40B4-BE49-F238E27FC236}">
+                <a16:creationId xmlns:a16="http://schemas.microsoft.com/office/drawing/2014/main" id="{4061C66C-CB3D-F9F1-E9A8-8E80442F1A9A}"/>
+              </a:ext>
+            </a:extLst>
+          </p:cNvPr>
+          <p:cNvSpPr txBox="1"/>
+          <p:nvPr/>
+        </p:nvSpPr>
+        <p:spPr>
+          <a:xfrm>
+            <a:off x="633412" y="2665174"/>
+            <a:ext cx="2438488" cy="369332"/>
+          </a:xfrm>
+          <a:prstGeom prst="rect">
+            <a:avLst/>
+          </a:prstGeom>
+          <a:noFill/>
+        </p:spPr>
+        <p:txBody>
+          <a:bodyPr wrap="none" rtlCol="0">
+            <a:spAutoFit/>
+          </a:bodyPr>
+          <a:lstStyle/>
+          <a:p>
+            <a:r>
+              <a:rPr lang="de-DE" dirty="0"/>
+              <a:t>Wecker </a:t>
+            </a:r>
+            <a:r>
+              <a:rPr lang="de-DE" dirty="0" err="1"/>
+              <a:t>Configuration</a:t>
+            </a:r>
+            <a:endParaRPr lang="de-DE" dirty="0"/>
+          </a:p>
+        </p:txBody>
+      </p:sp>
+    </p:spTree>
+    <p:extLst>
+      <p:ext uri="{BB962C8B-B14F-4D97-AF65-F5344CB8AC3E}">
+        <p14:creationId xmlns:p14="http://schemas.microsoft.com/office/powerpoint/2010/main" val="250442459"/>
+      </p:ext>
+    </p:extLst>
+  </p:cSld>
+  <p:clrMapOvr>
+    <a:masterClrMapping/>
+  </p:clrMapOvr>
+</p:sld>
+</file>
+
+<file path=ppt/slides/slide18.xml><?xml version="1.0" encoding="utf-8"?>
+<p:sld xmlns:a="http://schemas.openxmlformats.org/drawingml/2006/main" xmlns:r="http://schemas.openxmlformats.org/officeDocument/2006/relationships" xmlns:p="http://schemas.openxmlformats.org/presentationml/2006/main">
+  <p:cSld>
+    <p:spTree>
+      <p:nvGrpSpPr>
+        <p:cNvPr id="1" name=""/>
+        <p:cNvGrpSpPr/>
+        <p:nvPr/>
+      </p:nvGrpSpPr>
+      <p:grpSpPr>
+        <a:xfrm>
+          <a:off x="0" y="0"/>
+          <a:ext cx="0" cy="0"/>
+          <a:chOff x="0" y="0"/>
+          <a:chExt cx="0" cy="0"/>
+        </a:xfrm>
+      </p:grpSpPr>
+      <p:sp>
+        <p:nvSpPr>
+          <p:cNvPr id="2" name="Titel 1">
+            <a:extLst>
+              <a:ext uri="{FF2B5EF4-FFF2-40B4-BE49-F238E27FC236}">
                 <a16:creationId xmlns:a16="http://schemas.microsoft.com/office/drawing/2014/main" id="{FFB40984-BB98-B724-3C7A-4010A921A6B3}"/>
               </a:ext>
             </a:extLst>
@@ -3995,7 +4539,7 @@
 </p:sld>
 </file>
 
-<file path=ppt/slides/slide17.xml><?xml version="1.0" encoding="utf-8"?>
+<file path=ppt/slides/slide19.xml><?xml version="1.0" encoding="utf-8"?>
 <p:sld xmlns:a="http://schemas.openxmlformats.org/drawingml/2006/main" xmlns:r="http://schemas.openxmlformats.org/officeDocument/2006/relationships" xmlns:p="http://schemas.openxmlformats.org/presentationml/2006/main">
   <p:cSld>
     <p:spTree>

--- a/planung/Fachgespraech.pptx
+++ b/planung/Fachgespraech.pptx
@@ -3461,31 +3461,41 @@
           </a:p>
         </p:txBody>
       </p:sp>
-      <p:sp>
-        <p:nvSpPr>
-          <p:cNvPr id="3" name="Inhaltsplatzhalter 2">
-            <a:extLst>
-              <a:ext uri="{FF2B5EF4-FFF2-40B4-BE49-F238E27FC236}">
-                <a16:creationId xmlns:a16="http://schemas.microsoft.com/office/drawing/2014/main" id="{6B297AC2-FC2D-3C6D-1A7A-9F357792A9FC}"/>
-              </a:ext>
-            </a:extLst>
-          </p:cNvPr>
-          <p:cNvSpPr>
-            <a:spLocks noGrp="1"/>
-          </p:cNvSpPr>
+      <p:pic>
+        <p:nvPicPr>
+          <p:cNvPr id="5" name="Inhaltsplatzhalter 4" descr="Ein Bild, das Diagramm, Plan, technische Zeichnung, Entwurf enthält.&#10;&#10;Automatisch generierte Beschreibung">
+            <a:extLst>
+              <a:ext uri="{FF2B5EF4-FFF2-40B4-BE49-F238E27FC236}">
+                <a16:creationId xmlns:a16="http://schemas.microsoft.com/office/drawing/2014/main" id="{B1E928BA-3238-5B02-7E86-86EB285636BE}"/>
+              </a:ext>
+            </a:extLst>
+          </p:cNvPr>
+          <p:cNvPicPr>
+            <a:picLocks noGrp="1" noChangeAspect="1"/>
+          </p:cNvPicPr>
           <p:nvPr>
             <p:ph idx="1"/>
           </p:nvPr>
-        </p:nvSpPr>
-        <p:spPr/>
-        <p:txBody>
-          <a:bodyPr/>
-          <a:lstStyle/>
-          <a:p>
-            <a:endParaRPr lang="de-DE" dirty="0"/>
-          </a:p>
-        </p:txBody>
-      </p:sp>
+        </p:nvPicPr>
+        <p:blipFill>
+          <a:blip r:embed="rId2">
+            <a:extLst>
+              <a:ext uri="{28A0092B-C50C-407E-A947-70E740481C1C}">
+                <a14:useLocalDpi xmlns:a14="http://schemas.microsoft.com/office/drawing/2010/main" val="0"/>
+              </a:ext>
+            </a:extLst>
+          </a:blip>
+          <a:stretch>
+            <a:fillRect/>
+          </a:stretch>
+        </p:blipFill>
+        <p:spPr>
+          <a:xfrm>
+            <a:off x="3424237" y="1996281"/>
+            <a:ext cx="5343525" cy="4010025"/>
+          </a:xfrm>
+        </p:spPr>
+      </p:pic>
     </p:spTree>
     <p:extLst>
       <p:ext uri="{BB962C8B-B14F-4D97-AF65-F5344CB8AC3E}">

--- a/planung/Fachgespraech.pptx
+++ b/planung/Fachgespraech.pptx
@@ -15,15 +15,21 @@
     <p:sldId id="273" r:id="rId9"/>
     <p:sldId id="260" r:id="rId10"/>
     <p:sldId id="261" r:id="rId11"/>
-    <p:sldId id="262" r:id="rId12"/>
-    <p:sldId id="263" r:id="rId13"/>
-    <p:sldId id="264" r:id="rId14"/>
-    <p:sldId id="267" r:id="rId15"/>
-    <p:sldId id="274" r:id="rId16"/>
-    <p:sldId id="275" r:id="rId17"/>
-    <p:sldId id="269" r:id="rId18"/>
-    <p:sldId id="268" r:id="rId19"/>
-    <p:sldId id="270" r:id="rId20"/>
+    <p:sldId id="276" r:id="rId12"/>
+    <p:sldId id="277" r:id="rId13"/>
+    <p:sldId id="278" r:id="rId14"/>
+    <p:sldId id="262" r:id="rId15"/>
+    <p:sldId id="263" r:id="rId16"/>
+    <p:sldId id="264" r:id="rId17"/>
+    <p:sldId id="267" r:id="rId18"/>
+    <p:sldId id="274" r:id="rId19"/>
+    <p:sldId id="279" r:id="rId20"/>
+    <p:sldId id="275" r:id="rId21"/>
+    <p:sldId id="269" r:id="rId22"/>
+    <p:sldId id="281" r:id="rId23"/>
+    <p:sldId id="268" r:id="rId24"/>
+    <p:sldId id="282" r:id="rId25"/>
+    <p:sldId id="270" r:id="rId26"/>
   </p:sldIdLst>
   <p:sldSz cx="12192000" cy="6858000"/>
   <p:notesSz cx="6858000" cy="9144000"/>
@@ -277,7 +283,7 @@
           <a:p>
             <a:fld id="{E4780573-CD1C-4620-A951-667904371759}" type="datetimeFigureOut">
               <a:rPr lang="de-DE" smtClean="0"/>
-              <a:t>13.11.2023</a:t>
+              <a:t>19.11.2023</a:t>
             </a:fld>
             <a:endParaRPr lang="de-DE"/>
           </a:p>
@@ -475,7 +481,7 @@
           <a:p>
             <a:fld id="{E4780573-CD1C-4620-A951-667904371759}" type="datetimeFigureOut">
               <a:rPr lang="de-DE" smtClean="0"/>
-              <a:t>13.11.2023</a:t>
+              <a:t>19.11.2023</a:t>
             </a:fld>
             <a:endParaRPr lang="de-DE"/>
           </a:p>
@@ -683,7 +689,7 @@
           <a:p>
             <a:fld id="{E4780573-CD1C-4620-A951-667904371759}" type="datetimeFigureOut">
               <a:rPr lang="de-DE" smtClean="0"/>
-              <a:t>13.11.2023</a:t>
+              <a:t>19.11.2023</a:t>
             </a:fld>
             <a:endParaRPr lang="de-DE"/>
           </a:p>
@@ -881,7 +887,7 @@
           <a:p>
             <a:fld id="{E4780573-CD1C-4620-A951-667904371759}" type="datetimeFigureOut">
               <a:rPr lang="de-DE" smtClean="0"/>
-              <a:t>13.11.2023</a:t>
+              <a:t>19.11.2023</a:t>
             </a:fld>
             <a:endParaRPr lang="de-DE"/>
           </a:p>
@@ -1156,7 +1162,7 @@
           <a:p>
             <a:fld id="{E4780573-CD1C-4620-A951-667904371759}" type="datetimeFigureOut">
               <a:rPr lang="de-DE" smtClean="0"/>
-              <a:t>13.11.2023</a:t>
+              <a:t>19.11.2023</a:t>
             </a:fld>
             <a:endParaRPr lang="de-DE"/>
           </a:p>
@@ -1421,7 +1427,7 @@
           <a:p>
             <a:fld id="{E4780573-CD1C-4620-A951-667904371759}" type="datetimeFigureOut">
               <a:rPr lang="de-DE" smtClean="0"/>
-              <a:t>13.11.2023</a:t>
+              <a:t>19.11.2023</a:t>
             </a:fld>
             <a:endParaRPr lang="de-DE"/>
           </a:p>
@@ -1833,7 +1839,7 @@
           <a:p>
             <a:fld id="{E4780573-CD1C-4620-A951-667904371759}" type="datetimeFigureOut">
               <a:rPr lang="de-DE" smtClean="0"/>
-              <a:t>13.11.2023</a:t>
+              <a:t>19.11.2023</a:t>
             </a:fld>
             <a:endParaRPr lang="de-DE"/>
           </a:p>
@@ -1974,7 +1980,7 @@
           <a:p>
             <a:fld id="{E4780573-CD1C-4620-A951-667904371759}" type="datetimeFigureOut">
               <a:rPr lang="de-DE" smtClean="0"/>
-              <a:t>13.11.2023</a:t>
+              <a:t>19.11.2023</a:t>
             </a:fld>
             <a:endParaRPr lang="de-DE"/>
           </a:p>
@@ -2087,7 +2093,7 @@
           <a:p>
             <a:fld id="{E4780573-CD1C-4620-A951-667904371759}" type="datetimeFigureOut">
               <a:rPr lang="de-DE" smtClean="0"/>
-              <a:t>13.11.2023</a:t>
+              <a:t>19.11.2023</a:t>
             </a:fld>
             <a:endParaRPr lang="de-DE"/>
           </a:p>
@@ -2398,7 +2404,7 @@
           <a:p>
             <a:fld id="{E4780573-CD1C-4620-A951-667904371759}" type="datetimeFigureOut">
               <a:rPr lang="de-DE" smtClean="0"/>
-              <a:t>13.11.2023</a:t>
+              <a:t>19.11.2023</a:t>
             </a:fld>
             <a:endParaRPr lang="de-DE"/>
           </a:p>
@@ -2689,7 +2695,7 @@
           <a:p>
             <a:fld id="{E4780573-CD1C-4620-A951-667904371759}" type="datetimeFigureOut">
               <a:rPr lang="de-DE" smtClean="0"/>
-              <a:t>13.11.2023</a:t>
+              <a:t>19.11.2023</a:t>
             </a:fld>
             <a:endParaRPr lang="de-DE"/>
           </a:p>
@@ -2930,7 +2936,7 @@
           <a:p>
             <a:fld id="{E4780573-CD1C-4620-A951-667904371759}" type="datetimeFigureOut">
               <a:rPr lang="de-DE" smtClean="0"/>
-              <a:t>13.11.2023</a:t>
+              <a:t>19.11.2023</a:t>
             </a:fld>
             <a:endParaRPr lang="de-DE"/>
           </a:p>
@@ -3512,6 +3518,14 @@
 <file path=ppt/slides/slide11.xml><?xml version="1.0" encoding="utf-8"?>
 <p:sld xmlns:a="http://schemas.openxmlformats.org/drawingml/2006/main" xmlns:r="http://schemas.openxmlformats.org/officeDocument/2006/relationships" xmlns:p="http://schemas.openxmlformats.org/presentationml/2006/main">
   <p:cSld>
+    <p:bg>
+      <p:bgPr>
+        <a:solidFill>
+          <a:schemeClr val="bg1"/>
+        </a:solidFill>
+        <a:effectLst/>
+      </p:bgPr>
+    </p:bg>
     <p:spTree>
       <p:nvGrpSpPr>
         <p:cNvPr id="1" name=""/>
@@ -3526,12 +3540,72 @@
           <a:chExt cx="0" cy="0"/>
         </a:xfrm>
       </p:grpSpPr>
+      <p:sp useBgFill="1">
+        <p:nvSpPr>
+          <p:cNvPr id="37" name="Rectangle 26">
+            <a:extLst>
+              <a:ext uri="{FF2B5EF4-FFF2-40B4-BE49-F238E27FC236}">
+                <a16:creationId xmlns:a16="http://schemas.microsoft.com/office/drawing/2014/main" id="{743AA782-23D1-4521-8CAD-47662984AA08}"/>
+              </a:ext>
+              <a:ext uri="{C183D7F6-B498-43B3-948B-1728B52AA6E4}">
+                <adec:decorative xmlns:adec="http://schemas.microsoft.com/office/drawing/2017/decorative" val="1"/>
+              </a:ext>
+            </a:extLst>
+          </p:cNvPr>
+          <p:cNvSpPr>
+            <a:spLocks noGrp="1" noRot="1" noChangeAspect="1" noMove="1" noResize="1" noEditPoints="1" noAdjustHandles="1" noChangeArrowheads="1" noChangeShapeType="1" noTextEdit="1"/>
+          </p:cNvSpPr>
+          <p:nvPr>
+            <p:extLst>
+              <p:ext uri="{386F3935-93C4-4BCD-93E2-E3B085C9AB24}">
+                <p16:designElem xmlns:p16="http://schemas.microsoft.com/office/powerpoint/2015/main" val="1"/>
+              </p:ext>
+            </p:extLst>
+          </p:nvPr>
+        </p:nvSpPr>
+        <p:spPr>
+          <a:xfrm>
+            <a:off x="0" y="0"/>
+            <a:ext cx="12192000" cy="6858000"/>
+          </a:xfrm>
+          <a:prstGeom prst="rect">
+            <a:avLst/>
+          </a:prstGeom>
+          <a:ln>
+            <a:noFill/>
+          </a:ln>
+        </p:spPr>
+        <p:style>
+          <a:lnRef idx="2">
+            <a:schemeClr val="accent1">
+              <a:shade val="50000"/>
+            </a:schemeClr>
+          </a:lnRef>
+          <a:fillRef idx="1">
+            <a:schemeClr val="accent1"/>
+          </a:fillRef>
+          <a:effectRef idx="0">
+            <a:schemeClr val="accent1"/>
+          </a:effectRef>
+          <a:fontRef idx="minor">
+            <a:schemeClr val="lt1"/>
+          </a:fontRef>
+        </p:style>
+        <p:txBody>
+          <a:bodyPr rtlCol="0" anchor="ctr"/>
+          <a:lstStyle/>
+          <a:p>
+            <a:pPr algn="ctr"/>
+            <a:endParaRPr lang="en-US"/>
+          </a:p>
+        </p:txBody>
+      </p:sp>
       <p:sp>
         <p:nvSpPr>
           <p:cNvPr id="2" name="Titel 1">
             <a:extLst>
               <a:ext uri="{FF2B5EF4-FFF2-40B4-BE49-F238E27FC236}">
-                <a16:creationId xmlns:a16="http://schemas.microsoft.com/office/drawing/2014/main" id="{D0888CDC-BE80-BEC1-134C-8814FAE6967A}"/>
+                <a16:creationId xmlns:a16="http://schemas.microsoft.com/office/drawing/2014/main" id="{FFB70AAE-CEC4-0A75-4753-32032DEFB29E}"/>
               </a:ext>
             </a:extLst>
           </p:cNvPr>
@@ -3542,24 +3616,304 @@
             <p:ph type="title"/>
           </p:nvPr>
         </p:nvSpPr>
-        <p:spPr/>
-        <p:txBody>
-          <a:bodyPr/>
-          <a:lstStyle/>
-          <a:p>
-            <a:r>
-              <a:rPr lang="de-DE" dirty="0"/>
-              <a:t>GUI</a:t>
-            </a:r>
-          </a:p>
-        </p:txBody>
-      </p:sp>
-      <p:sp>
-        <p:nvSpPr>
-          <p:cNvPr id="3" name="Inhaltsplatzhalter 2">
-            <a:extLst>
-              <a:ext uri="{FF2B5EF4-FFF2-40B4-BE49-F238E27FC236}">
-                <a16:creationId xmlns:a16="http://schemas.microsoft.com/office/drawing/2014/main" id="{1AF3F34F-A15B-5D6B-65DE-F3E3732A96CF}"/>
+        <p:spPr>
+          <a:xfrm>
+            <a:off x="630936" y="640080"/>
+            <a:ext cx="4818888" cy="1481328"/>
+          </a:xfrm>
+        </p:spPr>
+        <p:txBody>
+          <a:bodyPr anchor="b">
+            <a:normAutofit fontScale="90000"/>
+          </a:bodyPr>
+          <a:lstStyle/>
+          <a:p>
+            <a:r>
+              <a:rPr lang="de-DE" sz="5400"/>
+              <a:t>Sensor Service</a:t>
+            </a:r>
+          </a:p>
+        </p:txBody>
+      </p:sp>
+      <p:sp>
+        <p:nvSpPr>
+          <p:cNvPr id="38" name="sketch line">
+            <a:extLst>
+              <a:ext uri="{FF2B5EF4-FFF2-40B4-BE49-F238E27FC236}">
+                <a16:creationId xmlns:a16="http://schemas.microsoft.com/office/drawing/2014/main" id="{650D18FE-0824-4A46-B22C-A86B52E5780A}"/>
+              </a:ext>
+              <a:ext uri="{C183D7F6-B498-43B3-948B-1728B52AA6E4}">
+                <adec:decorative xmlns:adec="http://schemas.microsoft.com/office/drawing/2017/decorative" val="1"/>
+              </a:ext>
+            </a:extLst>
+          </p:cNvPr>
+          <p:cNvSpPr>
+            <a:spLocks noGrp="1" noRot="1" noChangeAspect="1" noMove="1" noResize="1" noEditPoints="1" noAdjustHandles="1" noChangeArrowheads="1" noChangeShapeType="1" noTextEdit="1"/>
+          </p:cNvSpPr>
+          <p:nvPr>
+            <p:extLst>
+              <p:ext uri="{386F3935-93C4-4BCD-93E2-E3B085C9AB24}">
+                <p16:designElem xmlns:p16="http://schemas.microsoft.com/office/powerpoint/2015/main" val="1"/>
+              </p:ext>
+            </p:extLst>
+          </p:nvPr>
+        </p:nvSpPr>
+        <p:spPr>
+          <a:xfrm>
+            <a:off x="643278" y="2372868"/>
+            <a:ext cx="3255095" cy="18288"/>
+          </a:xfrm>
+          <a:custGeom>
+            <a:avLst/>
+            <a:gdLst>
+              <a:gd name="connsiteX0" fmla="*/ 0 w 3255095"/>
+              <a:gd name="connsiteY0" fmla="*/ 0 h 18288"/>
+              <a:gd name="connsiteX1" fmla="*/ 618468 w 3255095"/>
+              <a:gd name="connsiteY1" fmla="*/ 0 h 18288"/>
+              <a:gd name="connsiteX2" fmla="*/ 1269487 w 3255095"/>
+              <a:gd name="connsiteY2" fmla="*/ 0 h 18288"/>
+              <a:gd name="connsiteX3" fmla="*/ 1953057 w 3255095"/>
+              <a:gd name="connsiteY3" fmla="*/ 0 h 18288"/>
+              <a:gd name="connsiteX4" fmla="*/ 2636627 w 3255095"/>
+              <a:gd name="connsiteY4" fmla="*/ 0 h 18288"/>
+              <a:gd name="connsiteX5" fmla="*/ 3255095 w 3255095"/>
+              <a:gd name="connsiteY5" fmla="*/ 0 h 18288"/>
+              <a:gd name="connsiteX6" fmla="*/ 3255095 w 3255095"/>
+              <a:gd name="connsiteY6" fmla="*/ 18288 h 18288"/>
+              <a:gd name="connsiteX7" fmla="*/ 2538974 w 3255095"/>
+              <a:gd name="connsiteY7" fmla="*/ 18288 h 18288"/>
+              <a:gd name="connsiteX8" fmla="*/ 1822853 w 3255095"/>
+              <a:gd name="connsiteY8" fmla="*/ 18288 h 18288"/>
+              <a:gd name="connsiteX9" fmla="*/ 1171834 w 3255095"/>
+              <a:gd name="connsiteY9" fmla="*/ 18288 h 18288"/>
+              <a:gd name="connsiteX10" fmla="*/ 0 w 3255095"/>
+              <a:gd name="connsiteY10" fmla="*/ 18288 h 18288"/>
+              <a:gd name="connsiteX11" fmla="*/ 0 w 3255095"/>
+              <a:gd name="connsiteY11" fmla="*/ 0 h 18288"/>
+            </a:gdLst>
+            <a:ahLst/>
+            <a:cxnLst>
+              <a:cxn ang="0">
+                <a:pos x="connsiteX0" y="connsiteY0"/>
+              </a:cxn>
+              <a:cxn ang="0">
+                <a:pos x="connsiteX1" y="connsiteY1"/>
+              </a:cxn>
+              <a:cxn ang="0">
+                <a:pos x="connsiteX2" y="connsiteY2"/>
+              </a:cxn>
+              <a:cxn ang="0">
+                <a:pos x="connsiteX3" y="connsiteY3"/>
+              </a:cxn>
+              <a:cxn ang="0">
+                <a:pos x="connsiteX4" y="connsiteY4"/>
+              </a:cxn>
+              <a:cxn ang="0">
+                <a:pos x="connsiteX5" y="connsiteY5"/>
+              </a:cxn>
+              <a:cxn ang="0">
+                <a:pos x="connsiteX6" y="connsiteY6"/>
+              </a:cxn>
+              <a:cxn ang="0">
+                <a:pos x="connsiteX7" y="connsiteY7"/>
+              </a:cxn>
+              <a:cxn ang="0">
+                <a:pos x="connsiteX8" y="connsiteY8"/>
+              </a:cxn>
+              <a:cxn ang="0">
+                <a:pos x="connsiteX9" y="connsiteY9"/>
+              </a:cxn>
+              <a:cxn ang="0">
+                <a:pos x="connsiteX10" y="connsiteY10"/>
+              </a:cxn>
+              <a:cxn ang="0">
+                <a:pos x="connsiteX11" y="connsiteY11"/>
+              </a:cxn>
+            </a:cxnLst>
+            <a:rect l="l" t="t" r="r" b="b"/>
+            <a:pathLst>
+              <a:path w="3255095" h="18288" fill="none" extrusionOk="0">
+                <a:moveTo>
+                  <a:pt x="0" y="0"/>
+                </a:moveTo>
+                <a:cubicBezTo>
+                  <a:pt x="240201" y="-22123"/>
+                  <a:pt x="462021" y="-19623"/>
+                  <a:pt x="618468" y="0"/>
+                </a:cubicBezTo>
+                <a:cubicBezTo>
+                  <a:pt x="774915" y="19623"/>
+                  <a:pt x="974734" y="2035"/>
+                  <a:pt x="1269487" y="0"/>
+                </a:cubicBezTo>
+                <a:cubicBezTo>
+                  <a:pt x="1564240" y="-2035"/>
+                  <a:pt x="1733579" y="10639"/>
+                  <a:pt x="1953057" y="0"/>
+                </a:cubicBezTo>
+                <a:cubicBezTo>
+                  <a:pt x="2172535" y="-10639"/>
+                  <a:pt x="2453962" y="14018"/>
+                  <a:pt x="2636627" y="0"/>
+                </a:cubicBezTo>
+                <a:cubicBezTo>
+                  <a:pt x="2819292" y="-14018"/>
+                  <a:pt x="3121375" y="5399"/>
+                  <a:pt x="3255095" y="0"/>
+                </a:cubicBezTo>
+                <a:cubicBezTo>
+                  <a:pt x="3254386" y="8157"/>
+                  <a:pt x="3254682" y="12125"/>
+                  <a:pt x="3255095" y="18288"/>
+                </a:cubicBezTo>
+                <a:cubicBezTo>
+                  <a:pt x="3088545" y="23203"/>
+                  <a:pt x="2687475" y="7419"/>
+                  <a:pt x="2538974" y="18288"/>
+                </a:cubicBezTo>
+                <a:cubicBezTo>
+                  <a:pt x="2390473" y="29157"/>
+                  <a:pt x="2137381" y="-8959"/>
+                  <a:pt x="1822853" y="18288"/>
+                </a:cubicBezTo>
+                <a:cubicBezTo>
+                  <a:pt x="1508325" y="45535"/>
+                  <a:pt x="1466437" y="20385"/>
+                  <a:pt x="1171834" y="18288"/>
+                </a:cubicBezTo>
+                <a:cubicBezTo>
+                  <a:pt x="877231" y="16191"/>
+                  <a:pt x="561097" y="37643"/>
+                  <a:pt x="0" y="18288"/>
+                </a:cubicBezTo>
+                <a:cubicBezTo>
+                  <a:pt x="-46" y="12483"/>
+                  <a:pt x="-203" y="6491"/>
+                  <a:pt x="0" y="0"/>
+                </a:cubicBezTo>
+                <a:close/>
+              </a:path>
+              <a:path w="3255095" h="18288" stroke="0" extrusionOk="0">
+                <a:moveTo>
+                  <a:pt x="0" y="0"/>
+                </a:moveTo>
+                <a:cubicBezTo>
+                  <a:pt x="291965" y="19429"/>
+                  <a:pt x="363155" y="8568"/>
+                  <a:pt x="618468" y="0"/>
+                </a:cubicBezTo>
+                <a:cubicBezTo>
+                  <a:pt x="873781" y="-8568"/>
+                  <a:pt x="904459" y="-19505"/>
+                  <a:pt x="1171834" y="0"/>
+                </a:cubicBezTo>
+                <a:cubicBezTo>
+                  <a:pt x="1439209" y="19505"/>
+                  <a:pt x="1744369" y="9790"/>
+                  <a:pt x="1887955" y="0"/>
+                </a:cubicBezTo>
+                <a:cubicBezTo>
+                  <a:pt x="2031541" y="-9790"/>
+                  <a:pt x="2346378" y="21240"/>
+                  <a:pt x="2506423" y="0"/>
+                </a:cubicBezTo>
+                <a:cubicBezTo>
+                  <a:pt x="2666468" y="-21240"/>
+                  <a:pt x="2990257" y="30414"/>
+                  <a:pt x="3255095" y="0"/>
+                </a:cubicBezTo>
+                <a:cubicBezTo>
+                  <a:pt x="3254831" y="4493"/>
+                  <a:pt x="3255479" y="9472"/>
+                  <a:pt x="3255095" y="18288"/>
+                </a:cubicBezTo>
+                <a:cubicBezTo>
+                  <a:pt x="3120743" y="16690"/>
+                  <a:pt x="2759628" y="42462"/>
+                  <a:pt x="2604076" y="18288"/>
+                </a:cubicBezTo>
+                <a:cubicBezTo>
+                  <a:pt x="2448524" y="-5886"/>
+                  <a:pt x="2184336" y="19599"/>
+                  <a:pt x="1887955" y="18288"/>
+                </a:cubicBezTo>
+                <a:cubicBezTo>
+                  <a:pt x="1591574" y="16977"/>
+                  <a:pt x="1548845" y="6870"/>
+                  <a:pt x="1334589" y="18288"/>
+                </a:cubicBezTo>
+                <a:cubicBezTo>
+                  <a:pt x="1120333" y="29706"/>
+                  <a:pt x="996014" y="9662"/>
+                  <a:pt x="683570" y="18288"/>
+                </a:cubicBezTo>
+                <a:cubicBezTo>
+                  <a:pt x="371126" y="26914"/>
+                  <a:pt x="198687" y="16167"/>
+                  <a:pt x="0" y="18288"/>
+                </a:cubicBezTo>
+                <a:cubicBezTo>
+                  <a:pt x="843" y="9577"/>
+                  <a:pt x="371" y="6900"/>
+                  <a:pt x="0" y="0"/>
+                </a:cubicBezTo>
+                <a:close/>
+              </a:path>
+            </a:pathLst>
+          </a:custGeom>
+          <a:solidFill>
+            <a:schemeClr val="accent2"/>
+          </a:solidFill>
+          <a:ln w="38100" cap="rnd">
+            <a:solidFill>
+              <a:schemeClr val="accent2"/>
+            </a:solidFill>
+            <a:round/>
+            <a:extLst>
+              <a:ext uri="{C807C97D-BFC1-408E-A445-0C87EB9F89A2}">
+                <ask:lineSketchStyleProps xmlns:ask="http://schemas.microsoft.com/office/drawing/2018/sketchyshapes" sd="1219033472">
+                  <a:prstGeom prst="rect">
+                    <a:avLst/>
+                  </a:prstGeom>
+                  <ask:type>
+                    <ask:lineSketchFreehand/>
+                  </ask:type>
+                </ask:lineSketchStyleProps>
+              </a:ext>
+            </a:extLst>
+          </a:ln>
+        </p:spPr>
+        <p:style>
+          <a:lnRef idx="2">
+            <a:schemeClr val="accent1">
+              <a:shade val="50000"/>
+            </a:schemeClr>
+          </a:lnRef>
+          <a:fillRef idx="1">
+            <a:schemeClr val="accent1"/>
+          </a:fillRef>
+          <a:effectRef idx="0">
+            <a:schemeClr val="accent1"/>
+          </a:effectRef>
+          <a:fontRef idx="minor">
+            <a:schemeClr val="lt1"/>
+          </a:fontRef>
+        </p:style>
+        <p:txBody>
+          <a:bodyPr rtlCol="0" anchor="ctr"/>
+          <a:lstStyle/>
+          <a:p>
+            <a:pPr algn="ctr"/>
+            <a:endParaRPr lang="en-US"/>
+          </a:p>
+        </p:txBody>
+      </p:sp>
+      <p:sp>
+        <p:nvSpPr>
+          <p:cNvPr id="11" name="Content Placeholder 10">
+            <a:extLst>
+              <a:ext uri="{FF2B5EF4-FFF2-40B4-BE49-F238E27FC236}">
+                <a16:creationId xmlns:a16="http://schemas.microsoft.com/office/drawing/2014/main" id="{41E4F238-9511-4B09-022F-BE1C0A25BBE0}"/>
               </a:ext>
             </a:extLst>
           </p:cNvPr>
@@ -3570,19 +3924,83 @@
             <p:ph idx="1"/>
           </p:nvPr>
         </p:nvSpPr>
-        <p:spPr/>
-        <p:txBody>
-          <a:bodyPr/>
-          <a:lstStyle/>
-          <a:p>
-            <a:endParaRPr lang="de-DE"/>
-          </a:p>
-        </p:txBody>
-      </p:sp>
+        <p:spPr>
+          <a:xfrm>
+            <a:off x="630936" y="2660904"/>
+            <a:ext cx="4818888" cy="3547872"/>
+          </a:xfrm>
+        </p:spPr>
+        <p:txBody>
+          <a:bodyPr anchor="t">
+            <a:normAutofit/>
+          </a:bodyPr>
+          <a:lstStyle/>
+          <a:p>
+            <a:r>
+              <a:rPr lang="en-US" sz="2200"/>
+              <a:t>Verbindung wird mit Hilfe einer Config Datei configuriert.</a:t>
+            </a:r>
+          </a:p>
+          <a:p>
+            <a:r>
+              <a:rPr lang="en-US" sz="2200"/>
+              <a:t>Sensor Service Polled mmWave-Sensor</a:t>
+            </a:r>
+          </a:p>
+          <a:p>
+            <a:r>
+              <a:rPr lang="en-US" sz="2200"/>
+              <a:t>Bei Statusveraenderung einer Area warden Daten Peristiert</a:t>
+            </a:r>
+          </a:p>
+          <a:p>
+            <a:r>
+              <a:rPr lang="en-US" sz="2200"/>
+              <a:t>Daten warden über REST-API in DB Peristiert</a:t>
+            </a:r>
+          </a:p>
+        </p:txBody>
+      </p:sp>
+      <p:pic>
+        <p:nvPicPr>
+          <p:cNvPr id="7" name="Inhaltsplatzhalter 6" descr="Ein Bild, das Diagramm, Entwurf, Zeichnung, Design enthält.&#10;&#10;Automatisch generierte Beschreibung">
+            <a:extLst>
+              <a:ext uri="{FF2B5EF4-FFF2-40B4-BE49-F238E27FC236}">
+                <a16:creationId xmlns:a16="http://schemas.microsoft.com/office/drawing/2014/main" id="{E5FDBD06-200D-33C7-1BFB-D3C1E02DD75F}"/>
+              </a:ext>
+            </a:extLst>
+          </p:cNvPr>
+          <p:cNvPicPr>
+            <a:picLocks noChangeAspect="1"/>
+          </p:cNvPicPr>
+          <p:nvPr/>
+        </p:nvPicPr>
+        <p:blipFill>
+          <a:blip r:embed="rId2">
+            <a:extLst>
+              <a:ext uri="{28A0092B-C50C-407E-A947-70E740481C1C}">
+                <a14:useLocalDpi xmlns:a14="http://schemas.microsoft.com/office/drawing/2010/main" val="0"/>
+              </a:ext>
+            </a:extLst>
+          </a:blip>
+          <a:stretch>
+            <a:fillRect/>
+          </a:stretch>
+        </p:blipFill>
+        <p:spPr>
+          <a:xfrm>
+            <a:off x="6734911" y="640080"/>
+            <a:ext cx="4187242" cy="5577840"/>
+          </a:xfrm>
+          <a:prstGeom prst="rect">
+            <a:avLst/>
+          </a:prstGeom>
+        </p:spPr>
+      </p:pic>
     </p:spTree>
     <p:extLst>
       <p:ext uri="{BB962C8B-B14F-4D97-AF65-F5344CB8AC3E}">
-        <p14:creationId xmlns:p14="http://schemas.microsoft.com/office/powerpoint/2010/main" val="1764534369"/>
+        <p14:creationId xmlns:p14="http://schemas.microsoft.com/office/powerpoint/2010/main" val="4087601212"/>
       </p:ext>
     </p:extLst>
   </p:cSld>
@@ -3595,6 +4013,14 @@
 <file path=ppt/slides/slide12.xml><?xml version="1.0" encoding="utf-8"?>
 <p:sld xmlns:a="http://schemas.openxmlformats.org/drawingml/2006/main" xmlns:r="http://schemas.openxmlformats.org/officeDocument/2006/relationships" xmlns:p="http://schemas.openxmlformats.org/presentationml/2006/main">
   <p:cSld>
+    <p:bg>
+      <p:bgPr>
+        <a:solidFill>
+          <a:schemeClr val="bg1"/>
+        </a:solidFill>
+        <a:effectLst/>
+      </p:bgPr>
+    </p:bg>
     <p:spTree>
       <p:nvGrpSpPr>
         <p:cNvPr id="1" name=""/>
@@ -3609,12 +4035,72 @@
           <a:chExt cx="0" cy="0"/>
         </a:xfrm>
       </p:grpSpPr>
+      <p:sp useBgFill="1">
+        <p:nvSpPr>
+          <p:cNvPr id="47" name="Rectangle 42">
+            <a:extLst>
+              <a:ext uri="{FF2B5EF4-FFF2-40B4-BE49-F238E27FC236}">
+                <a16:creationId xmlns:a16="http://schemas.microsoft.com/office/drawing/2014/main" id="{743AA782-23D1-4521-8CAD-47662984AA08}"/>
+              </a:ext>
+              <a:ext uri="{C183D7F6-B498-43B3-948B-1728B52AA6E4}">
+                <adec:decorative xmlns:adec="http://schemas.microsoft.com/office/drawing/2017/decorative" val="1"/>
+              </a:ext>
+            </a:extLst>
+          </p:cNvPr>
+          <p:cNvSpPr>
+            <a:spLocks noGrp="1" noRot="1" noChangeAspect="1" noMove="1" noResize="1" noEditPoints="1" noAdjustHandles="1" noChangeArrowheads="1" noChangeShapeType="1" noTextEdit="1"/>
+          </p:cNvSpPr>
+          <p:nvPr>
+            <p:extLst>
+              <p:ext uri="{386F3935-93C4-4BCD-93E2-E3B085C9AB24}">
+                <p16:designElem xmlns:p16="http://schemas.microsoft.com/office/powerpoint/2015/main" val="1"/>
+              </p:ext>
+            </p:extLst>
+          </p:nvPr>
+        </p:nvSpPr>
+        <p:spPr>
+          <a:xfrm>
+            <a:off x="0" y="0"/>
+            <a:ext cx="12192000" cy="6858000"/>
+          </a:xfrm>
+          <a:prstGeom prst="rect">
+            <a:avLst/>
+          </a:prstGeom>
+          <a:ln>
+            <a:noFill/>
+          </a:ln>
+        </p:spPr>
+        <p:style>
+          <a:lnRef idx="2">
+            <a:schemeClr val="accent1">
+              <a:shade val="50000"/>
+            </a:schemeClr>
+          </a:lnRef>
+          <a:fillRef idx="1">
+            <a:schemeClr val="accent1"/>
+          </a:fillRef>
+          <a:effectRef idx="0">
+            <a:schemeClr val="accent1"/>
+          </a:effectRef>
+          <a:fontRef idx="minor">
+            <a:schemeClr val="lt1"/>
+          </a:fontRef>
+        </p:style>
+        <p:txBody>
+          <a:bodyPr rtlCol="0" anchor="ctr"/>
+          <a:lstStyle/>
+          <a:p>
+            <a:pPr algn="ctr"/>
+            <a:endParaRPr lang="en-US"/>
+          </a:p>
+        </p:txBody>
+      </p:sp>
       <p:sp>
         <p:nvSpPr>
           <p:cNvPr id="2" name="Titel 1">
             <a:extLst>
               <a:ext uri="{FF2B5EF4-FFF2-40B4-BE49-F238E27FC236}">
-                <a16:creationId xmlns:a16="http://schemas.microsoft.com/office/drawing/2014/main" id="{26AF6C46-E64E-1D75-0AA5-582EDA3E91EC}"/>
+                <a16:creationId xmlns:a16="http://schemas.microsoft.com/office/drawing/2014/main" id="{FFB70AAE-CEC4-0A75-4753-32032DEFB29E}"/>
               </a:ext>
             </a:extLst>
           </p:cNvPr>
@@ -3625,24 +4111,304 @@
             <p:ph type="title"/>
           </p:nvPr>
         </p:nvSpPr>
-        <p:spPr/>
-        <p:txBody>
-          <a:bodyPr/>
-          <a:lstStyle/>
-          <a:p>
-            <a:r>
-              <a:rPr lang="de-DE" dirty="0"/>
-              <a:t>Implementierung</a:t>
-            </a:r>
-          </a:p>
-        </p:txBody>
-      </p:sp>
-      <p:sp>
-        <p:nvSpPr>
-          <p:cNvPr id="3" name="Inhaltsplatzhalter 2">
-            <a:extLst>
-              <a:ext uri="{FF2B5EF4-FFF2-40B4-BE49-F238E27FC236}">
-                <a16:creationId xmlns:a16="http://schemas.microsoft.com/office/drawing/2014/main" id="{6532EB35-07F6-1CA5-35C5-786DDDF2CEE3}"/>
+        <p:spPr>
+          <a:xfrm>
+            <a:off x="630936" y="640080"/>
+            <a:ext cx="4818888" cy="1481328"/>
+          </a:xfrm>
+        </p:spPr>
+        <p:txBody>
+          <a:bodyPr anchor="b">
+            <a:normAutofit/>
+          </a:bodyPr>
+          <a:lstStyle/>
+          <a:p>
+            <a:r>
+              <a:rPr lang="de-DE" sz="5400" dirty="0"/>
+              <a:t>Alarm Service</a:t>
+            </a:r>
+          </a:p>
+        </p:txBody>
+      </p:sp>
+      <p:sp>
+        <p:nvSpPr>
+          <p:cNvPr id="48" name="sketch line">
+            <a:extLst>
+              <a:ext uri="{FF2B5EF4-FFF2-40B4-BE49-F238E27FC236}">
+                <a16:creationId xmlns:a16="http://schemas.microsoft.com/office/drawing/2014/main" id="{650D18FE-0824-4A46-B22C-A86B52E5780A}"/>
+              </a:ext>
+              <a:ext uri="{C183D7F6-B498-43B3-948B-1728B52AA6E4}">
+                <adec:decorative xmlns:adec="http://schemas.microsoft.com/office/drawing/2017/decorative" val="1"/>
+              </a:ext>
+            </a:extLst>
+          </p:cNvPr>
+          <p:cNvSpPr>
+            <a:spLocks noGrp="1" noRot="1" noChangeAspect="1" noMove="1" noResize="1" noEditPoints="1" noAdjustHandles="1" noChangeArrowheads="1" noChangeShapeType="1" noTextEdit="1"/>
+          </p:cNvSpPr>
+          <p:nvPr>
+            <p:extLst>
+              <p:ext uri="{386F3935-93C4-4BCD-93E2-E3B085C9AB24}">
+                <p16:designElem xmlns:p16="http://schemas.microsoft.com/office/powerpoint/2015/main" val="1"/>
+              </p:ext>
+            </p:extLst>
+          </p:nvPr>
+        </p:nvSpPr>
+        <p:spPr>
+          <a:xfrm>
+            <a:off x="643278" y="2372868"/>
+            <a:ext cx="3255095" cy="18288"/>
+          </a:xfrm>
+          <a:custGeom>
+            <a:avLst/>
+            <a:gdLst>
+              <a:gd name="connsiteX0" fmla="*/ 0 w 3255095"/>
+              <a:gd name="connsiteY0" fmla="*/ 0 h 18288"/>
+              <a:gd name="connsiteX1" fmla="*/ 618468 w 3255095"/>
+              <a:gd name="connsiteY1" fmla="*/ 0 h 18288"/>
+              <a:gd name="connsiteX2" fmla="*/ 1269487 w 3255095"/>
+              <a:gd name="connsiteY2" fmla="*/ 0 h 18288"/>
+              <a:gd name="connsiteX3" fmla="*/ 1953057 w 3255095"/>
+              <a:gd name="connsiteY3" fmla="*/ 0 h 18288"/>
+              <a:gd name="connsiteX4" fmla="*/ 2636627 w 3255095"/>
+              <a:gd name="connsiteY4" fmla="*/ 0 h 18288"/>
+              <a:gd name="connsiteX5" fmla="*/ 3255095 w 3255095"/>
+              <a:gd name="connsiteY5" fmla="*/ 0 h 18288"/>
+              <a:gd name="connsiteX6" fmla="*/ 3255095 w 3255095"/>
+              <a:gd name="connsiteY6" fmla="*/ 18288 h 18288"/>
+              <a:gd name="connsiteX7" fmla="*/ 2538974 w 3255095"/>
+              <a:gd name="connsiteY7" fmla="*/ 18288 h 18288"/>
+              <a:gd name="connsiteX8" fmla="*/ 1822853 w 3255095"/>
+              <a:gd name="connsiteY8" fmla="*/ 18288 h 18288"/>
+              <a:gd name="connsiteX9" fmla="*/ 1171834 w 3255095"/>
+              <a:gd name="connsiteY9" fmla="*/ 18288 h 18288"/>
+              <a:gd name="connsiteX10" fmla="*/ 0 w 3255095"/>
+              <a:gd name="connsiteY10" fmla="*/ 18288 h 18288"/>
+              <a:gd name="connsiteX11" fmla="*/ 0 w 3255095"/>
+              <a:gd name="connsiteY11" fmla="*/ 0 h 18288"/>
+            </a:gdLst>
+            <a:ahLst/>
+            <a:cxnLst>
+              <a:cxn ang="0">
+                <a:pos x="connsiteX0" y="connsiteY0"/>
+              </a:cxn>
+              <a:cxn ang="0">
+                <a:pos x="connsiteX1" y="connsiteY1"/>
+              </a:cxn>
+              <a:cxn ang="0">
+                <a:pos x="connsiteX2" y="connsiteY2"/>
+              </a:cxn>
+              <a:cxn ang="0">
+                <a:pos x="connsiteX3" y="connsiteY3"/>
+              </a:cxn>
+              <a:cxn ang="0">
+                <a:pos x="connsiteX4" y="connsiteY4"/>
+              </a:cxn>
+              <a:cxn ang="0">
+                <a:pos x="connsiteX5" y="connsiteY5"/>
+              </a:cxn>
+              <a:cxn ang="0">
+                <a:pos x="connsiteX6" y="connsiteY6"/>
+              </a:cxn>
+              <a:cxn ang="0">
+                <a:pos x="connsiteX7" y="connsiteY7"/>
+              </a:cxn>
+              <a:cxn ang="0">
+                <a:pos x="connsiteX8" y="connsiteY8"/>
+              </a:cxn>
+              <a:cxn ang="0">
+                <a:pos x="connsiteX9" y="connsiteY9"/>
+              </a:cxn>
+              <a:cxn ang="0">
+                <a:pos x="connsiteX10" y="connsiteY10"/>
+              </a:cxn>
+              <a:cxn ang="0">
+                <a:pos x="connsiteX11" y="connsiteY11"/>
+              </a:cxn>
+            </a:cxnLst>
+            <a:rect l="l" t="t" r="r" b="b"/>
+            <a:pathLst>
+              <a:path w="3255095" h="18288" fill="none" extrusionOk="0">
+                <a:moveTo>
+                  <a:pt x="0" y="0"/>
+                </a:moveTo>
+                <a:cubicBezTo>
+                  <a:pt x="240201" y="-22123"/>
+                  <a:pt x="462021" y="-19623"/>
+                  <a:pt x="618468" y="0"/>
+                </a:cubicBezTo>
+                <a:cubicBezTo>
+                  <a:pt x="774915" y="19623"/>
+                  <a:pt x="974734" y="2035"/>
+                  <a:pt x="1269487" y="0"/>
+                </a:cubicBezTo>
+                <a:cubicBezTo>
+                  <a:pt x="1564240" y="-2035"/>
+                  <a:pt x="1733579" y="10639"/>
+                  <a:pt x="1953057" y="0"/>
+                </a:cubicBezTo>
+                <a:cubicBezTo>
+                  <a:pt x="2172535" y="-10639"/>
+                  <a:pt x="2453962" y="14018"/>
+                  <a:pt x="2636627" y="0"/>
+                </a:cubicBezTo>
+                <a:cubicBezTo>
+                  <a:pt x="2819292" y="-14018"/>
+                  <a:pt x="3121375" y="5399"/>
+                  <a:pt x="3255095" y="0"/>
+                </a:cubicBezTo>
+                <a:cubicBezTo>
+                  <a:pt x="3254386" y="8157"/>
+                  <a:pt x="3254682" y="12125"/>
+                  <a:pt x="3255095" y="18288"/>
+                </a:cubicBezTo>
+                <a:cubicBezTo>
+                  <a:pt x="3088545" y="23203"/>
+                  <a:pt x="2687475" y="7419"/>
+                  <a:pt x="2538974" y="18288"/>
+                </a:cubicBezTo>
+                <a:cubicBezTo>
+                  <a:pt x="2390473" y="29157"/>
+                  <a:pt x="2137381" y="-8959"/>
+                  <a:pt x="1822853" y="18288"/>
+                </a:cubicBezTo>
+                <a:cubicBezTo>
+                  <a:pt x="1508325" y="45535"/>
+                  <a:pt x="1466437" y="20385"/>
+                  <a:pt x="1171834" y="18288"/>
+                </a:cubicBezTo>
+                <a:cubicBezTo>
+                  <a:pt x="877231" y="16191"/>
+                  <a:pt x="561097" y="37643"/>
+                  <a:pt x="0" y="18288"/>
+                </a:cubicBezTo>
+                <a:cubicBezTo>
+                  <a:pt x="-46" y="12483"/>
+                  <a:pt x="-203" y="6491"/>
+                  <a:pt x="0" y="0"/>
+                </a:cubicBezTo>
+                <a:close/>
+              </a:path>
+              <a:path w="3255095" h="18288" stroke="0" extrusionOk="0">
+                <a:moveTo>
+                  <a:pt x="0" y="0"/>
+                </a:moveTo>
+                <a:cubicBezTo>
+                  <a:pt x="291965" y="19429"/>
+                  <a:pt x="363155" y="8568"/>
+                  <a:pt x="618468" y="0"/>
+                </a:cubicBezTo>
+                <a:cubicBezTo>
+                  <a:pt x="873781" y="-8568"/>
+                  <a:pt x="904459" y="-19505"/>
+                  <a:pt x="1171834" y="0"/>
+                </a:cubicBezTo>
+                <a:cubicBezTo>
+                  <a:pt x="1439209" y="19505"/>
+                  <a:pt x="1744369" y="9790"/>
+                  <a:pt x="1887955" y="0"/>
+                </a:cubicBezTo>
+                <a:cubicBezTo>
+                  <a:pt x="2031541" y="-9790"/>
+                  <a:pt x="2346378" y="21240"/>
+                  <a:pt x="2506423" y="0"/>
+                </a:cubicBezTo>
+                <a:cubicBezTo>
+                  <a:pt x="2666468" y="-21240"/>
+                  <a:pt x="2990257" y="30414"/>
+                  <a:pt x="3255095" y="0"/>
+                </a:cubicBezTo>
+                <a:cubicBezTo>
+                  <a:pt x="3254831" y="4493"/>
+                  <a:pt x="3255479" y="9472"/>
+                  <a:pt x="3255095" y="18288"/>
+                </a:cubicBezTo>
+                <a:cubicBezTo>
+                  <a:pt x="3120743" y="16690"/>
+                  <a:pt x="2759628" y="42462"/>
+                  <a:pt x="2604076" y="18288"/>
+                </a:cubicBezTo>
+                <a:cubicBezTo>
+                  <a:pt x="2448524" y="-5886"/>
+                  <a:pt x="2184336" y="19599"/>
+                  <a:pt x="1887955" y="18288"/>
+                </a:cubicBezTo>
+                <a:cubicBezTo>
+                  <a:pt x="1591574" y="16977"/>
+                  <a:pt x="1548845" y="6870"/>
+                  <a:pt x="1334589" y="18288"/>
+                </a:cubicBezTo>
+                <a:cubicBezTo>
+                  <a:pt x="1120333" y="29706"/>
+                  <a:pt x="996014" y="9662"/>
+                  <a:pt x="683570" y="18288"/>
+                </a:cubicBezTo>
+                <a:cubicBezTo>
+                  <a:pt x="371126" y="26914"/>
+                  <a:pt x="198687" y="16167"/>
+                  <a:pt x="0" y="18288"/>
+                </a:cubicBezTo>
+                <a:cubicBezTo>
+                  <a:pt x="843" y="9577"/>
+                  <a:pt x="371" y="6900"/>
+                  <a:pt x="0" y="0"/>
+                </a:cubicBezTo>
+                <a:close/>
+              </a:path>
+            </a:pathLst>
+          </a:custGeom>
+          <a:solidFill>
+            <a:schemeClr val="accent2"/>
+          </a:solidFill>
+          <a:ln w="38100" cap="rnd">
+            <a:solidFill>
+              <a:schemeClr val="accent2"/>
+            </a:solidFill>
+            <a:round/>
+            <a:extLst>
+              <a:ext uri="{C807C97D-BFC1-408E-A445-0C87EB9F89A2}">
+                <ask:lineSketchStyleProps xmlns:ask="http://schemas.microsoft.com/office/drawing/2018/sketchyshapes" sd="1219033472">
+                  <a:prstGeom prst="rect">
+                    <a:avLst/>
+                  </a:prstGeom>
+                  <ask:type>
+                    <ask:lineSketchFreehand/>
+                  </ask:type>
+                </ask:lineSketchStyleProps>
+              </a:ext>
+            </a:extLst>
+          </a:ln>
+        </p:spPr>
+        <p:style>
+          <a:lnRef idx="2">
+            <a:schemeClr val="accent1">
+              <a:shade val="50000"/>
+            </a:schemeClr>
+          </a:lnRef>
+          <a:fillRef idx="1">
+            <a:schemeClr val="accent1"/>
+          </a:fillRef>
+          <a:effectRef idx="0">
+            <a:schemeClr val="accent1"/>
+          </a:effectRef>
+          <a:fontRef idx="minor">
+            <a:schemeClr val="lt1"/>
+          </a:fontRef>
+        </p:style>
+        <p:txBody>
+          <a:bodyPr rtlCol="0" anchor="ctr"/>
+          <a:lstStyle/>
+          <a:p>
+            <a:pPr algn="ctr"/>
+            <a:endParaRPr lang="en-US"/>
+          </a:p>
+        </p:txBody>
+      </p:sp>
+      <p:sp>
+        <p:nvSpPr>
+          <p:cNvPr id="11" name="Content Placeholder 10">
+            <a:extLst>
+              <a:ext uri="{FF2B5EF4-FFF2-40B4-BE49-F238E27FC236}">
+                <a16:creationId xmlns:a16="http://schemas.microsoft.com/office/drawing/2014/main" id="{41E4F238-9511-4B09-022F-BE1C0A25BBE0}"/>
               </a:ext>
             </a:extLst>
           </p:cNvPr>
@@ -3653,19 +4419,169 @@
             <p:ph idx="1"/>
           </p:nvPr>
         </p:nvSpPr>
-        <p:spPr/>
-        <p:txBody>
-          <a:bodyPr/>
-          <a:lstStyle/>
-          <a:p>
-            <a:endParaRPr lang="de-DE"/>
-          </a:p>
-        </p:txBody>
-      </p:sp>
+        <p:spPr>
+          <a:xfrm>
+            <a:off x="630936" y="2660904"/>
+            <a:ext cx="4818888" cy="3547872"/>
+          </a:xfrm>
+        </p:spPr>
+        <p:txBody>
+          <a:bodyPr anchor="t">
+            <a:normAutofit/>
+          </a:bodyPr>
+          <a:lstStyle/>
+          <a:p>
+            <a:r>
+              <a:rPr lang="en-US" sz="2200" dirty="0"/>
+              <a:t>Alarm Service holt </a:t>
+            </a:r>
+            <a:r>
+              <a:rPr lang="en-US" sz="2200" dirty="0" err="1"/>
+              <a:t>sich</a:t>
+            </a:r>
+            <a:r>
+              <a:rPr lang="en-US" sz="2200" dirty="0"/>
+              <a:t> alle 30 </a:t>
+            </a:r>
+            <a:r>
+              <a:rPr lang="en-US" sz="2200" dirty="0" err="1"/>
+              <a:t>Sekunden</a:t>
+            </a:r>
+            <a:r>
+              <a:rPr lang="en-US" sz="2200" dirty="0"/>
+              <a:t> Alarm-</a:t>
+            </a:r>
+            <a:r>
+              <a:rPr lang="en-US" sz="2200" dirty="0" err="1"/>
+              <a:t>Konfiguration</a:t>
+            </a:r>
+            <a:endParaRPr lang="en-US" sz="2200" dirty="0"/>
+          </a:p>
+          <a:p>
+            <a:r>
+              <a:rPr lang="en-US" sz="2200" dirty="0" err="1"/>
+              <a:t>Überprüft</a:t>
+            </a:r>
+            <a:r>
+              <a:rPr lang="en-US" sz="2200" dirty="0"/>
+              <a:t> </a:t>
+            </a:r>
+            <a:r>
+              <a:rPr lang="en-US" sz="2200" dirty="0" err="1"/>
+              <a:t>ob</a:t>
+            </a:r>
+            <a:r>
+              <a:rPr lang="en-US" sz="2200" dirty="0"/>
+              <a:t> Alarm </a:t>
+            </a:r>
+            <a:r>
+              <a:rPr lang="en-US" sz="2200" dirty="0" err="1"/>
+              <a:t>ausgelöst</a:t>
+            </a:r>
+            <a:r>
+              <a:rPr lang="en-US" sz="2200" dirty="0"/>
+              <a:t> </a:t>
+            </a:r>
+            <a:r>
+              <a:rPr lang="en-US" sz="2200" dirty="0" err="1"/>
+              <a:t>werden</a:t>
+            </a:r>
+            <a:r>
+              <a:rPr lang="en-US" sz="2200" dirty="0"/>
+              <a:t> </a:t>
+            </a:r>
+            <a:r>
+              <a:rPr lang="en-US" sz="2200" dirty="0" err="1"/>
+              <a:t>soll</a:t>
+            </a:r>
+            <a:r>
+              <a:rPr lang="en-US" sz="2200" dirty="0"/>
+              <a:t>.</a:t>
+            </a:r>
+          </a:p>
+          <a:p>
+            <a:r>
+              <a:rPr lang="en-US" sz="2200" dirty="0"/>
+              <a:t>Polled </a:t>
+            </a:r>
+            <a:r>
+              <a:rPr lang="en-US" sz="2200" dirty="0" err="1"/>
+              <a:t>Anwesenheitsstatus</a:t>
+            </a:r>
+            <a:r>
+              <a:rPr lang="en-US" sz="2200" dirty="0"/>
+              <a:t> </a:t>
+            </a:r>
+            <a:r>
+              <a:rPr lang="en-US" sz="2200" dirty="0" err="1"/>
+              <a:t>über</a:t>
+            </a:r>
+            <a:r>
+              <a:rPr lang="en-US" sz="2200" dirty="0"/>
+              <a:t> REST-API (</a:t>
+            </a:r>
+            <a:r>
+              <a:rPr lang="en-US" sz="2200" dirty="0" err="1"/>
+              <a:t>Wenn</a:t>
+            </a:r>
+            <a:r>
+              <a:rPr lang="en-US" sz="2200" dirty="0"/>
+              <a:t> Alarm </a:t>
+            </a:r>
+            <a:r>
+              <a:rPr lang="en-US" sz="2200" dirty="0" err="1"/>
+              <a:t>ausgelöst</a:t>
+            </a:r>
+            <a:r>
+              <a:rPr lang="en-US" sz="2200" dirty="0"/>
+              <a:t>)</a:t>
+            </a:r>
+          </a:p>
+          <a:p>
+            <a:endParaRPr lang="en-US" sz="2200" dirty="0"/>
+          </a:p>
+        </p:txBody>
+      </p:sp>
+      <p:pic>
+        <p:nvPicPr>
+          <p:cNvPr id="6" name="Grafik 5" descr="Ein Bild, das Diagramm, Entwurf, Design enthält.&#10;&#10;Automatisch generierte Beschreibung">
+            <a:extLst>
+              <a:ext uri="{FF2B5EF4-FFF2-40B4-BE49-F238E27FC236}">
+                <a16:creationId xmlns:a16="http://schemas.microsoft.com/office/drawing/2014/main" id="{94BD0BFD-2C24-8500-0361-20DFB78D3D5E}"/>
+              </a:ext>
+            </a:extLst>
+          </p:cNvPr>
+          <p:cNvPicPr>
+            <a:picLocks noChangeAspect="1"/>
+          </p:cNvPicPr>
+          <p:nvPr/>
+        </p:nvPicPr>
+        <p:blipFill>
+          <a:blip r:embed="rId2">
+            <a:extLst>
+              <a:ext uri="{28A0092B-C50C-407E-A947-70E740481C1C}">
+                <a14:useLocalDpi xmlns:a14="http://schemas.microsoft.com/office/drawing/2010/main" val="0"/>
+              </a:ext>
+            </a:extLst>
+          </a:blip>
+          <a:stretch>
+            <a:fillRect/>
+          </a:stretch>
+        </p:blipFill>
+        <p:spPr>
+          <a:xfrm>
+            <a:off x="6099048" y="1088468"/>
+            <a:ext cx="5458968" cy="4681064"/>
+          </a:xfrm>
+          <a:prstGeom prst="rect">
+            <a:avLst/>
+          </a:prstGeom>
+        </p:spPr>
+      </p:pic>
     </p:spTree>
     <p:extLst>
       <p:ext uri="{BB962C8B-B14F-4D97-AF65-F5344CB8AC3E}">
-        <p14:creationId xmlns:p14="http://schemas.microsoft.com/office/powerpoint/2010/main" val="1271831112"/>
+        <p14:creationId xmlns:p14="http://schemas.microsoft.com/office/powerpoint/2010/main" val="505734689"/>
       </p:ext>
     </p:extLst>
   </p:cSld>
@@ -3678,6 +4594,14 @@
 <file path=ppt/slides/slide13.xml><?xml version="1.0" encoding="utf-8"?>
 <p:sld xmlns:a="http://schemas.openxmlformats.org/drawingml/2006/main" xmlns:r="http://schemas.openxmlformats.org/officeDocument/2006/relationships" xmlns:p="http://schemas.openxmlformats.org/presentationml/2006/main">
   <p:cSld>
+    <p:bg>
+      <p:bgPr>
+        <a:solidFill>
+          <a:schemeClr val="bg1"/>
+        </a:solidFill>
+        <a:effectLst/>
+      </p:bgPr>
+    </p:bg>
     <p:spTree>
       <p:nvGrpSpPr>
         <p:cNvPr id="1" name=""/>
@@ -3692,12 +4616,72 @@
           <a:chExt cx="0" cy="0"/>
         </a:xfrm>
       </p:grpSpPr>
+      <p:sp useBgFill="1">
+        <p:nvSpPr>
+          <p:cNvPr id="53" name="Rectangle 52">
+            <a:extLst>
+              <a:ext uri="{FF2B5EF4-FFF2-40B4-BE49-F238E27FC236}">
+                <a16:creationId xmlns:a16="http://schemas.microsoft.com/office/drawing/2014/main" id="{743AA782-23D1-4521-8CAD-47662984AA08}"/>
+              </a:ext>
+              <a:ext uri="{C183D7F6-B498-43B3-948B-1728B52AA6E4}">
+                <adec:decorative xmlns:adec="http://schemas.microsoft.com/office/drawing/2017/decorative" val="1"/>
+              </a:ext>
+            </a:extLst>
+          </p:cNvPr>
+          <p:cNvSpPr>
+            <a:spLocks noGrp="1" noRot="1" noChangeAspect="1" noMove="1" noResize="1" noEditPoints="1" noAdjustHandles="1" noChangeArrowheads="1" noChangeShapeType="1" noTextEdit="1"/>
+          </p:cNvSpPr>
+          <p:nvPr>
+            <p:extLst>
+              <p:ext uri="{386F3935-93C4-4BCD-93E2-E3B085C9AB24}">
+                <p16:designElem xmlns:p16="http://schemas.microsoft.com/office/powerpoint/2015/main" val="1"/>
+              </p:ext>
+            </p:extLst>
+          </p:nvPr>
+        </p:nvSpPr>
+        <p:spPr>
+          <a:xfrm>
+            <a:off x="0" y="0"/>
+            <a:ext cx="12192000" cy="6858000"/>
+          </a:xfrm>
+          <a:prstGeom prst="rect">
+            <a:avLst/>
+          </a:prstGeom>
+          <a:ln>
+            <a:noFill/>
+          </a:ln>
+        </p:spPr>
+        <p:style>
+          <a:lnRef idx="2">
+            <a:schemeClr val="accent1">
+              <a:shade val="50000"/>
+            </a:schemeClr>
+          </a:lnRef>
+          <a:fillRef idx="1">
+            <a:schemeClr val="accent1"/>
+          </a:fillRef>
+          <a:effectRef idx="0">
+            <a:schemeClr val="accent1"/>
+          </a:effectRef>
+          <a:fontRef idx="minor">
+            <a:schemeClr val="lt1"/>
+          </a:fontRef>
+        </p:style>
+        <p:txBody>
+          <a:bodyPr rtlCol="0" anchor="ctr"/>
+          <a:lstStyle/>
+          <a:p>
+            <a:pPr algn="ctr"/>
+            <a:endParaRPr lang="en-US"/>
+          </a:p>
+        </p:txBody>
+      </p:sp>
       <p:sp>
         <p:nvSpPr>
           <p:cNvPr id="2" name="Titel 1">
             <a:extLst>
               <a:ext uri="{FF2B5EF4-FFF2-40B4-BE49-F238E27FC236}">
-                <a16:creationId xmlns:a16="http://schemas.microsoft.com/office/drawing/2014/main" id="{E8FFF89F-F3F0-02D1-9EDC-51C8E4E0F1A0}"/>
+                <a16:creationId xmlns:a16="http://schemas.microsoft.com/office/drawing/2014/main" id="{FFB70AAE-CEC4-0A75-4753-32032DEFB29E}"/>
               </a:ext>
             </a:extLst>
           </p:cNvPr>
@@ -3708,24 +4692,304 @@
             <p:ph type="title"/>
           </p:nvPr>
         </p:nvSpPr>
-        <p:spPr/>
-        <p:txBody>
-          <a:bodyPr/>
-          <a:lstStyle/>
-          <a:p>
-            <a:r>
-              <a:rPr lang="de-DE" dirty="0"/>
-              <a:t>Webseite</a:t>
-            </a:r>
-          </a:p>
-        </p:txBody>
-      </p:sp>
-      <p:sp>
-        <p:nvSpPr>
-          <p:cNvPr id="3" name="Inhaltsplatzhalter 2">
-            <a:extLst>
-              <a:ext uri="{FF2B5EF4-FFF2-40B4-BE49-F238E27FC236}">
-                <a16:creationId xmlns:a16="http://schemas.microsoft.com/office/drawing/2014/main" id="{AC5ECC8D-D2EE-AA52-359F-D16708712DA4}"/>
+        <p:spPr>
+          <a:xfrm>
+            <a:off x="630936" y="640080"/>
+            <a:ext cx="4818888" cy="1481328"/>
+          </a:xfrm>
+        </p:spPr>
+        <p:txBody>
+          <a:bodyPr anchor="b">
+            <a:normAutofit/>
+          </a:bodyPr>
+          <a:lstStyle/>
+          <a:p>
+            <a:r>
+              <a:rPr lang="de-DE" sz="5400" dirty="0"/>
+              <a:t>Web Server</a:t>
+            </a:r>
+          </a:p>
+        </p:txBody>
+      </p:sp>
+      <p:sp>
+        <p:nvSpPr>
+          <p:cNvPr id="55" name="sketch line">
+            <a:extLst>
+              <a:ext uri="{FF2B5EF4-FFF2-40B4-BE49-F238E27FC236}">
+                <a16:creationId xmlns:a16="http://schemas.microsoft.com/office/drawing/2014/main" id="{650D18FE-0824-4A46-B22C-A86B52E5780A}"/>
+              </a:ext>
+              <a:ext uri="{C183D7F6-B498-43B3-948B-1728B52AA6E4}">
+                <adec:decorative xmlns:adec="http://schemas.microsoft.com/office/drawing/2017/decorative" val="1"/>
+              </a:ext>
+            </a:extLst>
+          </p:cNvPr>
+          <p:cNvSpPr>
+            <a:spLocks noGrp="1" noRot="1" noChangeAspect="1" noMove="1" noResize="1" noEditPoints="1" noAdjustHandles="1" noChangeArrowheads="1" noChangeShapeType="1" noTextEdit="1"/>
+          </p:cNvSpPr>
+          <p:nvPr>
+            <p:extLst>
+              <p:ext uri="{386F3935-93C4-4BCD-93E2-E3B085C9AB24}">
+                <p16:designElem xmlns:p16="http://schemas.microsoft.com/office/powerpoint/2015/main" val="1"/>
+              </p:ext>
+            </p:extLst>
+          </p:nvPr>
+        </p:nvSpPr>
+        <p:spPr>
+          <a:xfrm>
+            <a:off x="643278" y="2372868"/>
+            <a:ext cx="3255095" cy="18288"/>
+          </a:xfrm>
+          <a:custGeom>
+            <a:avLst/>
+            <a:gdLst>
+              <a:gd name="connsiteX0" fmla="*/ 0 w 3255095"/>
+              <a:gd name="connsiteY0" fmla="*/ 0 h 18288"/>
+              <a:gd name="connsiteX1" fmla="*/ 618468 w 3255095"/>
+              <a:gd name="connsiteY1" fmla="*/ 0 h 18288"/>
+              <a:gd name="connsiteX2" fmla="*/ 1269487 w 3255095"/>
+              <a:gd name="connsiteY2" fmla="*/ 0 h 18288"/>
+              <a:gd name="connsiteX3" fmla="*/ 1953057 w 3255095"/>
+              <a:gd name="connsiteY3" fmla="*/ 0 h 18288"/>
+              <a:gd name="connsiteX4" fmla="*/ 2636627 w 3255095"/>
+              <a:gd name="connsiteY4" fmla="*/ 0 h 18288"/>
+              <a:gd name="connsiteX5" fmla="*/ 3255095 w 3255095"/>
+              <a:gd name="connsiteY5" fmla="*/ 0 h 18288"/>
+              <a:gd name="connsiteX6" fmla="*/ 3255095 w 3255095"/>
+              <a:gd name="connsiteY6" fmla="*/ 18288 h 18288"/>
+              <a:gd name="connsiteX7" fmla="*/ 2538974 w 3255095"/>
+              <a:gd name="connsiteY7" fmla="*/ 18288 h 18288"/>
+              <a:gd name="connsiteX8" fmla="*/ 1822853 w 3255095"/>
+              <a:gd name="connsiteY8" fmla="*/ 18288 h 18288"/>
+              <a:gd name="connsiteX9" fmla="*/ 1171834 w 3255095"/>
+              <a:gd name="connsiteY9" fmla="*/ 18288 h 18288"/>
+              <a:gd name="connsiteX10" fmla="*/ 0 w 3255095"/>
+              <a:gd name="connsiteY10" fmla="*/ 18288 h 18288"/>
+              <a:gd name="connsiteX11" fmla="*/ 0 w 3255095"/>
+              <a:gd name="connsiteY11" fmla="*/ 0 h 18288"/>
+            </a:gdLst>
+            <a:ahLst/>
+            <a:cxnLst>
+              <a:cxn ang="0">
+                <a:pos x="connsiteX0" y="connsiteY0"/>
+              </a:cxn>
+              <a:cxn ang="0">
+                <a:pos x="connsiteX1" y="connsiteY1"/>
+              </a:cxn>
+              <a:cxn ang="0">
+                <a:pos x="connsiteX2" y="connsiteY2"/>
+              </a:cxn>
+              <a:cxn ang="0">
+                <a:pos x="connsiteX3" y="connsiteY3"/>
+              </a:cxn>
+              <a:cxn ang="0">
+                <a:pos x="connsiteX4" y="connsiteY4"/>
+              </a:cxn>
+              <a:cxn ang="0">
+                <a:pos x="connsiteX5" y="connsiteY5"/>
+              </a:cxn>
+              <a:cxn ang="0">
+                <a:pos x="connsiteX6" y="connsiteY6"/>
+              </a:cxn>
+              <a:cxn ang="0">
+                <a:pos x="connsiteX7" y="connsiteY7"/>
+              </a:cxn>
+              <a:cxn ang="0">
+                <a:pos x="connsiteX8" y="connsiteY8"/>
+              </a:cxn>
+              <a:cxn ang="0">
+                <a:pos x="connsiteX9" y="connsiteY9"/>
+              </a:cxn>
+              <a:cxn ang="0">
+                <a:pos x="connsiteX10" y="connsiteY10"/>
+              </a:cxn>
+              <a:cxn ang="0">
+                <a:pos x="connsiteX11" y="connsiteY11"/>
+              </a:cxn>
+            </a:cxnLst>
+            <a:rect l="l" t="t" r="r" b="b"/>
+            <a:pathLst>
+              <a:path w="3255095" h="18288" fill="none" extrusionOk="0">
+                <a:moveTo>
+                  <a:pt x="0" y="0"/>
+                </a:moveTo>
+                <a:cubicBezTo>
+                  <a:pt x="240201" y="-22123"/>
+                  <a:pt x="462021" y="-19623"/>
+                  <a:pt x="618468" y="0"/>
+                </a:cubicBezTo>
+                <a:cubicBezTo>
+                  <a:pt x="774915" y="19623"/>
+                  <a:pt x="974734" y="2035"/>
+                  <a:pt x="1269487" y="0"/>
+                </a:cubicBezTo>
+                <a:cubicBezTo>
+                  <a:pt x="1564240" y="-2035"/>
+                  <a:pt x="1733579" y="10639"/>
+                  <a:pt x="1953057" y="0"/>
+                </a:cubicBezTo>
+                <a:cubicBezTo>
+                  <a:pt x="2172535" y="-10639"/>
+                  <a:pt x="2453962" y="14018"/>
+                  <a:pt x="2636627" y="0"/>
+                </a:cubicBezTo>
+                <a:cubicBezTo>
+                  <a:pt x="2819292" y="-14018"/>
+                  <a:pt x="3121375" y="5399"/>
+                  <a:pt x="3255095" y="0"/>
+                </a:cubicBezTo>
+                <a:cubicBezTo>
+                  <a:pt x="3254386" y="8157"/>
+                  <a:pt x="3254682" y="12125"/>
+                  <a:pt x="3255095" y="18288"/>
+                </a:cubicBezTo>
+                <a:cubicBezTo>
+                  <a:pt x="3088545" y="23203"/>
+                  <a:pt x="2687475" y="7419"/>
+                  <a:pt x="2538974" y="18288"/>
+                </a:cubicBezTo>
+                <a:cubicBezTo>
+                  <a:pt x="2390473" y="29157"/>
+                  <a:pt x="2137381" y="-8959"/>
+                  <a:pt x="1822853" y="18288"/>
+                </a:cubicBezTo>
+                <a:cubicBezTo>
+                  <a:pt x="1508325" y="45535"/>
+                  <a:pt x="1466437" y="20385"/>
+                  <a:pt x="1171834" y="18288"/>
+                </a:cubicBezTo>
+                <a:cubicBezTo>
+                  <a:pt x="877231" y="16191"/>
+                  <a:pt x="561097" y="37643"/>
+                  <a:pt x="0" y="18288"/>
+                </a:cubicBezTo>
+                <a:cubicBezTo>
+                  <a:pt x="-46" y="12483"/>
+                  <a:pt x="-203" y="6491"/>
+                  <a:pt x="0" y="0"/>
+                </a:cubicBezTo>
+                <a:close/>
+              </a:path>
+              <a:path w="3255095" h="18288" stroke="0" extrusionOk="0">
+                <a:moveTo>
+                  <a:pt x="0" y="0"/>
+                </a:moveTo>
+                <a:cubicBezTo>
+                  <a:pt x="291965" y="19429"/>
+                  <a:pt x="363155" y="8568"/>
+                  <a:pt x="618468" y="0"/>
+                </a:cubicBezTo>
+                <a:cubicBezTo>
+                  <a:pt x="873781" y="-8568"/>
+                  <a:pt x="904459" y="-19505"/>
+                  <a:pt x="1171834" y="0"/>
+                </a:cubicBezTo>
+                <a:cubicBezTo>
+                  <a:pt x="1439209" y="19505"/>
+                  <a:pt x="1744369" y="9790"/>
+                  <a:pt x="1887955" y="0"/>
+                </a:cubicBezTo>
+                <a:cubicBezTo>
+                  <a:pt x="2031541" y="-9790"/>
+                  <a:pt x="2346378" y="21240"/>
+                  <a:pt x="2506423" y="0"/>
+                </a:cubicBezTo>
+                <a:cubicBezTo>
+                  <a:pt x="2666468" y="-21240"/>
+                  <a:pt x="2990257" y="30414"/>
+                  <a:pt x="3255095" y="0"/>
+                </a:cubicBezTo>
+                <a:cubicBezTo>
+                  <a:pt x="3254831" y="4493"/>
+                  <a:pt x="3255479" y="9472"/>
+                  <a:pt x="3255095" y="18288"/>
+                </a:cubicBezTo>
+                <a:cubicBezTo>
+                  <a:pt x="3120743" y="16690"/>
+                  <a:pt x="2759628" y="42462"/>
+                  <a:pt x="2604076" y="18288"/>
+                </a:cubicBezTo>
+                <a:cubicBezTo>
+                  <a:pt x="2448524" y="-5886"/>
+                  <a:pt x="2184336" y="19599"/>
+                  <a:pt x="1887955" y="18288"/>
+                </a:cubicBezTo>
+                <a:cubicBezTo>
+                  <a:pt x="1591574" y="16977"/>
+                  <a:pt x="1548845" y="6870"/>
+                  <a:pt x="1334589" y="18288"/>
+                </a:cubicBezTo>
+                <a:cubicBezTo>
+                  <a:pt x="1120333" y="29706"/>
+                  <a:pt x="996014" y="9662"/>
+                  <a:pt x="683570" y="18288"/>
+                </a:cubicBezTo>
+                <a:cubicBezTo>
+                  <a:pt x="371126" y="26914"/>
+                  <a:pt x="198687" y="16167"/>
+                  <a:pt x="0" y="18288"/>
+                </a:cubicBezTo>
+                <a:cubicBezTo>
+                  <a:pt x="843" y="9577"/>
+                  <a:pt x="371" y="6900"/>
+                  <a:pt x="0" y="0"/>
+                </a:cubicBezTo>
+                <a:close/>
+              </a:path>
+            </a:pathLst>
+          </a:custGeom>
+          <a:solidFill>
+            <a:schemeClr val="accent2"/>
+          </a:solidFill>
+          <a:ln w="38100" cap="rnd">
+            <a:solidFill>
+              <a:schemeClr val="accent2"/>
+            </a:solidFill>
+            <a:round/>
+            <a:extLst>
+              <a:ext uri="{C807C97D-BFC1-408E-A445-0C87EB9F89A2}">
+                <ask:lineSketchStyleProps xmlns:ask="http://schemas.microsoft.com/office/drawing/2018/sketchyshapes" sd="1219033472">
+                  <a:prstGeom prst="rect">
+                    <a:avLst/>
+                  </a:prstGeom>
+                  <ask:type>
+                    <ask:lineSketchFreehand/>
+                  </ask:type>
+                </ask:lineSketchStyleProps>
+              </a:ext>
+            </a:extLst>
+          </a:ln>
+        </p:spPr>
+        <p:style>
+          <a:lnRef idx="2">
+            <a:schemeClr val="accent1">
+              <a:shade val="50000"/>
+            </a:schemeClr>
+          </a:lnRef>
+          <a:fillRef idx="1">
+            <a:schemeClr val="accent1"/>
+          </a:fillRef>
+          <a:effectRef idx="0">
+            <a:schemeClr val="accent1"/>
+          </a:effectRef>
+          <a:fontRef idx="minor">
+            <a:schemeClr val="lt1"/>
+          </a:fontRef>
+        </p:style>
+        <p:txBody>
+          <a:bodyPr rtlCol="0" anchor="ctr"/>
+          <a:lstStyle/>
+          <a:p>
+            <a:pPr algn="ctr"/>
+            <a:endParaRPr lang="en-US"/>
+          </a:p>
+        </p:txBody>
+      </p:sp>
+      <p:sp>
+        <p:nvSpPr>
+          <p:cNvPr id="11" name="Content Placeholder 10">
+            <a:extLst>
+              <a:ext uri="{FF2B5EF4-FFF2-40B4-BE49-F238E27FC236}">
+                <a16:creationId xmlns:a16="http://schemas.microsoft.com/office/drawing/2014/main" id="{41E4F238-9511-4B09-022F-BE1C0A25BBE0}"/>
               </a:ext>
             </a:extLst>
           </p:cNvPr>
@@ -3736,19 +5000,115 @@
             <p:ph idx="1"/>
           </p:nvPr>
         </p:nvSpPr>
-        <p:spPr/>
-        <p:txBody>
-          <a:bodyPr/>
-          <a:lstStyle/>
-          <a:p>
-            <a:endParaRPr lang="de-DE" dirty="0"/>
-          </a:p>
-        </p:txBody>
-      </p:sp>
+        <p:spPr>
+          <a:xfrm>
+            <a:off x="630936" y="2660904"/>
+            <a:ext cx="4818888" cy="3547872"/>
+          </a:xfrm>
+        </p:spPr>
+        <p:txBody>
+          <a:bodyPr anchor="t">
+            <a:normAutofit/>
+          </a:bodyPr>
+          <a:lstStyle/>
+          <a:p>
+            <a:r>
+              <a:rPr lang="en-US" sz="2200" dirty="0" err="1"/>
+              <a:t>Zeigt</a:t>
+            </a:r>
+            <a:r>
+              <a:rPr lang="en-US" sz="2200" dirty="0"/>
+              <a:t> </a:t>
+            </a:r>
+            <a:r>
+              <a:rPr lang="en-US" sz="2200" dirty="0" err="1"/>
+              <a:t>Aktuelle</a:t>
+            </a:r>
+            <a:r>
+              <a:rPr lang="en-US" sz="2200" dirty="0"/>
+              <a:t> Zeit an</a:t>
+            </a:r>
+          </a:p>
+          <a:p>
+            <a:r>
+              <a:rPr lang="en-US" sz="2200" dirty="0"/>
+              <a:t>Alarm Configuration </a:t>
+            </a:r>
+            <a:r>
+              <a:rPr lang="en-US" sz="2200" dirty="0" err="1"/>
+              <a:t>einstellbar</a:t>
+            </a:r>
+            <a:endParaRPr lang="en-US" sz="2200" dirty="0"/>
+          </a:p>
+          <a:p>
+            <a:r>
+              <a:rPr lang="en-US" sz="2200" dirty="0"/>
+              <a:t>Configuration </a:t>
+            </a:r>
+            <a:r>
+              <a:rPr lang="en-US" sz="2200" dirty="0" err="1"/>
+              <a:t>wird</a:t>
+            </a:r>
+            <a:r>
+              <a:rPr lang="en-US" sz="2200" dirty="0"/>
+              <a:t> </a:t>
+            </a:r>
+            <a:r>
+              <a:rPr lang="en-US" sz="2200" dirty="0" err="1"/>
+              <a:t>über</a:t>
+            </a:r>
+            <a:r>
+              <a:rPr lang="en-US" sz="2200" dirty="0"/>
+              <a:t> die REST-API </a:t>
+            </a:r>
+            <a:r>
+              <a:rPr lang="en-US" sz="2200" dirty="0" err="1"/>
+              <a:t>persistiert</a:t>
+            </a:r>
+            <a:endParaRPr lang="en-US" sz="2200" dirty="0"/>
+          </a:p>
+        </p:txBody>
+      </p:sp>
+      <p:pic>
+        <p:nvPicPr>
+          <p:cNvPr id="4" name="Grafik 3" descr="Ein Bild, das Diagramm, Entwurf, Plan, technische Zeichnung enthält.&#10;&#10;Automatisch generierte Beschreibung">
+            <a:extLst>
+              <a:ext uri="{FF2B5EF4-FFF2-40B4-BE49-F238E27FC236}">
+                <a16:creationId xmlns:a16="http://schemas.microsoft.com/office/drawing/2014/main" id="{EE2521B8-4F81-167D-946F-5EE4113651F7}"/>
+              </a:ext>
+            </a:extLst>
+          </p:cNvPr>
+          <p:cNvPicPr>
+            <a:picLocks noChangeAspect="1"/>
+          </p:cNvPicPr>
+          <p:nvPr/>
+        </p:nvPicPr>
+        <p:blipFill>
+          <a:blip r:embed="rId2">
+            <a:extLst>
+              <a:ext uri="{28A0092B-C50C-407E-A947-70E740481C1C}">
+                <a14:useLocalDpi xmlns:a14="http://schemas.microsoft.com/office/drawing/2010/main" val="0"/>
+              </a:ext>
+            </a:extLst>
+          </a:blip>
+          <a:stretch>
+            <a:fillRect/>
+          </a:stretch>
+        </p:blipFill>
+        <p:spPr>
+          <a:xfrm>
+            <a:off x="5280428" y="2011680"/>
+            <a:ext cx="6855107" cy="2707767"/>
+          </a:xfrm>
+          <a:prstGeom prst="rect">
+            <a:avLst/>
+          </a:prstGeom>
+        </p:spPr>
+      </p:pic>
     </p:spTree>
     <p:extLst>
       <p:ext uri="{BB962C8B-B14F-4D97-AF65-F5344CB8AC3E}">
-        <p14:creationId xmlns:p14="http://schemas.microsoft.com/office/powerpoint/2010/main" val="1801721779"/>
+        <p14:creationId xmlns:p14="http://schemas.microsoft.com/office/powerpoint/2010/main" val="1799784170"/>
       </p:ext>
     </p:extLst>
   </p:cSld>
@@ -3780,7 +5140,7 @@
           <p:cNvPr id="2" name="Titel 1">
             <a:extLst>
               <a:ext uri="{FF2B5EF4-FFF2-40B4-BE49-F238E27FC236}">
-                <a16:creationId xmlns:a16="http://schemas.microsoft.com/office/drawing/2014/main" id="{C990329F-1823-DBF7-D3C1-E6402FE9DEEC}"/>
+                <a16:creationId xmlns:a16="http://schemas.microsoft.com/office/drawing/2014/main" id="{D0888CDC-BE80-BEC1-134C-8814FAE6967A}"/>
               </a:ext>
             </a:extLst>
           </p:cNvPr>
@@ -3798,97 +5158,50 @@
           <a:p>
             <a:r>
               <a:rPr lang="de-DE" dirty="0"/>
-              <a:t>REST-API</a:t>
-            </a:r>
-          </a:p>
-        </p:txBody>
-      </p:sp>
-      <p:sp>
-        <p:nvSpPr>
-          <p:cNvPr id="3" name="Inhaltsplatzhalter 2">
-            <a:extLst>
-              <a:ext uri="{FF2B5EF4-FFF2-40B4-BE49-F238E27FC236}">
-                <a16:creationId xmlns:a16="http://schemas.microsoft.com/office/drawing/2014/main" id="{965C8D7A-86D0-AE0E-DE78-F7E325A1754B}"/>
-              </a:ext>
-            </a:extLst>
-          </p:cNvPr>
-          <p:cNvSpPr>
-            <a:spLocks noGrp="1"/>
-          </p:cNvSpPr>
-          <p:nvPr>
-            <p:ph idx="1"/>
-          </p:nvPr>
-        </p:nvSpPr>
-        <p:spPr/>
-        <p:txBody>
-          <a:bodyPr/>
-          <a:lstStyle/>
-          <a:p>
-            <a:r>
-              <a:rPr lang="de-DE" dirty="0"/>
-              <a:t>Java</a:t>
-            </a:r>
-          </a:p>
-          <a:p>
-            <a:r>
-              <a:rPr lang="de-DE" dirty="0"/>
-              <a:t>Spring Framework</a:t>
-            </a:r>
-          </a:p>
-          <a:p>
-            <a:pPr lvl="1"/>
-            <a:r>
-              <a:rPr lang="de-DE" dirty="0"/>
-              <a:t>Webserver</a:t>
-            </a:r>
-          </a:p>
-          <a:p>
-            <a:pPr lvl="1"/>
-            <a:r>
-              <a:rPr lang="de-DE" dirty="0"/>
-              <a:t>REST-Funktionalitäten</a:t>
-            </a:r>
-          </a:p>
-          <a:p>
-            <a:pPr lvl="1"/>
-            <a:endParaRPr lang="de-DE" dirty="0"/>
+              <a:t>GUI</a:t>
+            </a:r>
           </a:p>
         </p:txBody>
       </p:sp>
       <p:pic>
         <p:nvPicPr>
-          <p:cNvPr id="5" name="Grafik 4">
-            <a:extLst>
-              <a:ext uri="{FF2B5EF4-FFF2-40B4-BE49-F238E27FC236}">
-                <a16:creationId xmlns:a16="http://schemas.microsoft.com/office/drawing/2014/main" id="{5D8BAC73-1ECE-988E-5D53-FC1C7F02CC61}"/>
+          <p:cNvPr id="5" name="Inhaltsplatzhalter 4" descr="Ein Bild, das Text, Screenshot, Diagramm, Reihe enthält.&#10;&#10;Automatisch generierte Beschreibung">
+            <a:extLst>
+              <a:ext uri="{FF2B5EF4-FFF2-40B4-BE49-F238E27FC236}">
+                <a16:creationId xmlns:a16="http://schemas.microsoft.com/office/drawing/2014/main" id="{6E6DFBF2-9EC6-48FB-0B56-9B934AE891DE}"/>
               </a:ext>
             </a:extLst>
           </p:cNvPr>
           <p:cNvPicPr>
-            <a:picLocks noChangeAspect="1"/>
+            <a:picLocks noGrp="1" noChangeAspect="1"/>
           </p:cNvPicPr>
-          <p:nvPr/>
+          <p:nvPr>
+            <p:ph idx="1"/>
+          </p:nvPr>
         </p:nvPicPr>
         <p:blipFill>
-          <a:blip r:embed="rId2"/>
+          <a:blip r:embed="rId2">
+            <a:extLst>
+              <a:ext uri="{28A0092B-C50C-407E-A947-70E740481C1C}">
+                <a14:useLocalDpi xmlns:a14="http://schemas.microsoft.com/office/drawing/2010/main" val="0"/>
+              </a:ext>
+            </a:extLst>
+          </a:blip>
           <a:stretch>
             <a:fillRect/>
           </a:stretch>
         </p:blipFill>
         <p:spPr>
           <a:xfrm>
-            <a:off x="5143870" y="2401279"/>
-            <a:ext cx="4434574" cy="2055441"/>
+            <a:off x="2947987" y="2663031"/>
+            <a:ext cx="6296025" cy="2676525"/>
           </a:xfrm>
-          <a:prstGeom prst="rect">
-            <a:avLst/>
-          </a:prstGeom>
         </p:spPr>
       </p:pic>
     </p:spTree>
     <p:extLst>
       <p:ext uri="{BB962C8B-B14F-4D97-AF65-F5344CB8AC3E}">
-        <p14:creationId xmlns:p14="http://schemas.microsoft.com/office/powerpoint/2010/main" val="39987096"/>
+        <p14:creationId xmlns:p14="http://schemas.microsoft.com/office/powerpoint/2010/main" val="1764534369"/>
       </p:ext>
     </p:extLst>
   </p:cSld>
@@ -3901,6 +5214,14 @@
 <file path=ppt/slides/slide15.xml><?xml version="1.0" encoding="utf-8"?>
 <p:sld xmlns:a="http://schemas.openxmlformats.org/drawingml/2006/main" xmlns:r="http://schemas.openxmlformats.org/officeDocument/2006/relationships" xmlns:p="http://schemas.openxmlformats.org/presentationml/2006/main">
   <p:cSld>
+    <p:bg>
+      <p:bgPr>
+        <a:solidFill>
+          <a:schemeClr val="bg1"/>
+        </a:solidFill>
+        <a:effectLst/>
+      </p:bgPr>
+    </p:bg>
     <p:spTree>
       <p:nvGrpSpPr>
         <p:cNvPr id="1" name=""/>
@@ -3915,12 +5236,463 @@
           <a:chExt cx="0" cy="0"/>
         </a:xfrm>
       </p:grpSpPr>
+      <p:sp useBgFill="1">
+        <p:nvSpPr>
+          <p:cNvPr id="7" name="Rectangle 6">
+            <a:extLst>
+              <a:ext uri="{FF2B5EF4-FFF2-40B4-BE49-F238E27FC236}">
+                <a16:creationId xmlns:a16="http://schemas.microsoft.com/office/drawing/2014/main" id="{FFD48BC7-DC40-47DE-87EE-9F4B6ECB9ABB}"/>
+              </a:ext>
+              <a:ext uri="{C183D7F6-B498-43B3-948B-1728B52AA6E4}">
+                <adec:decorative xmlns:adec="http://schemas.microsoft.com/office/drawing/2017/decorative" val="1"/>
+              </a:ext>
+            </a:extLst>
+          </p:cNvPr>
+          <p:cNvSpPr>
+            <a:spLocks noGrp="1" noRot="1" noChangeAspect="1" noMove="1" noResize="1" noEditPoints="1" noAdjustHandles="1" noChangeArrowheads="1" noChangeShapeType="1" noTextEdit="1"/>
+          </p:cNvSpPr>
+          <p:nvPr>
+            <p:extLst>
+              <p:ext uri="{386F3935-93C4-4BCD-93E2-E3B085C9AB24}">
+                <p16:designElem xmlns:p16="http://schemas.microsoft.com/office/powerpoint/2015/main" val="1"/>
+              </p:ext>
+            </p:extLst>
+          </p:nvPr>
+        </p:nvSpPr>
+        <p:spPr>
+          <a:xfrm>
+            <a:off x="0" y="0"/>
+            <a:ext cx="12192000" cy="6858000"/>
+          </a:xfrm>
+          <a:prstGeom prst="rect">
+            <a:avLst/>
+          </a:prstGeom>
+          <a:ln>
+            <a:noFill/>
+          </a:ln>
+        </p:spPr>
+        <p:style>
+          <a:lnRef idx="2">
+            <a:schemeClr val="accent1">
+              <a:shade val="50000"/>
+            </a:schemeClr>
+          </a:lnRef>
+          <a:fillRef idx="1">
+            <a:schemeClr val="accent1"/>
+          </a:fillRef>
+          <a:effectRef idx="0">
+            <a:schemeClr val="accent1"/>
+          </a:effectRef>
+          <a:fontRef idx="minor">
+            <a:schemeClr val="lt1"/>
+          </a:fontRef>
+        </p:style>
+        <p:txBody>
+          <a:bodyPr rtlCol="0" anchor="ctr"/>
+          <a:lstStyle/>
+          <a:p>
+            <a:pPr algn="ctr"/>
+            <a:endParaRPr lang="en-US"/>
+          </a:p>
+        </p:txBody>
+      </p:sp>
+      <p:sp useBgFill="1">
+        <p:nvSpPr>
+          <p:cNvPr id="9" name="Freeform: Shape 8">
+            <a:extLst>
+              <a:ext uri="{FF2B5EF4-FFF2-40B4-BE49-F238E27FC236}">
+                <a16:creationId xmlns:a16="http://schemas.microsoft.com/office/drawing/2014/main" id="{E502BBC7-2C76-46F3-BC24-5985BC13DB88}"/>
+              </a:ext>
+              <a:ext uri="{C183D7F6-B498-43B3-948B-1728B52AA6E4}">
+                <adec:decorative xmlns:adec="http://schemas.microsoft.com/office/drawing/2017/decorative" val="1"/>
+              </a:ext>
+            </a:extLst>
+          </p:cNvPr>
+          <p:cNvSpPr>
+            <a:spLocks noGrp="1" noRot="1" noChangeAspect="1" noMove="1" noResize="1" noEditPoints="1" noAdjustHandles="1" noChangeArrowheads="1" noChangeShapeType="1" noTextEdit="1"/>
+          </p:cNvSpPr>
+          <p:nvPr>
+            <p:extLst>
+              <p:ext uri="{386F3935-93C4-4BCD-93E2-E3B085C9AB24}">
+                <p16:designElem xmlns:p16="http://schemas.microsoft.com/office/powerpoint/2015/main" val="1"/>
+              </p:ext>
+            </p:extLst>
+          </p:nvPr>
+        </p:nvSpPr>
+        <p:spPr>
+          <a:xfrm>
+            <a:off x="1114425" y="0"/>
+            <a:ext cx="9963150" cy="6858000"/>
+          </a:xfrm>
+          <a:custGeom>
+            <a:avLst/>
+            <a:gdLst>
+              <a:gd name="connsiteX0" fmla="*/ 1595771 w 9963150"/>
+              <a:gd name="connsiteY0" fmla="*/ 0 h 6858000"/>
+              <a:gd name="connsiteX1" fmla="*/ 8367379 w 9963150"/>
+              <a:gd name="connsiteY1" fmla="*/ 0 h 6858000"/>
+              <a:gd name="connsiteX2" fmla="*/ 8504080 w 9963150"/>
+              <a:gd name="connsiteY2" fmla="*/ 130333 h 6858000"/>
+              <a:gd name="connsiteX3" fmla="*/ 9963150 w 9963150"/>
+              <a:gd name="connsiteY3" fmla="*/ 3652838 h 6858000"/>
+              <a:gd name="connsiteX4" fmla="*/ 8825600 w 9963150"/>
+              <a:gd name="connsiteY4" fmla="*/ 6821583 h 6858000"/>
+              <a:gd name="connsiteX5" fmla="*/ 8794055 w 9963150"/>
+              <a:gd name="connsiteY5" fmla="*/ 6858000 h 6858000"/>
+              <a:gd name="connsiteX6" fmla="*/ 1169096 w 9963150"/>
+              <a:gd name="connsiteY6" fmla="*/ 6858000 h 6858000"/>
+              <a:gd name="connsiteX7" fmla="*/ 1137550 w 9963150"/>
+              <a:gd name="connsiteY7" fmla="*/ 6821583 h 6858000"/>
+              <a:gd name="connsiteX8" fmla="*/ 0 w 9963150"/>
+              <a:gd name="connsiteY8" fmla="*/ 3652838 h 6858000"/>
+              <a:gd name="connsiteX9" fmla="*/ 1459070 w 9963150"/>
+              <a:gd name="connsiteY9" fmla="*/ 130333 h 6858000"/>
+            </a:gdLst>
+            <a:ahLst/>
+            <a:cxnLst>
+              <a:cxn ang="0">
+                <a:pos x="connsiteX0" y="connsiteY0"/>
+              </a:cxn>
+              <a:cxn ang="0">
+                <a:pos x="connsiteX1" y="connsiteY1"/>
+              </a:cxn>
+              <a:cxn ang="0">
+                <a:pos x="connsiteX2" y="connsiteY2"/>
+              </a:cxn>
+              <a:cxn ang="0">
+                <a:pos x="connsiteX3" y="connsiteY3"/>
+              </a:cxn>
+              <a:cxn ang="0">
+                <a:pos x="connsiteX4" y="connsiteY4"/>
+              </a:cxn>
+              <a:cxn ang="0">
+                <a:pos x="connsiteX5" y="connsiteY5"/>
+              </a:cxn>
+              <a:cxn ang="0">
+                <a:pos x="connsiteX6" y="connsiteY6"/>
+              </a:cxn>
+              <a:cxn ang="0">
+                <a:pos x="connsiteX7" y="connsiteY7"/>
+              </a:cxn>
+              <a:cxn ang="0">
+                <a:pos x="connsiteX8" y="connsiteY8"/>
+              </a:cxn>
+              <a:cxn ang="0">
+                <a:pos x="connsiteX9" y="connsiteY9"/>
+              </a:cxn>
+            </a:cxnLst>
+            <a:rect l="l" t="t" r="r" b="b"/>
+            <a:pathLst>
+              <a:path w="9963150" h="6858000">
+                <a:moveTo>
+                  <a:pt x="1595771" y="0"/>
+                </a:moveTo>
+                <a:lnTo>
+                  <a:pt x="8367379" y="0"/>
+                </a:lnTo>
+                <a:lnTo>
+                  <a:pt x="8504080" y="130333"/>
+                </a:lnTo>
+                <a:cubicBezTo>
+                  <a:pt x="9405568" y="1031820"/>
+                  <a:pt x="9963150" y="2277214"/>
+                  <a:pt x="9963150" y="3652838"/>
+                </a:cubicBezTo>
+                <a:cubicBezTo>
+                  <a:pt x="9963150" y="4856509"/>
+                  <a:pt x="9536251" y="5960473"/>
+                  <a:pt x="8825600" y="6821583"/>
+                </a:cubicBezTo>
+                <a:lnTo>
+                  <a:pt x="8794055" y="6858000"/>
+                </a:lnTo>
+                <a:lnTo>
+                  <a:pt x="1169096" y="6858000"/>
+                </a:lnTo>
+                <a:lnTo>
+                  <a:pt x="1137550" y="6821583"/>
+                </a:lnTo>
+                <a:cubicBezTo>
+                  <a:pt x="426899" y="5960473"/>
+                  <a:pt x="0" y="4856509"/>
+                  <a:pt x="0" y="3652838"/>
+                </a:cubicBezTo>
+                <a:cubicBezTo>
+                  <a:pt x="0" y="2277214"/>
+                  <a:pt x="557582" y="1031820"/>
+                  <a:pt x="1459070" y="130333"/>
+                </a:cubicBezTo>
+                <a:close/>
+              </a:path>
+            </a:pathLst>
+          </a:custGeom>
+          <a:ln w="9525">
+            <a:solidFill>
+              <a:srgbClr val="EFEFEF"/>
+            </a:solidFill>
+          </a:ln>
+          <a:effectLst>
+            <a:outerShdw blurRad="139700" sx="102000" sy="102000" algn="ctr" rotWithShape="0">
+              <a:schemeClr val="bg1">
+                <a:lumMod val="85000"/>
+                <a:alpha val="38000"/>
+              </a:schemeClr>
+            </a:outerShdw>
+          </a:effectLst>
+        </p:spPr>
+        <p:style>
+          <a:lnRef idx="2">
+            <a:schemeClr val="accent1">
+              <a:shade val="50000"/>
+            </a:schemeClr>
+          </a:lnRef>
+          <a:fillRef idx="1">
+            <a:schemeClr val="accent1"/>
+          </a:fillRef>
+          <a:effectRef idx="0">
+            <a:schemeClr val="accent1"/>
+          </a:effectRef>
+          <a:fontRef idx="minor">
+            <a:schemeClr val="lt1"/>
+          </a:fontRef>
+        </p:style>
+        <p:txBody>
+          <a:bodyPr wrap="square" rtlCol="0" anchor="ctr">
+            <a:noAutofit/>
+          </a:bodyPr>
+          <a:lstStyle/>
+          <a:p>
+            <a:pPr marL="0" marR="0" lvl="0" indent="0" algn="ctr" defTabSz="914400" rtl="0" eaLnBrk="1" fontAlgn="auto" latinLnBrk="0" hangingPunct="1">
+              <a:lnSpc>
+                <a:spcPct val="100000"/>
+              </a:lnSpc>
+              <a:spcBef>
+                <a:spcPts val="0"/>
+              </a:spcBef>
+              <a:spcAft>
+                <a:spcPts val="0"/>
+              </a:spcAft>
+              <a:buClrTx/>
+              <a:buSzTx/>
+              <a:buFontTx/>
+              <a:buNone/>
+              <a:tabLst/>
+              <a:defRPr/>
+            </a:pPr>
+            <a:endParaRPr kumimoji="0" lang="en-US" sz="1800" b="0" i="0" u="none" strike="noStrike" kern="1200" cap="none" spc="0" normalizeH="0" baseline="0" noProof="0">
+              <a:ln>
+                <a:noFill/>
+              </a:ln>
+              <a:solidFill>
+                <a:prstClr val="white"/>
+              </a:solidFill>
+              <a:effectLst/>
+              <a:uLnTx/>
+              <a:uFillTx/>
+              <a:latin typeface="Calibri" panose="020F0502020204030204"/>
+              <a:ea typeface="+mn-ea"/>
+              <a:cs typeface="+mn-cs"/>
+            </a:endParaRPr>
+          </a:p>
+        </p:txBody>
+      </p:sp>
+      <p:sp useBgFill="1">
+        <p:nvSpPr>
+          <p:cNvPr id="11" name="Freeform: Shape 10">
+            <a:extLst>
+              <a:ext uri="{FF2B5EF4-FFF2-40B4-BE49-F238E27FC236}">
+                <a16:creationId xmlns:a16="http://schemas.microsoft.com/office/drawing/2014/main" id="{C7F28D52-2A5F-4D23-81AE-7CB8B591C7AF}"/>
+              </a:ext>
+              <a:ext uri="{C183D7F6-B498-43B3-948B-1728B52AA6E4}">
+                <adec:decorative xmlns:adec="http://schemas.microsoft.com/office/drawing/2017/decorative" val="1"/>
+              </a:ext>
+            </a:extLst>
+          </p:cNvPr>
+          <p:cNvSpPr>
+            <a:spLocks noGrp="1" noRot="1" noChangeAspect="1" noMove="1" noResize="1" noEditPoints="1" noAdjustHandles="1" noChangeArrowheads="1" noChangeShapeType="1" noTextEdit="1"/>
+          </p:cNvSpPr>
+          <p:nvPr>
+            <p:extLst>
+              <p:ext uri="{386F3935-93C4-4BCD-93E2-E3B085C9AB24}">
+                <p16:designElem xmlns:p16="http://schemas.microsoft.com/office/powerpoint/2015/main" val="1"/>
+              </p:ext>
+            </p:extLst>
+          </p:nvPr>
+        </p:nvSpPr>
+        <p:spPr>
+          <a:xfrm>
+            <a:off x="1121664" y="0"/>
+            <a:ext cx="9948672" cy="6858000"/>
+          </a:xfrm>
+          <a:custGeom>
+            <a:avLst/>
+            <a:gdLst>
+              <a:gd name="connsiteX0" fmla="*/ 1595771 w 9963150"/>
+              <a:gd name="connsiteY0" fmla="*/ 0 h 6858000"/>
+              <a:gd name="connsiteX1" fmla="*/ 8367379 w 9963150"/>
+              <a:gd name="connsiteY1" fmla="*/ 0 h 6858000"/>
+              <a:gd name="connsiteX2" fmla="*/ 8504080 w 9963150"/>
+              <a:gd name="connsiteY2" fmla="*/ 130333 h 6858000"/>
+              <a:gd name="connsiteX3" fmla="*/ 9963150 w 9963150"/>
+              <a:gd name="connsiteY3" fmla="*/ 3652838 h 6858000"/>
+              <a:gd name="connsiteX4" fmla="*/ 8825600 w 9963150"/>
+              <a:gd name="connsiteY4" fmla="*/ 6821583 h 6858000"/>
+              <a:gd name="connsiteX5" fmla="*/ 8794055 w 9963150"/>
+              <a:gd name="connsiteY5" fmla="*/ 6858000 h 6858000"/>
+              <a:gd name="connsiteX6" fmla="*/ 1169096 w 9963150"/>
+              <a:gd name="connsiteY6" fmla="*/ 6858000 h 6858000"/>
+              <a:gd name="connsiteX7" fmla="*/ 1137550 w 9963150"/>
+              <a:gd name="connsiteY7" fmla="*/ 6821583 h 6858000"/>
+              <a:gd name="connsiteX8" fmla="*/ 0 w 9963150"/>
+              <a:gd name="connsiteY8" fmla="*/ 3652838 h 6858000"/>
+              <a:gd name="connsiteX9" fmla="*/ 1459070 w 9963150"/>
+              <a:gd name="connsiteY9" fmla="*/ 130333 h 6858000"/>
+            </a:gdLst>
+            <a:ahLst/>
+            <a:cxnLst>
+              <a:cxn ang="0">
+                <a:pos x="connsiteX0" y="connsiteY0"/>
+              </a:cxn>
+              <a:cxn ang="0">
+                <a:pos x="connsiteX1" y="connsiteY1"/>
+              </a:cxn>
+              <a:cxn ang="0">
+                <a:pos x="connsiteX2" y="connsiteY2"/>
+              </a:cxn>
+              <a:cxn ang="0">
+                <a:pos x="connsiteX3" y="connsiteY3"/>
+              </a:cxn>
+              <a:cxn ang="0">
+                <a:pos x="connsiteX4" y="connsiteY4"/>
+              </a:cxn>
+              <a:cxn ang="0">
+                <a:pos x="connsiteX5" y="connsiteY5"/>
+              </a:cxn>
+              <a:cxn ang="0">
+                <a:pos x="connsiteX6" y="connsiteY6"/>
+              </a:cxn>
+              <a:cxn ang="0">
+                <a:pos x="connsiteX7" y="connsiteY7"/>
+              </a:cxn>
+              <a:cxn ang="0">
+                <a:pos x="connsiteX8" y="connsiteY8"/>
+              </a:cxn>
+              <a:cxn ang="0">
+                <a:pos x="connsiteX9" y="connsiteY9"/>
+              </a:cxn>
+            </a:cxnLst>
+            <a:rect l="l" t="t" r="r" b="b"/>
+            <a:pathLst>
+              <a:path w="9963150" h="6858000">
+                <a:moveTo>
+                  <a:pt x="1595771" y="0"/>
+                </a:moveTo>
+                <a:lnTo>
+                  <a:pt x="8367379" y="0"/>
+                </a:lnTo>
+                <a:lnTo>
+                  <a:pt x="8504080" y="130333"/>
+                </a:lnTo>
+                <a:cubicBezTo>
+                  <a:pt x="9405568" y="1031820"/>
+                  <a:pt x="9963150" y="2277214"/>
+                  <a:pt x="9963150" y="3652838"/>
+                </a:cubicBezTo>
+                <a:cubicBezTo>
+                  <a:pt x="9963150" y="4856509"/>
+                  <a:pt x="9536251" y="5960473"/>
+                  <a:pt x="8825600" y="6821583"/>
+                </a:cubicBezTo>
+                <a:lnTo>
+                  <a:pt x="8794055" y="6858000"/>
+                </a:lnTo>
+                <a:lnTo>
+                  <a:pt x="1169096" y="6858000"/>
+                </a:lnTo>
+                <a:lnTo>
+                  <a:pt x="1137550" y="6821583"/>
+                </a:lnTo>
+                <a:cubicBezTo>
+                  <a:pt x="426899" y="5960473"/>
+                  <a:pt x="0" y="4856509"/>
+                  <a:pt x="0" y="3652838"/>
+                </a:cubicBezTo>
+                <a:cubicBezTo>
+                  <a:pt x="0" y="2277214"/>
+                  <a:pt x="557582" y="1031820"/>
+                  <a:pt x="1459070" y="130333"/>
+                </a:cubicBezTo>
+                <a:close/>
+              </a:path>
+            </a:pathLst>
+          </a:custGeom>
+          <a:ln w="9525">
+            <a:noFill/>
+          </a:ln>
+          <a:effectLst/>
+        </p:spPr>
+        <p:style>
+          <a:lnRef idx="2">
+            <a:schemeClr val="accent1">
+              <a:shade val="50000"/>
+            </a:schemeClr>
+          </a:lnRef>
+          <a:fillRef idx="1">
+            <a:schemeClr val="accent1"/>
+          </a:fillRef>
+          <a:effectRef idx="0">
+            <a:schemeClr val="accent1"/>
+          </a:effectRef>
+          <a:fontRef idx="minor">
+            <a:schemeClr val="lt1"/>
+          </a:fontRef>
+        </p:style>
+        <p:txBody>
+          <a:bodyPr wrap="square" rtlCol="0" anchor="ctr">
+            <a:noAutofit/>
+          </a:bodyPr>
+          <a:lstStyle/>
+          <a:p>
+            <a:pPr marL="0" marR="0" lvl="0" indent="0" algn="ctr" defTabSz="914400" rtl="0" eaLnBrk="1" fontAlgn="auto" latinLnBrk="0" hangingPunct="1">
+              <a:lnSpc>
+                <a:spcPct val="100000"/>
+              </a:lnSpc>
+              <a:spcBef>
+                <a:spcPts val="0"/>
+              </a:spcBef>
+              <a:spcAft>
+                <a:spcPts val="0"/>
+              </a:spcAft>
+              <a:buClrTx/>
+              <a:buSzTx/>
+              <a:buFontTx/>
+              <a:buNone/>
+              <a:tabLst/>
+              <a:defRPr/>
+            </a:pPr>
+            <a:endParaRPr kumimoji="0" lang="en-US" sz="1800" b="0" i="0" u="none" strike="noStrike" kern="1200" cap="none" spc="0" normalizeH="0" baseline="0" noProof="0">
+              <a:ln>
+                <a:noFill/>
+              </a:ln>
+              <a:solidFill>
+                <a:prstClr val="white"/>
+              </a:solidFill>
+              <a:effectLst/>
+              <a:uLnTx/>
+              <a:uFillTx/>
+              <a:latin typeface="Calibri" panose="020F0502020204030204"/>
+              <a:ea typeface="+mn-ea"/>
+              <a:cs typeface="+mn-cs"/>
+            </a:endParaRPr>
+          </a:p>
+        </p:txBody>
+      </p:sp>
       <p:sp>
         <p:nvSpPr>
           <p:cNvPr id="2" name="Titel 1">
             <a:extLst>
               <a:ext uri="{FF2B5EF4-FFF2-40B4-BE49-F238E27FC236}">
-                <a16:creationId xmlns:a16="http://schemas.microsoft.com/office/drawing/2014/main" id="{C990329F-1823-DBF7-D3C1-E6402FE9DEEC}"/>
+                <a16:creationId xmlns:a16="http://schemas.microsoft.com/office/drawing/2014/main" id="{26AF6C46-E64E-1D75-0AA5-582EDA3E91EC}"/>
               </a:ext>
             </a:extLst>
           </p:cNvPr>
@@ -3931,215 +5703,137 @@
             <p:ph type="title"/>
           </p:nvPr>
         </p:nvSpPr>
-        <p:spPr/>
-        <p:txBody>
-          <a:bodyPr/>
-          <a:lstStyle/>
-          <a:p>
-            <a:r>
-              <a:rPr lang="de-DE" dirty="0"/>
-              <a:t>REST-API</a:t>
-            </a:r>
-          </a:p>
-        </p:txBody>
-      </p:sp>
-      <p:sp>
-        <p:nvSpPr>
-          <p:cNvPr id="3" name="Inhaltsplatzhalter 2">
-            <a:extLst>
-              <a:ext uri="{FF2B5EF4-FFF2-40B4-BE49-F238E27FC236}">
-                <a16:creationId xmlns:a16="http://schemas.microsoft.com/office/drawing/2014/main" id="{965C8D7A-86D0-AE0E-DE78-F7E325A1754B}"/>
-              </a:ext>
-            </a:extLst>
-          </p:cNvPr>
-          <p:cNvSpPr>
-            <a:spLocks noGrp="1"/>
-          </p:cNvSpPr>
-          <p:nvPr>
-            <p:ph idx="1"/>
-          </p:nvPr>
-        </p:nvSpPr>
-        <p:spPr/>
-        <p:txBody>
-          <a:bodyPr/>
-          <a:lstStyle/>
-          <a:p>
-            <a:pPr marL="457200" lvl="1" indent="0">
+        <p:spPr>
+          <a:xfrm>
+            <a:off x="1524003" y="1999615"/>
+            <a:ext cx="9144000" cy="2764028"/>
+          </a:xfrm>
+        </p:spPr>
+        <p:txBody>
+          <a:bodyPr vert="horz" lIns="91440" tIns="45720" rIns="91440" bIns="45720" rtlCol="0" anchor="ctr">
+            <a:normAutofit/>
+          </a:bodyPr>
+          <a:lstStyle/>
+          <a:p>
+            <a:pPr algn="ctr"/>
+            <a:r>
+              <a:rPr lang="en-US" sz="7200" kern="1200" dirty="0" err="1">
+                <a:solidFill>
+                  <a:schemeClr val="tx1"/>
+                </a:solidFill>
+                <a:latin typeface="+mj-lt"/>
+                <a:ea typeface="+mj-ea"/>
+                <a:cs typeface="+mj-cs"/>
+              </a:rPr>
+              <a:t>Implementierung</a:t>
+            </a:r>
+            <a:endParaRPr lang="en-US" sz="7200" kern="1200" dirty="0">
+              <a:solidFill>
+                <a:schemeClr val="tx1"/>
+              </a:solidFill>
+              <a:latin typeface="+mj-lt"/>
+              <a:ea typeface="+mj-ea"/>
+              <a:cs typeface="+mj-cs"/>
+            </a:endParaRPr>
+          </a:p>
+        </p:txBody>
+      </p:sp>
+      <p:sp>
+        <p:nvSpPr>
+          <p:cNvPr id="13" name="Rectangle 12">
+            <a:extLst>
+              <a:ext uri="{FF2B5EF4-FFF2-40B4-BE49-F238E27FC236}">
+                <a16:creationId xmlns:a16="http://schemas.microsoft.com/office/drawing/2014/main" id="{3629484E-3792-4B3D-89AD-7C8A1ED0E0D4}"/>
+              </a:ext>
+              <a:ext uri="{C183D7F6-B498-43B3-948B-1728B52AA6E4}">
+                <adec:decorative xmlns:adec="http://schemas.microsoft.com/office/drawing/2017/decorative" val="1"/>
+              </a:ext>
+            </a:extLst>
+          </p:cNvPr>
+          <p:cNvSpPr>
+            <a:spLocks noGrp="1" noRot="1" noChangeAspect="1" noMove="1" noResize="1" noEditPoints="1" noAdjustHandles="1" noChangeArrowheads="1" noChangeShapeType="1" noTextEdit="1"/>
+          </p:cNvSpPr>
+          <p:nvPr>
+            <p:extLst>
+              <p:ext uri="{386F3935-93C4-4BCD-93E2-E3B085C9AB24}">
+                <p16:designElem xmlns:p16="http://schemas.microsoft.com/office/powerpoint/2015/main" val="1"/>
+              </p:ext>
+            </p:extLst>
+          </p:nvPr>
+        </p:nvSpPr>
+        <p:spPr>
+          <a:xfrm>
+            <a:off x="3718560" y="5524786"/>
+            <a:ext cx="4754880" cy="27432"/>
+          </a:xfrm>
+          <a:prstGeom prst="rect">
+            <a:avLst/>
+          </a:prstGeom>
+          <a:solidFill>
+            <a:schemeClr val="accent2"/>
+          </a:solidFill>
+          <a:ln>
+            <a:noFill/>
+          </a:ln>
+        </p:spPr>
+        <p:style>
+          <a:lnRef idx="2">
+            <a:schemeClr val="accent1">
+              <a:shade val="50000"/>
+            </a:schemeClr>
+          </a:lnRef>
+          <a:fillRef idx="1">
+            <a:schemeClr val="accent1"/>
+          </a:fillRef>
+          <a:effectRef idx="0">
+            <a:schemeClr val="accent1"/>
+          </a:effectRef>
+          <a:fontRef idx="minor">
+            <a:schemeClr val="lt1"/>
+          </a:fontRef>
+        </p:style>
+        <p:txBody>
+          <a:bodyPr rtlCol="0" anchor="ctr"/>
+          <a:lstStyle/>
+          <a:p>
+            <a:pPr marL="0" marR="0" lvl="0" indent="0" algn="ctr" defTabSz="914400" rtl="0" eaLnBrk="1" fontAlgn="auto" latinLnBrk="0" hangingPunct="1">
+              <a:lnSpc>
+                <a:spcPct val="100000"/>
+              </a:lnSpc>
+              <a:spcBef>
+                <a:spcPts val="0"/>
+              </a:spcBef>
+              <a:spcAft>
+                <a:spcPts val="0"/>
+              </a:spcAft>
+              <a:buClrTx/>
+              <a:buSzTx/>
+              <a:buFontTx/>
               <a:buNone/>
+              <a:tabLst/>
+              <a:defRPr/>
             </a:pPr>
-            <a:r>
-              <a:rPr lang="de-DE" sz="3600" dirty="0"/>
-              <a:t>Notation</a:t>
-            </a:r>
-            <a:endParaRPr lang="de-DE" dirty="0"/>
-          </a:p>
-          <a:p>
-            <a:pPr marL="457200" lvl="1" indent="0">
-              <a:buNone/>
-            </a:pPr>
-            <a:endParaRPr lang="de-DE" dirty="0"/>
-          </a:p>
-          <a:p>
-            <a:pPr marL="457200" lvl="1" indent="0">
-              <a:buNone/>
-            </a:pPr>
-            <a:r>
-              <a:rPr lang="de-DE" dirty="0"/>
-              <a:t>GET /</a:t>
-            </a:r>
-            <a:r>
-              <a:rPr lang="de-DE" dirty="0" err="1"/>
-              <a:t>api</a:t>
-            </a:r>
-            <a:r>
-              <a:rPr lang="de-DE" dirty="0"/>
-              <a:t>/v1/</a:t>
-            </a:r>
-            <a:r>
-              <a:rPr lang="de-DE" dirty="0" err="1"/>
-              <a:t>cars</a:t>
-            </a:r>
-            <a:endParaRPr lang="de-DE" dirty="0"/>
-          </a:p>
-          <a:p>
-            <a:pPr marL="457200" lvl="1" indent="0">
-              <a:buNone/>
-            </a:pPr>
-            <a:r>
-              <a:rPr lang="de-DE" dirty="0"/>
-              <a:t>GET /</a:t>
-            </a:r>
-            <a:r>
-              <a:rPr lang="de-DE" dirty="0" err="1"/>
-              <a:t>api</a:t>
-            </a:r>
-            <a:r>
-              <a:rPr lang="de-DE" dirty="0"/>
-              <a:t>/v1/</a:t>
-            </a:r>
-            <a:r>
-              <a:rPr lang="de-DE" dirty="0" err="1"/>
-              <a:t>cars</a:t>
-            </a:r>
-            <a:r>
-              <a:rPr lang="de-DE" dirty="0"/>
-              <a:t>/:</a:t>
-            </a:r>
-            <a:r>
-              <a:rPr lang="de-DE" dirty="0" err="1"/>
-              <a:t>id</a:t>
-            </a:r>
-            <a:endParaRPr lang="de-DE" dirty="0"/>
-          </a:p>
-          <a:p>
-            <a:pPr marL="457200" lvl="1" indent="0">
-              <a:buNone/>
-            </a:pPr>
-            <a:r>
-              <a:rPr lang="de-DE" dirty="0"/>
-              <a:t>GET /</a:t>
-            </a:r>
-            <a:r>
-              <a:rPr lang="de-DE" dirty="0" err="1"/>
-              <a:t>api</a:t>
-            </a:r>
-            <a:r>
-              <a:rPr lang="de-DE" dirty="0"/>
-              <a:t>/v1/</a:t>
-            </a:r>
-            <a:r>
-              <a:rPr lang="de-DE" dirty="0" err="1"/>
-              <a:t>cars</a:t>
-            </a:r>
-            <a:r>
-              <a:rPr lang="de-DE" dirty="0"/>
-              <a:t>/:</a:t>
-            </a:r>
-            <a:r>
-              <a:rPr lang="de-DE" dirty="0" err="1"/>
-              <a:t>id?someFilter</a:t>
-            </a:r>
-            <a:r>
-              <a:rPr lang="de-DE" dirty="0"/>
-              <a:t>=blau</a:t>
-            </a:r>
-          </a:p>
-          <a:p>
-            <a:pPr marL="457200" lvl="1" indent="0">
-              <a:buNone/>
-            </a:pPr>
-            <a:endParaRPr lang="de-DE" dirty="0"/>
-          </a:p>
-          <a:p>
-            <a:pPr marL="457200" lvl="1" indent="0">
-              <a:buNone/>
-            </a:pPr>
-            <a:r>
-              <a:rPr lang="de-DE" dirty="0"/>
-              <a:t>GET /</a:t>
-            </a:r>
-            <a:r>
-              <a:rPr lang="de-DE" dirty="0" err="1"/>
-              <a:t>api</a:t>
-            </a:r>
-            <a:r>
-              <a:rPr lang="de-DE" dirty="0"/>
-              <a:t>/v1/</a:t>
-            </a:r>
-            <a:r>
-              <a:rPr lang="de-DE" dirty="0" err="1"/>
-              <a:t>factories</a:t>
-            </a:r>
-            <a:r>
-              <a:rPr lang="de-DE" dirty="0"/>
-              <a:t>/:</a:t>
-            </a:r>
-            <a:r>
-              <a:rPr lang="de-DE" dirty="0" err="1"/>
-              <a:t>id</a:t>
-            </a:r>
-            <a:r>
-              <a:rPr lang="de-DE" dirty="0"/>
-              <a:t>/</a:t>
-            </a:r>
-            <a:r>
-              <a:rPr lang="de-DE" dirty="0" err="1"/>
-              <a:t>cars</a:t>
-            </a:r>
-            <a:r>
-              <a:rPr lang="de-DE" dirty="0"/>
-              <a:t>/:</a:t>
-            </a:r>
-            <a:r>
-              <a:rPr lang="de-DE" dirty="0" err="1"/>
-              <a:t>id</a:t>
-            </a:r>
-            <a:endParaRPr lang="de-DE" dirty="0"/>
-          </a:p>
-          <a:p>
-            <a:pPr marL="457200" lvl="1" indent="0">
-              <a:buNone/>
-            </a:pPr>
-            <a:endParaRPr lang="de-DE" dirty="0"/>
-          </a:p>
-          <a:p>
-            <a:pPr marL="457200" lvl="1" indent="0">
-              <a:buNone/>
-            </a:pPr>
-            <a:endParaRPr lang="de-DE" dirty="0"/>
-          </a:p>
-          <a:p>
-            <a:pPr marL="457200" lvl="1" indent="0">
-              <a:buNone/>
-            </a:pPr>
-            <a:endParaRPr lang="de-DE" dirty="0"/>
+            <a:endParaRPr kumimoji="0" lang="en-US" sz="1800" b="0" i="0" u="none" strike="noStrike" kern="1200" cap="none" spc="0" normalizeH="0" baseline="0" noProof="0">
+              <a:ln>
+                <a:noFill/>
+              </a:ln>
+              <a:solidFill>
+                <a:prstClr val="white"/>
+              </a:solidFill>
+              <a:effectLst/>
+              <a:uLnTx/>
+              <a:uFillTx/>
+              <a:latin typeface="Calibri" panose="020F0502020204030204"/>
+              <a:ea typeface="+mn-ea"/>
+              <a:cs typeface="+mn-cs"/>
+            </a:endParaRPr>
           </a:p>
         </p:txBody>
       </p:sp>
     </p:spTree>
     <p:extLst>
       <p:ext uri="{BB962C8B-B14F-4D97-AF65-F5344CB8AC3E}">
-        <p14:creationId xmlns:p14="http://schemas.microsoft.com/office/powerpoint/2010/main" val="2529969082"/>
+        <p14:creationId xmlns:p14="http://schemas.microsoft.com/office/powerpoint/2010/main" val="1271831112"/>
       </p:ext>
     </p:extLst>
   </p:cSld>
@@ -4171,7 +5865,7 @@
           <p:cNvPr id="2" name="Titel 1">
             <a:extLst>
               <a:ext uri="{FF2B5EF4-FFF2-40B4-BE49-F238E27FC236}">
-                <a16:creationId xmlns:a16="http://schemas.microsoft.com/office/drawing/2014/main" id="{C990329F-1823-DBF7-D3C1-E6402FE9DEEC}"/>
+                <a16:creationId xmlns:a16="http://schemas.microsoft.com/office/drawing/2014/main" id="{E8FFF89F-F3F0-02D1-9EDC-51C8E4E0F1A0}"/>
               </a:ext>
             </a:extLst>
           </p:cNvPr>
@@ -4189,7 +5883,7 @@
           <a:p>
             <a:r>
               <a:rPr lang="de-DE" dirty="0"/>
-              <a:t>REST-API</a:t>
+              <a:t>Webseite</a:t>
             </a:r>
           </a:p>
         </p:txBody>
@@ -4199,7 +5893,7 @@
           <p:cNvPr id="3" name="Inhaltsplatzhalter 2">
             <a:extLst>
               <a:ext uri="{FF2B5EF4-FFF2-40B4-BE49-F238E27FC236}">
-                <a16:creationId xmlns:a16="http://schemas.microsoft.com/office/drawing/2014/main" id="{965C8D7A-86D0-AE0E-DE78-F7E325A1754B}"/>
+                <a16:creationId xmlns:a16="http://schemas.microsoft.com/office/drawing/2014/main" id="{AC5ECC8D-D2EE-AA52-359F-D16708712DA4}"/>
               </a:ext>
             </a:extLst>
           </p:cNvPr>
@@ -4215,36 +5909,6 @@
           <a:bodyPr/>
           <a:lstStyle/>
           <a:p>
-            <a:pPr marL="457200" lvl="1" indent="0">
-              <a:buNone/>
-            </a:pPr>
-            <a:r>
-              <a:rPr lang="de-DE" dirty="0"/>
-              <a:t>Schnittstellenbeschreibung</a:t>
-            </a:r>
-          </a:p>
-          <a:p>
-            <a:pPr marL="457200" lvl="1" indent="0">
-              <a:buNone/>
-            </a:pPr>
-            <a:endParaRPr lang="de-DE" dirty="0"/>
-          </a:p>
-          <a:p>
-            <a:pPr marL="457200" lvl="1" indent="0">
-              <a:buNone/>
-            </a:pPr>
-            <a:endParaRPr lang="de-DE" dirty="0"/>
-          </a:p>
-          <a:p>
-            <a:pPr marL="457200" lvl="1" indent="0">
-              <a:buNone/>
-            </a:pPr>
-            <a:endParaRPr lang="de-DE" dirty="0"/>
-          </a:p>
-          <a:p>
-            <a:pPr marL="457200" lvl="1" indent="0">
-              <a:buNone/>
-            </a:pPr>
             <a:endParaRPr lang="de-DE" dirty="0"/>
           </a:p>
         </p:txBody>
@@ -4252,7 +5916,7 @@
     </p:spTree>
     <p:extLst>
       <p:ext uri="{BB962C8B-B14F-4D97-AF65-F5344CB8AC3E}">
-        <p14:creationId xmlns:p14="http://schemas.microsoft.com/office/powerpoint/2010/main" val="2208370728"/>
+        <p14:creationId xmlns:p14="http://schemas.microsoft.com/office/powerpoint/2010/main" val="1801721779"/>
       </p:ext>
     </p:extLst>
   </p:cSld>
@@ -4284,7 +5948,7 @@
           <p:cNvPr id="2" name="Titel 1">
             <a:extLst>
               <a:ext uri="{FF2B5EF4-FFF2-40B4-BE49-F238E27FC236}">
-                <a16:creationId xmlns:a16="http://schemas.microsoft.com/office/drawing/2014/main" id="{17B5A5C0-8290-7C8E-E367-E97F90DB857A}"/>
+                <a16:creationId xmlns:a16="http://schemas.microsoft.com/office/drawing/2014/main" id="{C990329F-1823-DBF7-D3C1-E6402FE9DEEC}"/>
               </a:ext>
             </a:extLst>
           </p:cNvPr>
@@ -4302,161 +5966,79 @@
           <a:p>
             <a:r>
               <a:rPr lang="de-DE" dirty="0"/>
-              <a:t>Datenbank</a:t>
-            </a:r>
-          </a:p>
-        </p:txBody>
-      </p:sp>
-      <p:pic>
-        <p:nvPicPr>
-          <p:cNvPr id="5" name="Inhaltsplatzhalter 4" descr="Ein Bild, das Text, Screenshot, Diagramm, Reihe enthält.&#10;&#10;Automatisch generierte Beschreibung">
-            <a:extLst>
-              <a:ext uri="{FF2B5EF4-FFF2-40B4-BE49-F238E27FC236}">
-                <a16:creationId xmlns:a16="http://schemas.microsoft.com/office/drawing/2014/main" id="{E2DFDDB2-3998-78C3-9B8A-F8217EE22549}"/>
-              </a:ext>
-            </a:extLst>
-          </p:cNvPr>
-          <p:cNvPicPr>
-            <a:picLocks noGrp="1" noChangeAspect="1"/>
-          </p:cNvPicPr>
+              <a:t>REST-API</a:t>
+            </a:r>
+          </a:p>
+        </p:txBody>
+      </p:sp>
+      <p:sp>
+        <p:nvSpPr>
+          <p:cNvPr id="3" name="Inhaltsplatzhalter 2">
+            <a:extLst>
+              <a:ext uri="{FF2B5EF4-FFF2-40B4-BE49-F238E27FC236}">
+                <a16:creationId xmlns:a16="http://schemas.microsoft.com/office/drawing/2014/main" id="{965C8D7A-86D0-AE0E-DE78-F7E325A1754B}"/>
+              </a:ext>
+            </a:extLst>
+          </p:cNvPr>
+          <p:cNvSpPr>
+            <a:spLocks noGrp="1"/>
+          </p:cNvSpPr>
           <p:nvPr>
             <p:ph idx="1"/>
           </p:nvPr>
-        </p:nvPicPr>
-        <p:blipFill>
-          <a:blip r:embed="rId2">
-            <a:extLst>
-              <a:ext uri="{28A0092B-C50C-407E-A947-70E740481C1C}">
-                <a14:useLocalDpi xmlns:a14="http://schemas.microsoft.com/office/drawing/2010/main" val="0"/>
-              </a:ext>
-            </a:extLst>
-          </a:blip>
-          <a:stretch>
-            <a:fillRect/>
-          </a:stretch>
-        </p:blipFill>
-        <p:spPr>
-          <a:xfrm>
-            <a:off x="6760368" y="3034506"/>
-            <a:ext cx="3343275" cy="2009775"/>
-          </a:xfrm>
-        </p:spPr>
-      </p:pic>
-      <p:pic>
-        <p:nvPicPr>
-          <p:cNvPr id="7" name="Grafik 6" descr="Ein Bild, das Text, Diagramm, Reihe, Screenshot enthält.&#10;&#10;Automatisch generierte Beschreibung">
-            <a:extLst>
-              <a:ext uri="{FF2B5EF4-FFF2-40B4-BE49-F238E27FC236}">
-                <a16:creationId xmlns:a16="http://schemas.microsoft.com/office/drawing/2014/main" id="{ECA87B96-2A44-4F1F-24DD-A53020E51B1D}"/>
-              </a:ext>
-            </a:extLst>
-          </p:cNvPr>
-          <p:cNvPicPr>
-            <a:picLocks noChangeAspect="1"/>
-          </p:cNvPicPr>
-          <p:nvPr/>
-        </p:nvPicPr>
-        <p:blipFill>
-          <a:blip r:embed="rId3">
-            <a:extLst>
-              <a:ext uri="{28A0092B-C50C-407E-A947-70E740481C1C}">
-                <a14:useLocalDpi xmlns:a14="http://schemas.microsoft.com/office/drawing/2010/main" val="0"/>
-              </a:ext>
-            </a:extLst>
-          </a:blip>
-          <a:stretch>
-            <a:fillRect/>
-          </a:stretch>
-        </p:blipFill>
-        <p:spPr>
-          <a:xfrm>
-            <a:off x="633412" y="3034506"/>
-            <a:ext cx="5057775" cy="1628775"/>
-          </a:xfrm>
-          <a:prstGeom prst="rect">
-            <a:avLst/>
-          </a:prstGeom>
-        </p:spPr>
-      </p:pic>
-      <p:sp>
-        <p:nvSpPr>
-          <p:cNvPr id="9" name="Textfeld 8">
-            <a:extLst>
-              <a:ext uri="{FF2B5EF4-FFF2-40B4-BE49-F238E27FC236}">
-                <a16:creationId xmlns:a16="http://schemas.microsoft.com/office/drawing/2014/main" id="{8F8BC405-39C8-DE1D-4EA0-BB6646F90D2E}"/>
-              </a:ext>
-            </a:extLst>
-          </p:cNvPr>
-          <p:cNvSpPr txBox="1"/>
-          <p:nvPr/>
-        </p:nvSpPr>
-        <p:spPr>
-          <a:xfrm>
-            <a:off x="6760368" y="2665174"/>
-            <a:ext cx="1580882" cy="369332"/>
-          </a:xfrm>
-          <a:prstGeom prst="rect">
-            <a:avLst/>
-          </a:prstGeom>
-          <a:noFill/>
-        </p:spPr>
-        <p:txBody>
-          <a:bodyPr wrap="none" rtlCol="0">
-            <a:spAutoFit/>
-          </a:bodyPr>
-          <a:lstStyle/>
-          <a:p>
+        </p:nvSpPr>
+        <p:spPr/>
+        <p:txBody>
+          <a:bodyPr/>
+          <a:lstStyle/>
+          <a:p>
+            <a:pPr lvl="1"/>
             <a:r>
               <a:rPr lang="de-DE" dirty="0"/>
-              <a:t>Sensor Daten</a:t>
-            </a:r>
-          </a:p>
-        </p:txBody>
-      </p:sp>
-      <p:sp>
-        <p:nvSpPr>
-          <p:cNvPr id="10" name="Textfeld 9">
-            <a:extLst>
-              <a:ext uri="{FF2B5EF4-FFF2-40B4-BE49-F238E27FC236}">
-                <a16:creationId xmlns:a16="http://schemas.microsoft.com/office/drawing/2014/main" id="{4061C66C-CB3D-F9F1-E9A8-8E80442F1A9A}"/>
-              </a:ext>
-            </a:extLst>
-          </p:cNvPr>
-          <p:cNvSpPr txBox="1"/>
-          <p:nvPr/>
-        </p:nvSpPr>
-        <p:spPr>
-          <a:xfrm>
-            <a:off x="633412" y="2665174"/>
-            <a:ext cx="2438488" cy="369332"/>
-          </a:xfrm>
-          <a:prstGeom prst="rect">
-            <a:avLst/>
-          </a:prstGeom>
-          <a:noFill/>
-        </p:spPr>
-        <p:txBody>
-          <a:bodyPr wrap="none" rtlCol="0">
-            <a:spAutoFit/>
-          </a:bodyPr>
-          <a:lstStyle/>
-          <a:p>
+              <a:t>Eine Schnittstellendefinition </a:t>
+            </a:r>
+          </a:p>
+          <a:p>
+            <a:pPr lvl="1"/>
             <a:r>
               <a:rPr lang="de-DE" dirty="0"/>
-              <a:t>Wecker </a:t>
-            </a:r>
-            <a:r>
-              <a:rPr lang="de-DE" dirty="0" err="1"/>
-              <a:t>Configuration</a:t>
-            </a:r>
-            <a:endParaRPr lang="de-DE" dirty="0"/>
+              <a:t>Hauptsächlich Maschinen-zu-Maschinen Kommunikation</a:t>
+            </a:r>
+          </a:p>
+          <a:p>
+            <a:pPr lvl="1"/>
+            <a:r>
+              <a:rPr lang="de-DE" dirty="0"/>
+              <a:t>Ressourcen</a:t>
+            </a:r>
+          </a:p>
+          <a:p>
+            <a:pPr lvl="1"/>
+            <a:r>
+              <a:rPr lang="de-DE" dirty="0"/>
+              <a:t>Ressourcen Aufruf/Veränderung über URI (Route)</a:t>
+            </a:r>
+          </a:p>
+          <a:p>
+            <a:pPr lvl="1"/>
+            <a:r>
+              <a:rPr lang="de-DE" dirty="0"/>
+              <a:t>HTTP </a:t>
+            </a:r>
+          </a:p>
+          <a:p>
+            <a:pPr lvl="2"/>
+            <a:r>
+              <a:rPr lang="de-DE" dirty="0"/>
+              <a:t>benutzt dessen CRUD Methoden (GET, POST, PUT, DELETE)</a:t>
+            </a:r>
           </a:p>
         </p:txBody>
       </p:sp>
     </p:spTree>
     <p:extLst>
       <p:ext uri="{BB962C8B-B14F-4D97-AF65-F5344CB8AC3E}">
-        <p14:creationId xmlns:p14="http://schemas.microsoft.com/office/powerpoint/2010/main" val="250442459"/>
+        <p14:creationId xmlns:p14="http://schemas.microsoft.com/office/powerpoint/2010/main" val="39987096"/>
       </p:ext>
     </p:extLst>
   </p:cSld>
@@ -4488,7 +6070,7 @@
           <p:cNvPr id="2" name="Titel 1">
             <a:extLst>
               <a:ext uri="{FF2B5EF4-FFF2-40B4-BE49-F238E27FC236}">
-                <a16:creationId xmlns:a16="http://schemas.microsoft.com/office/drawing/2014/main" id="{FFB40984-BB98-B724-3C7A-4010A921A6B3}"/>
+                <a16:creationId xmlns:a16="http://schemas.microsoft.com/office/drawing/2014/main" id="{C990329F-1823-DBF7-D3C1-E6402FE9DEEC}"/>
               </a:ext>
             </a:extLst>
           </p:cNvPr>
@@ -4506,7 +6088,7 @@
           <a:p>
             <a:r>
               <a:rPr lang="de-DE" dirty="0"/>
-              <a:t>Sensoren</a:t>
+              <a:t>REST-API</a:t>
             </a:r>
           </a:p>
         </p:txBody>
@@ -4516,7 +6098,7 @@
           <p:cNvPr id="3" name="Inhaltsplatzhalter 2">
             <a:extLst>
               <a:ext uri="{FF2B5EF4-FFF2-40B4-BE49-F238E27FC236}">
-                <a16:creationId xmlns:a16="http://schemas.microsoft.com/office/drawing/2014/main" id="{0E0323FB-D84C-D4C4-CD34-8DA43F2F65DF}"/>
+                <a16:creationId xmlns:a16="http://schemas.microsoft.com/office/drawing/2014/main" id="{965C8D7A-86D0-AE0E-DE78-F7E325A1754B}"/>
               </a:ext>
             </a:extLst>
           </p:cNvPr>
@@ -4532,14 +6114,182 @@
           <a:bodyPr/>
           <a:lstStyle/>
           <a:p>
-            <a:endParaRPr lang="de-DE"/>
+            <a:pPr marL="457200" lvl="1" indent="0">
+              <a:buNone/>
+            </a:pPr>
+            <a:r>
+              <a:rPr lang="de-DE" sz="3600" dirty="0"/>
+              <a:t>Notation</a:t>
+            </a:r>
+            <a:endParaRPr lang="de-DE" dirty="0"/>
+          </a:p>
+          <a:p>
+            <a:pPr marL="457200" lvl="1" indent="0">
+              <a:buNone/>
+            </a:pPr>
+            <a:endParaRPr lang="de-DE" dirty="0"/>
+          </a:p>
+          <a:p>
+            <a:pPr marL="457200" lvl="1" indent="0">
+              <a:buNone/>
+            </a:pPr>
+            <a:r>
+              <a:rPr lang="de-DE" dirty="0"/>
+              <a:t>GET /</a:t>
+            </a:r>
+            <a:r>
+              <a:rPr lang="de-DE" dirty="0" err="1"/>
+              <a:t>api</a:t>
+            </a:r>
+            <a:r>
+              <a:rPr lang="de-DE" dirty="0"/>
+              <a:t>/v1/</a:t>
+            </a:r>
+            <a:r>
+              <a:rPr lang="de-DE" dirty="0" err="1"/>
+              <a:t>cars</a:t>
+            </a:r>
+            <a:endParaRPr lang="de-DE" dirty="0"/>
+          </a:p>
+          <a:p>
+            <a:pPr marL="457200" lvl="1" indent="0">
+              <a:buNone/>
+            </a:pPr>
+            <a:r>
+              <a:rPr lang="de-DE" dirty="0"/>
+              <a:t>GET /</a:t>
+            </a:r>
+            <a:r>
+              <a:rPr lang="de-DE" dirty="0" err="1"/>
+              <a:t>api</a:t>
+            </a:r>
+            <a:r>
+              <a:rPr lang="de-DE" dirty="0"/>
+              <a:t>/v1/</a:t>
+            </a:r>
+            <a:r>
+              <a:rPr lang="de-DE" dirty="0" err="1"/>
+              <a:t>cars</a:t>
+            </a:r>
+            <a:r>
+              <a:rPr lang="de-DE" dirty="0"/>
+              <a:t>/:</a:t>
+            </a:r>
+            <a:r>
+              <a:rPr lang="de-DE" dirty="0" err="1"/>
+              <a:t>id</a:t>
+            </a:r>
+            <a:endParaRPr lang="de-DE" dirty="0"/>
+          </a:p>
+          <a:p>
+            <a:pPr marL="457200" lvl="1" indent="0">
+              <a:buNone/>
+            </a:pPr>
+            <a:r>
+              <a:rPr lang="de-DE" dirty="0"/>
+              <a:t>GET /</a:t>
+            </a:r>
+            <a:r>
+              <a:rPr lang="de-DE" dirty="0" err="1"/>
+              <a:t>api</a:t>
+            </a:r>
+            <a:r>
+              <a:rPr lang="de-DE" dirty="0"/>
+              <a:t>/v1/</a:t>
+            </a:r>
+            <a:r>
+              <a:rPr lang="de-DE" dirty="0" err="1"/>
+              <a:t>cars</a:t>
+            </a:r>
+            <a:r>
+              <a:rPr lang="de-DE" dirty="0"/>
+              <a:t>/:</a:t>
+            </a:r>
+            <a:r>
+              <a:rPr lang="de-DE" dirty="0" err="1"/>
+              <a:t>id?someFilter</a:t>
+            </a:r>
+            <a:r>
+              <a:rPr lang="de-DE" dirty="0"/>
+              <a:t>=blau</a:t>
+            </a:r>
+          </a:p>
+          <a:p>
+            <a:pPr marL="457200" lvl="1" indent="0">
+              <a:buNone/>
+            </a:pPr>
+            <a:endParaRPr lang="de-DE" dirty="0"/>
+          </a:p>
+          <a:p>
+            <a:pPr marL="457200" lvl="1" indent="0">
+              <a:buNone/>
+            </a:pPr>
+            <a:r>
+              <a:rPr lang="de-DE" dirty="0"/>
+              <a:t>GET /</a:t>
+            </a:r>
+            <a:r>
+              <a:rPr lang="de-DE" dirty="0" err="1"/>
+              <a:t>api</a:t>
+            </a:r>
+            <a:r>
+              <a:rPr lang="de-DE" dirty="0"/>
+              <a:t>/v1/</a:t>
+            </a:r>
+            <a:r>
+              <a:rPr lang="de-DE" dirty="0" err="1"/>
+              <a:t>factories</a:t>
+            </a:r>
+            <a:r>
+              <a:rPr lang="de-DE" dirty="0"/>
+              <a:t>/:</a:t>
+            </a:r>
+            <a:r>
+              <a:rPr lang="de-DE" dirty="0" err="1"/>
+              <a:t>id</a:t>
+            </a:r>
+            <a:r>
+              <a:rPr lang="de-DE" dirty="0"/>
+              <a:t>/</a:t>
+            </a:r>
+            <a:r>
+              <a:rPr lang="de-DE" dirty="0" err="1"/>
+              <a:t>cars</a:t>
+            </a:r>
+            <a:r>
+              <a:rPr lang="de-DE" dirty="0"/>
+              <a:t>/:</a:t>
+            </a:r>
+            <a:r>
+              <a:rPr lang="de-DE" dirty="0" err="1"/>
+              <a:t>id</a:t>
+            </a:r>
+            <a:endParaRPr lang="de-DE" dirty="0"/>
+          </a:p>
+          <a:p>
+            <a:pPr marL="457200" lvl="1" indent="0">
+              <a:buNone/>
+            </a:pPr>
+            <a:endParaRPr lang="de-DE" dirty="0"/>
+          </a:p>
+          <a:p>
+            <a:pPr marL="457200" lvl="1" indent="0">
+              <a:buNone/>
+            </a:pPr>
+            <a:endParaRPr lang="de-DE" dirty="0"/>
+          </a:p>
+          <a:p>
+            <a:pPr marL="457200" lvl="1" indent="0">
+              <a:buNone/>
+            </a:pPr>
+            <a:endParaRPr lang="de-DE" dirty="0"/>
           </a:p>
         </p:txBody>
       </p:sp>
     </p:spTree>
     <p:extLst>
       <p:ext uri="{BB962C8B-B14F-4D97-AF65-F5344CB8AC3E}">
-        <p14:creationId xmlns:p14="http://schemas.microsoft.com/office/powerpoint/2010/main" val="2557872005"/>
+        <p14:creationId xmlns:p14="http://schemas.microsoft.com/office/powerpoint/2010/main" val="2529969082"/>
       </p:ext>
     </p:extLst>
   </p:cSld>
@@ -4571,7 +6321,7 @@
           <p:cNvPr id="2" name="Titel 1">
             <a:extLst>
               <a:ext uri="{FF2B5EF4-FFF2-40B4-BE49-F238E27FC236}">
-                <a16:creationId xmlns:a16="http://schemas.microsoft.com/office/drawing/2014/main" id="{795B6C7D-C72F-879D-DCF8-FE2D4C7DDCD5}"/>
+                <a16:creationId xmlns:a16="http://schemas.microsoft.com/office/drawing/2014/main" id="{C990329F-1823-DBF7-D3C1-E6402FE9DEEC}"/>
               </a:ext>
             </a:extLst>
           </p:cNvPr>
@@ -4589,7 +6339,7 @@
           <a:p>
             <a:r>
               <a:rPr lang="de-DE" dirty="0"/>
-              <a:t>Quellen</a:t>
+              <a:t>REST-API</a:t>
             </a:r>
           </a:p>
         </p:txBody>
@@ -4599,7 +6349,7 @@
           <p:cNvPr id="3" name="Inhaltsplatzhalter 2">
             <a:extLst>
               <a:ext uri="{FF2B5EF4-FFF2-40B4-BE49-F238E27FC236}">
-                <a16:creationId xmlns:a16="http://schemas.microsoft.com/office/drawing/2014/main" id="{E99D5A4C-8E21-6DCC-A897-4048A1384A77}"/>
+                <a16:creationId xmlns:a16="http://schemas.microsoft.com/office/drawing/2014/main" id="{965C8D7A-86D0-AE0E-DE78-F7E325A1754B}"/>
               </a:ext>
             </a:extLst>
           </p:cNvPr>
@@ -4617,31 +6367,97 @@
           <a:p>
             <a:r>
               <a:rPr lang="de-DE" dirty="0"/>
-              <a:t>Q1 : </a:t>
-            </a:r>
-            <a:r>
-              <a:rPr lang="de-DE" dirty="0">
-                <a:hlinkClick r:id="rId2"/>
-              </a:rPr>
-              <a:t>https://de.wikipedia.org/wiki/Wasserfallmodell</a:t>
-            </a:r>
+              <a:t>Java</a:t>
+            </a:r>
+          </a:p>
+          <a:p>
             <a:r>
               <a:rPr lang="de-DE" dirty="0"/>
-              <a:t> </a:t>
-            </a:r>
-          </a:p>
-          <a:p>
+              <a:t>Spring Framework</a:t>
+            </a:r>
+          </a:p>
+          <a:p>
+            <a:pPr lvl="1"/>
             <a:r>
               <a:rPr lang="de-DE" dirty="0"/>
-              <a:t> </a:t>
-            </a:r>
-          </a:p>
-        </p:txBody>
-      </p:sp>
+              <a:t>Spring Boot</a:t>
+            </a:r>
+          </a:p>
+          <a:p>
+            <a:pPr lvl="2"/>
+            <a:r>
+              <a:rPr lang="de-DE" dirty="0"/>
+              <a:t>Webserver</a:t>
+            </a:r>
+          </a:p>
+          <a:p>
+            <a:pPr lvl="2"/>
+            <a:r>
+              <a:rPr lang="de-DE" dirty="0"/>
+              <a:t>Open-Source</a:t>
+            </a:r>
+          </a:p>
+          <a:p>
+            <a:pPr lvl="1"/>
+            <a:r>
+              <a:rPr lang="de-DE" dirty="0"/>
+              <a:t>Spring Web</a:t>
+            </a:r>
+          </a:p>
+          <a:p>
+            <a:pPr lvl="2"/>
+            <a:r>
+              <a:rPr lang="de-DE" dirty="0"/>
+              <a:t>REST-Funktionalitäten</a:t>
+            </a:r>
+          </a:p>
+          <a:p>
+            <a:pPr lvl="1"/>
+            <a:r>
+              <a:rPr lang="de-DE" dirty="0"/>
+              <a:t>Lässt sich aus einer Open API Definition Generieren</a:t>
+            </a:r>
+          </a:p>
+          <a:p>
+            <a:pPr lvl="1"/>
+            <a:endParaRPr lang="de-DE" dirty="0"/>
+          </a:p>
+        </p:txBody>
+      </p:sp>
+      <p:pic>
+        <p:nvPicPr>
+          <p:cNvPr id="5" name="Grafik 4">
+            <a:extLst>
+              <a:ext uri="{FF2B5EF4-FFF2-40B4-BE49-F238E27FC236}">
+                <a16:creationId xmlns:a16="http://schemas.microsoft.com/office/drawing/2014/main" id="{5D8BAC73-1ECE-988E-5D53-FC1C7F02CC61}"/>
+              </a:ext>
+            </a:extLst>
+          </p:cNvPr>
+          <p:cNvPicPr>
+            <a:picLocks noChangeAspect="1"/>
+          </p:cNvPicPr>
+          <p:nvPr/>
+        </p:nvPicPr>
+        <p:blipFill>
+          <a:blip r:embed="rId2"/>
+          <a:stretch>
+            <a:fillRect/>
+          </a:stretch>
+        </p:blipFill>
+        <p:spPr>
+          <a:xfrm>
+            <a:off x="5143870" y="2401279"/>
+            <a:ext cx="4434574" cy="2055441"/>
+          </a:xfrm>
+          <a:prstGeom prst="rect">
+            <a:avLst/>
+          </a:prstGeom>
+        </p:spPr>
+      </p:pic>
     </p:spTree>
     <p:extLst>
       <p:ext uri="{BB962C8B-B14F-4D97-AF65-F5344CB8AC3E}">
-        <p14:creationId xmlns:p14="http://schemas.microsoft.com/office/powerpoint/2010/main" val="3260964455"/>
+        <p14:creationId xmlns:p14="http://schemas.microsoft.com/office/powerpoint/2010/main" val="2867040122"/>
       </p:ext>
     </p:extLst>
   </p:cSld>
@@ -4751,7 +6567,947 @@
 </p:sld>
 </file>
 
-<file path=ppt/slides/slide3.xml><?xml version="1.0" encoding="utf-8"?>
+<file path=ppt/slides/slide20.xml><?xml version="1.0" encoding="utf-8"?>
+<p:sld xmlns:a="http://schemas.openxmlformats.org/drawingml/2006/main" xmlns:r="http://schemas.openxmlformats.org/officeDocument/2006/relationships" xmlns:p="http://schemas.openxmlformats.org/presentationml/2006/main">
+  <p:cSld>
+    <p:bg>
+      <p:bgPr>
+        <a:solidFill>
+          <a:schemeClr val="bg1"/>
+        </a:solidFill>
+        <a:effectLst/>
+      </p:bgPr>
+    </p:bg>
+    <p:spTree>
+      <p:nvGrpSpPr>
+        <p:cNvPr id="1" name=""/>
+        <p:cNvGrpSpPr/>
+        <p:nvPr/>
+      </p:nvGrpSpPr>
+      <p:grpSpPr>
+        <a:xfrm>
+          <a:off x="0" y="0"/>
+          <a:ext cx="0" cy="0"/>
+          <a:chOff x="0" y="0"/>
+          <a:chExt cx="0" cy="0"/>
+        </a:xfrm>
+      </p:grpSpPr>
+      <p:sp useBgFill="1">
+        <p:nvSpPr>
+          <p:cNvPr id="1031" name="Rectangle 1030">
+            <a:extLst>
+              <a:ext uri="{FF2B5EF4-FFF2-40B4-BE49-F238E27FC236}">
+                <a16:creationId xmlns:a16="http://schemas.microsoft.com/office/drawing/2014/main" id="{45D37F4E-DDB4-456B-97E0-9937730A039F}"/>
+              </a:ext>
+              <a:ext uri="{C183D7F6-B498-43B3-948B-1728B52AA6E4}">
+                <adec:decorative xmlns:adec="http://schemas.microsoft.com/office/drawing/2017/decorative" val="1"/>
+              </a:ext>
+            </a:extLst>
+          </p:cNvPr>
+          <p:cNvSpPr>
+            <a:spLocks noGrp="1" noRot="1" noChangeAspect="1" noMove="1" noResize="1" noEditPoints="1" noAdjustHandles="1" noChangeArrowheads="1" noChangeShapeType="1" noTextEdit="1"/>
+          </p:cNvSpPr>
+          <p:nvPr>
+            <p:extLst>
+              <p:ext uri="{386F3935-93C4-4BCD-93E2-E3B085C9AB24}">
+                <p16:designElem xmlns:p16="http://schemas.microsoft.com/office/powerpoint/2015/main" val="1"/>
+              </p:ext>
+            </p:extLst>
+          </p:nvPr>
+        </p:nvSpPr>
+        <p:spPr>
+          <a:xfrm>
+            <a:off x="0" y="0"/>
+            <a:ext cx="12188952" cy="6858000"/>
+          </a:xfrm>
+          <a:prstGeom prst="rect">
+            <a:avLst/>
+          </a:prstGeom>
+          <a:ln>
+            <a:noFill/>
+          </a:ln>
+        </p:spPr>
+        <p:style>
+          <a:lnRef idx="2">
+            <a:schemeClr val="accent1">
+              <a:shade val="50000"/>
+            </a:schemeClr>
+          </a:lnRef>
+          <a:fillRef idx="1">
+            <a:schemeClr val="accent1"/>
+          </a:fillRef>
+          <a:effectRef idx="0">
+            <a:schemeClr val="accent1"/>
+          </a:effectRef>
+          <a:fontRef idx="minor">
+            <a:schemeClr val="lt1"/>
+          </a:fontRef>
+        </p:style>
+        <p:txBody>
+          <a:bodyPr rtlCol="0" anchor="ctr"/>
+          <a:lstStyle/>
+          <a:p>
+            <a:pPr algn="ctr"/>
+            <a:endParaRPr lang="en-US"/>
+          </a:p>
+        </p:txBody>
+      </p:sp>
+      <p:sp>
+        <p:nvSpPr>
+          <p:cNvPr id="2" name="Titel 1">
+            <a:extLst>
+              <a:ext uri="{FF2B5EF4-FFF2-40B4-BE49-F238E27FC236}">
+                <a16:creationId xmlns:a16="http://schemas.microsoft.com/office/drawing/2014/main" id="{C990329F-1823-DBF7-D3C1-E6402FE9DEEC}"/>
+              </a:ext>
+            </a:extLst>
+          </p:cNvPr>
+          <p:cNvSpPr>
+            <a:spLocks noGrp="1"/>
+          </p:cNvSpPr>
+          <p:nvPr>
+            <p:ph type="title"/>
+          </p:nvPr>
+        </p:nvSpPr>
+        <p:spPr>
+          <a:xfrm>
+            <a:off x="572493" y="238539"/>
+            <a:ext cx="11018520" cy="1434415"/>
+          </a:xfrm>
+        </p:spPr>
+        <p:txBody>
+          <a:bodyPr anchor="b">
+            <a:normAutofit/>
+          </a:bodyPr>
+          <a:lstStyle/>
+          <a:p>
+            <a:r>
+              <a:rPr lang="de-DE" sz="5400"/>
+              <a:t>OpenApi</a:t>
+            </a:r>
+          </a:p>
+        </p:txBody>
+      </p:sp>
+      <p:sp>
+        <p:nvSpPr>
+          <p:cNvPr id="1033" name="sketchy line">
+            <a:extLst>
+              <a:ext uri="{FF2B5EF4-FFF2-40B4-BE49-F238E27FC236}">
+                <a16:creationId xmlns:a16="http://schemas.microsoft.com/office/drawing/2014/main" id="{B2DD41CD-8F47-4F56-AD12-4E2FF7696987}"/>
+              </a:ext>
+              <a:ext uri="{C183D7F6-B498-43B3-948B-1728B52AA6E4}">
+                <adec:decorative xmlns:adec="http://schemas.microsoft.com/office/drawing/2017/decorative" val="1"/>
+              </a:ext>
+            </a:extLst>
+          </p:cNvPr>
+          <p:cNvSpPr>
+            <a:spLocks noGrp="1" noRot="1" noChangeAspect="1" noMove="1" noResize="1" noEditPoints="1" noAdjustHandles="1" noChangeArrowheads="1" noChangeShapeType="1" noTextEdit="1"/>
+          </p:cNvSpPr>
+          <p:nvPr>
+            <p:extLst>
+              <p:ext uri="{386F3935-93C4-4BCD-93E2-E3B085C9AB24}">
+                <p16:designElem xmlns:p16="http://schemas.microsoft.com/office/powerpoint/2015/main" val="1"/>
+              </p:ext>
+            </p:extLst>
+          </p:nvPr>
+        </p:nvSpPr>
+        <p:spPr>
+          <a:xfrm>
+            <a:off x="572493" y="1681544"/>
+            <a:ext cx="10972800" cy="18288"/>
+          </a:xfrm>
+          <a:custGeom>
+            <a:avLst/>
+            <a:gdLst>
+              <a:gd name="connsiteX0" fmla="*/ 0 w 10972800"/>
+              <a:gd name="connsiteY0" fmla="*/ 0 h 18288"/>
+              <a:gd name="connsiteX1" fmla="*/ 356616 w 10972800"/>
+              <a:gd name="connsiteY1" fmla="*/ 0 h 18288"/>
+              <a:gd name="connsiteX2" fmla="*/ 1042416 w 10972800"/>
+              <a:gd name="connsiteY2" fmla="*/ 0 h 18288"/>
+              <a:gd name="connsiteX3" fmla="*/ 1947672 w 10972800"/>
+              <a:gd name="connsiteY3" fmla="*/ 0 h 18288"/>
+              <a:gd name="connsiteX4" fmla="*/ 2633472 w 10972800"/>
+              <a:gd name="connsiteY4" fmla="*/ 0 h 18288"/>
+              <a:gd name="connsiteX5" fmla="*/ 2990088 w 10972800"/>
+              <a:gd name="connsiteY5" fmla="*/ 0 h 18288"/>
+              <a:gd name="connsiteX6" fmla="*/ 3456432 w 10972800"/>
+              <a:gd name="connsiteY6" fmla="*/ 0 h 18288"/>
+              <a:gd name="connsiteX7" fmla="*/ 4361688 w 10972800"/>
+              <a:gd name="connsiteY7" fmla="*/ 0 h 18288"/>
+              <a:gd name="connsiteX8" fmla="*/ 5266944 w 10972800"/>
+              <a:gd name="connsiteY8" fmla="*/ 0 h 18288"/>
+              <a:gd name="connsiteX9" fmla="*/ 6172200 w 10972800"/>
+              <a:gd name="connsiteY9" fmla="*/ 0 h 18288"/>
+              <a:gd name="connsiteX10" fmla="*/ 6528816 w 10972800"/>
+              <a:gd name="connsiteY10" fmla="*/ 0 h 18288"/>
+              <a:gd name="connsiteX11" fmla="*/ 7214616 w 10972800"/>
+              <a:gd name="connsiteY11" fmla="*/ 0 h 18288"/>
+              <a:gd name="connsiteX12" fmla="*/ 7790688 w 10972800"/>
+              <a:gd name="connsiteY12" fmla="*/ 0 h 18288"/>
+              <a:gd name="connsiteX13" fmla="*/ 8147304 w 10972800"/>
+              <a:gd name="connsiteY13" fmla="*/ 0 h 18288"/>
+              <a:gd name="connsiteX14" fmla="*/ 9052560 w 10972800"/>
+              <a:gd name="connsiteY14" fmla="*/ 0 h 18288"/>
+              <a:gd name="connsiteX15" fmla="*/ 9409176 w 10972800"/>
+              <a:gd name="connsiteY15" fmla="*/ 0 h 18288"/>
+              <a:gd name="connsiteX16" fmla="*/ 9765792 w 10972800"/>
+              <a:gd name="connsiteY16" fmla="*/ 0 h 18288"/>
+              <a:gd name="connsiteX17" fmla="*/ 10341864 w 10972800"/>
+              <a:gd name="connsiteY17" fmla="*/ 0 h 18288"/>
+              <a:gd name="connsiteX18" fmla="*/ 10972800 w 10972800"/>
+              <a:gd name="connsiteY18" fmla="*/ 0 h 18288"/>
+              <a:gd name="connsiteX19" fmla="*/ 10972800 w 10972800"/>
+              <a:gd name="connsiteY19" fmla="*/ 18288 h 18288"/>
+              <a:gd name="connsiteX20" fmla="*/ 10177272 w 10972800"/>
+              <a:gd name="connsiteY20" fmla="*/ 18288 h 18288"/>
+              <a:gd name="connsiteX21" fmla="*/ 9820656 w 10972800"/>
+              <a:gd name="connsiteY21" fmla="*/ 18288 h 18288"/>
+              <a:gd name="connsiteX22" fmla="*/ 9464040 w 10972800"/>
+              <a:gd name="connsiteY22" fmla="*/ 18288 h 18288"/>
+              <a:gd name="connsiteX23" fmla="*/ 8778240 w 10972800"/>
+              <a:gd name="connsiteY23" fmla="*/ 18288 h 18288"/>
+              <a:gd name="connsiteX24" fmla="*/ 8421624 w 10972800"/>
+              <a:gd name="connsiteY24" fmla="*/ 18288 h 18288"/>
+              <a:gd name="connsiteX25" fmla="*/ 7735824 w 10972800"/>
+              <a:gd name="connsiteY25" fmla="*/ 18288 h 18288"/>
+              <a:gd name="connsiteX26" fmla="*/ 6940296 w 10972800"/>
+              <a:gd name="connsiteY26" fmla="*/ 18288 h 18288"/>
+              <a:gd name="connsiteX27" fmla="*/ 6254496 w 10972800"/>
+              <a:gd name="connsiteY27" fmla="*/ 18288 h 18288"/>
+              <a:gd name="connsiteX28" fmla="*/ 5458968 w 10972800"/>
+              <a:gd name="connsiteY28" fmla="*/ 18288 h 18288"/>
+              <a:gd name="connsiteX29" fmla="*/ 4663440 w 10972800"/>
+              <a:gd name="connsiteY29" fmla="*/ 18288 h 18288"/>
+              <a:gd name="connsiteX30" fmla="*/ 4306824 w 10972800"/>
+              <a:gd name="connsiteY30" fmla="*/ 18288 h 18288"/>
+              <a:gd name="connsiteX31" fmla="*/ 3840480 w 10972800"/>
+              <a:gd name="connsiteY31" fmla="*/ 18288 h 18288"/>
+              <a:gd name="connsiteX32" fmla="*/ 3264408 w 10972800"/>
+              <a:gd name="connsiteY32" fmla="*/ 18288 h 18288"/>
+              <a:gd name="connsiteX33" fmla="*/ 2578608 w 10972800"/>
+              <a:gd name="connsiteY33" fmla="*/ 18288 h 18288"/>
+              <a:gd name="connsiteX34" fmla="*/ 1673352 w 10972800"/>
+              <a:gd name="connsiteY34" fmla="*/ 18288 h 18288"/>
+              <a:gd name="connsiteX35" fmla="*/ 877824 w 10972800"/>
+              <a:gd name="connsiteY35" fmla="*/ 18288 h 18288"/>
+              <a:gd name="connsiteX36" fmla="*/ 0 w 10972800"/>
+              <a:gd name="connsiteY36" fmla="*/ 18288 h 18288"/>
+              <a:gd name="connsiteX37" fmla="*/ 0 w 10972800"/>
+              <a:gd name="connsiteY37" fmla="*/ 0 h 18288"/>
+            </a:gdLst>
+            <a:ahLst/>
+            <a:cxnLst>
+              <a:cxn ang="0">
+                <a:pos x="connsiteX0" y="connsiteY0"/>
+              </a:cxn>
+              <a:cxn ang="0">
+                <a:pos x="connsiteX1" y="connsiteY1"/>
+              </a:cxn>
+              <a:cxn ang="0">
+                <a:pos x="connsiteX2" y="connsiteY2"/>
+              </a:cxn>
+              <a:cxn ang="0">
+                <a:pos x="connsiteX3" y="connsiteY3"/>
+              </a:cxn>
+              <a:cxn ang="0">
+                <a:pos x="connsiteX4" y="connsiteY4"/>
+              </a:cxn>
+              <a:cxn ang="0">
+                <a:pos x="connsiteX5" y="connsiteY5"/>
+              </a:cxn>
+              <a:cxn ang="0">
+                <a:pos x="connsiteX6" y="connsiteY6"/>
+              </a:cxn>
+              <a:cxn ang="0">
+                <a:pos x="connsiteX7" y="connsiteY7"/>
+              </a:cxn>
+              <a:cxn ang="0">
+                <a:pos x="connsiteX8" y="connsiteY8"/>
+              </a:cxn>
+              <a:cxn ang="0">
+                <a:pos x="connsiteX9" y="connsiteY9"/>
+              </a:cxn>
+              <a:cxn ang="0">
+                <a:pos x="connsiteX10" y="connsiteY10"/>
+              </a:cxn>
+              <a:cxn ang="0">
+                <a:pos x="connsiteX11" y="connsiteY11"/>
+              </a:cxn>
+              <a:cxn ang="0">
+                <a:pos x="connsiteX12" y="connsiteY12"/>
+              </a:cxn>
+              <a:cxn ang="0">
+                <a:pos x="connsiteX13" y="connsiteY13"/>
+              </a:cxn>
+              <a:cxn ang="0">
+                <a:pos x="connsiteX14" y="connsiteY14"/>
+              </a:cxn>
+              <a:cxn ang="0">
+                <a:pos x="connsiteX15" y="connsiteY15"/>
+              </a:cxn>
+              <a:cxn ang="0">
+                <a:pos x="connsiteX16" y="connsiteY16"/>
+              </a:cxn>
+              <a:cxn ang="0">
+                <a:pos x="connsiteX17" y="connsiteY17"/>
+              </a:cxn>
+              <a:cxn ang="0">
+                <a:pos x="connsiteX18" y="connsiteY18"/>
+              </a:cxn>
+              <a:cxn ang="0">
+                <a:pos x="connsiteX19" y="connsiteY19"/>
+              </a:cxn>
+              <a:cxn ang="0">
+                <a:pos x="connsiteX20" y="connsiteY20"/>
+              </a:cxn>
+              <a:cxn ang="0">
+                <a:pos x="connsiteX21" y="connsiteY21"/>
+              </a:cxn>
+              <a:cxn ang="0">
+                <a:pos x="connsiteX22" y="connsiteY22"/>
+              </a:cxn>
+              <a:cxn ang="0">
+                <a:pos x="connsiteX23" y="connsiteY23"/>
+              </a:cxn>
+              <a:cxn ang="0">
+                <a:pos x="connsiteX24" y="connsiteY24"/>
+              </a:cxn>
+              <a:cxn ang="0">
+                <a:pos x="connsiteX25" y="connsiteY25"/>
+              </a:cxn>
+              <a:cxn ang="0">
+                <a:pos x="connsiteX26" y="connsiteY26"/>
+              </a:cxn>
+              <a:cxn ang="0">
+                <a:pos x="connsiteX27" y="connsiteY27"/>
+              </a:cxn>
+              <a:cxn ang="0">
+                <a:pos x="connsiteX28" y="connsiteY28"/>
+              </a:cxn>
+              <a:cxn ang="0">
+                <a:pos x="connsiteX29" y="connsiteY29"/>
+              </a:cxn>
+              <a:cxn ang="0">
+                <a:pos x="connsiteX30" y="connsiteY30"/>
+              </a:cxn>
+              <a:cxn ang="0">
+                <a:pos x="connsiteX31" y="connsiteY31"/>
+              </a:cxn>
+              <a:cxn ang="0">
+                <a:pos x="connsiteX32" y="connsiteY32"/>
+              </a:cxn>
+              <a:cxn ang="0">
+                <a:pos x="connsiteX33" y="connsiteY33"/>
+              </a:cxn>
+              <a:cxn ang="0">
+                <a:pos x="connsiteX34" y="connsiteY34"/>
+              </a:cxn>
+              <a:cxn ang="0">
+                <a:pos x="connsiteX35" y="connsiteY35"/>
+              </a:cxn>
+              <a:cxn ang="0">
+                <a:pos x="connsiteX36" y="connsiteY36"/>
+              </a:cxn>
+              <a:cxn ang="0">
+                <a:pos x="connsiteX37" y="connsiteY37"/>
+              </a:cxn>
+            </a:cxnLst>
+            <a:rect l="l" t="t" r="r" b="b"/>
+            <a:pathLst>
+              <a:path w="10972800" h="18288" fill="none" extrusionOk="0">
+                <a:moveTo>
+                  <a:pt x="0" y="0"/>
+                </a:moveTo>
+                <a:cubicBezTo>
+                  <a:pt x="165916" y="-1866"/>
+                  <a:pt x="188720" y="13756"/>
+                  <a:pt x="356616" y="0"/>
+                </a:cubicBezTo>
+                <a:cubicBezTo>
+                  <a:pt x="524512" y="-13756"/>
+                  <a:pt x="734781" y="8922"/>
+                  <a:pt x="1042416" y="0"/>
+                </a:cubicBezTo>
+                <a:cubicBezTo>
+                  <a:pt x="1350051" y="-8922"/>
+                  <a:pt x="1595982" y="-26315"/>
+                  <a:pt x="1947672" y="0"/>
+                </a:cubicBezTo>
+                <a:cubicBezTo>
+                  <a:pt x="2299362" y="26315"/>
+                  <a:pt x="2292691" y="-19526"/>
+                  <a:pt x="2633472" y="0"/>
+                </a:cubicBezTo>
+                <a:cubicBezTo>
+                  <a:pt x="2974253" y="19526"/>
+                  <a:pt x="2857309" y="10773"/>
+                  <a:pt x="2990088" y="0"/>
+                </a:cubicBezTo>
+                <a:cubicBezTo>
+                  <a:pt x="3122867" y="-10773"/>
+                  <a:pt x="3359343" y="7194"/>
+                  <a:pt x="3456432" y="0"/>
+                </a:cubicBezTo>
+                <a:cubicBezTo>
+                  <a:pt x="3553521" y="-7194"/>
+                  <a:pt x="4136258" y="5108"/>
+                  <a:pt x="4361688" y="0"/>
+                </a:cubicBezTo>
+                <a:cubicBezTo>
+                  <a:pt x="4587118" y="-5108"/>
+                  <a:pt x="4992424" y="-42958"/>
+                  <a:pt x="5266944" y="0"/>
+                </a:cubicBezTo>
+                <a:cubicBezTo>
+                  <a:pt x="5541464" y="42958"/>
+                  <a:pt x="5882966" y="-3430"/>
+                  <a:pt x="6172200" y="0"/>
+                </a:cubicBezTo>
+                <a:cubicBezTo>
+                  <a:pt x="6461434" y="3430"/>
+                  <a:pt x="6432127" y="6688"/>
+                  <a:pt x="6528816" y="0"/>
+                </a:cubicBezTo>
+                <a:cubicBezTo>
+                  <a:pt x="6625505" y="-6688"/>
+                  <a:pt x="6916805" y="-436"/>
+                  <a:pt x="7214616" y="0"/>
+                </a:cubicBezTo>
+                <a:cubicBezTo>
+                  <a:pt x="7512427" y="436"/>
+                  <a:pt x="7626159" y="-6909"/>
+                  <a:pt x="7790688" y="0"/>
+                </a:cubicBezTo>
+                <a:cubicBezTo>
+                  <a:pt x="7955217" y="6909"/>
+                  <a:pt x="8048891" y="15307"/>
+                  <a:pt x="8147304" y="0"/>
+                </a:cubicBezTo>
+                <a:cubicBezTo>
+                  <a:pt x="8245717" y="-15307"/>
+                  <a:pt x="8645618" y="-11734"/>
+                  <a:pt x="9052560" y="0"/>
+                </a:cubicBezTo>
+                <a:cubicBezTo>
+                  <a:pt x="9459502" y="11734"/>
+                  <a:pt x="9320584" y="8388"/>
+                  <a:pt x="9409176" y="0"/>
+                </a:cubicBezTo>
+                <a:cubicBezTo>
+                  <a:pt x="9497768" y="-8388"/>
+                  <a:pt x="9644192" y="8379"/>
+                  <a:pt x="9765792" y="0"/>
+                </a:cubicBezTo>
+                <a:cubicBezTo>
+                  <a:pt x="9887392" y="-8379"/>
+                  <a:pt x="10105220" y="-12663"/>
+                  <a:pt x="10341864" y="0"/>
+                </a:cubicBezTo>
+                <a:cubicBezTo>
+                  <a:pt x="10578508" y="12663"/>
+                  <a:pt x="10773103" y="-5786"/>
+                  <a:pt x="10972800" y="0"/>
+                </a:cubicBezTo>
+                <a:cubicBezTo>
+                  <a:pt x="10972146" y="8818"/>
+                  <a:pt x="10972240" y="13823"/>
+                  <a:pt x="10972800" y="18288"/>
+                </a:cubicBezTo>
+                <a:cubicBezTo>
+                  <a:pt x="10588778" y="31598"/>
+                  <a:pt x="10543381" y="-12698"/>
+                  <a:pt x="10177272" y="18288"/>
+                </a:cubicBezTo>
+                <a:cubicBezTo>
+                  <a:pt x="9811163" y="49274"/>
+                  <a:pt x="9996817" y="25662"/>
+                  <a:pt x="9820656" y="18288"/>
+                </a:cubicBezTo>
+                <a:cubicBezTo>
+                  <a:pt x="9644495" y="10914"/>
+                  <a:pt x="9607007" y="31631"/>
+                  <a:pt x="9464040" y="18288"/>
+                </a:cubicBezTo>
+                <a:cubicBezTo>
+                  <a:pt x="9321073" y="4945"/>
+                  <a:pt x="9114189" y="28940"/>
+                  <a:pt x="8778240" y="18288"/>
+                </a:cubicBezTo>
+                <a:cubicBezTo>
+                  <a:pt x="8442291" y="7636"/>
+                  <a:pt x="8594763" y="987"/>
+                  <a:pt x="8421624" y="18288"/>
+                </a:cubicBezTo>
+                <a:cubicBezTo>
+                  <a:pt x="8248485" y="35589"/>
+                  <a:pt x="7929515" y="37573"/>
+                  <a:pt x="7735824" y="18288"/>
+                </a:cubicBezTo>
+                <a:cubicBezTo>
+                  <a:pt x="7542133" y="-997"/>
+                  <a:pt x="7252504" y="33858"/>
+                  <a:pt x="6940296" y="18288"/>
+                </a:cubicBezTo>
+                <a:cubicBezTo>
+                  <a:pt x="6628088" y="2718"/>
+                  <a:pt x="6528503" y="48389"/>
+                  <a:pt x="6254496" y="18288"/>
+                </a:cubicBezTo>
+                <a:cubicBezTo>
+                  <a:pt x="5980489" y="-11813"/>
+                  <a:pt x="5695784" y="-3740"/>
+                  <a:pt x="5458968" y="18288"/>
+                </a:cubicBezTo>
+                <a:cubicBezTo>
+                  <a:pt x="5222152" y="40316"/>
+                  <a:pt x="5010751" y="19095"/>
+                  <a:pt x="4663440" y="18288"/>
+                </a:cubicBezTo>
+                <a:cubicBezTo>
+                  <a:pt x="4316129" y="17481"/>
+                  <a:pt x="4425552" y="1606"/>
+                  <a:pt x="4306824" y="18288"/>
+                </a:cubicBezTo>
+                <a:cubicBezTo>
+                  <a:pt x="4188096" y="34970"/>
+                  <a:pt x="3941535" y="7481"/>
+                  <a:pt x="3840480" y="18288"/>
+                </a:cubicBezTo>
+                <a:cubicBezTo>
+                  <a:pt x="3739425" y="29095"/>
+                  <a:pt x="3402388" y="17641"/>
+                  <a:pt x="3264408" y="18288"/>
+                </a:cubicBezTo>
+                <a:cubicBezTo>
+                  <a:pt x="3126428" y="18935"/>
+                  <a:pt x="2776779" y="9983"/>
+                  <a:pt x="2578608" y="18288"/>
+                </a:cubicBezTo>
+                <a:cubicBezTo>
+                  <a:pt x="2380437" y="26593"/>
+                  <a:pt x="1909468" y="25818"/>
+                  <a:pt x="1673352" y="18288"/>
+                </a:cubicBezTo>
+                <a:cubicBezTo>
+                  <a:pt x="1437236" y="10758"/>
+                  <a:pt x="1131180" y="49884"/>
+                  <a:pt x="877824" y="18288"/>
+                </a:cubicBezTo>
+                <a:cubicBezTo>
+                  <a:pt x="624468" y="-13308"/>
+                  <a:pt x="206753" y="2195"/>
+                  <a:pt x="0" y="18288"/>
+                </a:cubicBezTo>
+                <a:cubicBezTo>
+                  <a:pt x="313" y="10654"/>
+                  <a:pt x="-263" y="4056"/>
+                  <a:pt x="0" y="0"/>
+                </a:cubicBezTo>
+                <a:close/>
+              </a:path>
+              <a:path w="10972800" h="18288" stroke="0" extrusionOk="0">
+                <a:moveTo>
+                  <a:pt x="0" y="0"/>
+                </a:moveTo>
+                <a:cubicBezTo>
+                  <a:pt x="164017" y="-17675"/>
+                  <a:pt x="309425" y="9913"/>
+                  <a:pt x="466344" y="0"/>
+                </a:cubicBezTo>
+                <a:cubicBezTo>
+                  <a:pt x="623263" y="-9913"/>
+                  <a:pt x="659300" y="-14524"/>
+                  <a:pt x="822960" y="0"/>
+                </a:cubicBezTo>
+                <a:cubicBezTo>
+                  <a:pt x="986620" y="14524"/>
+                  <a:pt x="1105222" y="-16481"/>
+                  <a:pt x="1289304" y="0"/>
+                </a:cubicBezTo>
+                <a:cubicBezTo>
+                  <a:pt x="1473386" y="16481"/>
+                  <a:pt x="1693223" y="26161"/>
+                  <a:pt x="1975104" y="0"/>
+                </a:cubicBezTo>
+                <a:cubicBezTo>
+                  <a:pt x="2256985" y="-26161"/>
+                  <a:pt x="2435781" y="23061"/>
+                  <a:pt x="2770632" y="0"/>
+                </a:cubicBezTo>
+                <a:cubicBezTo>
+                  <a:pt x="3105483" y="-23061"/>
+                  <a:pt x="3247479" y="-44011"/>
+                  <a:pt x="3675888" y="0"/>
+                </a:cubicBezTo>
+                <a:cubicBezTo>
+                  <a:pt x="4104297" y="44011"/>
+                  <a:pt x="4280918" y="4017"/>
+                  <a:pt x="4581144" y="0"/>
+                </a:cubicBezTo>
+                <a:cubicBezTo>
+                  <a:pt x="4881370" y="-4017"/>
+                  <a:pt x="5021699" y="-11889"/>
+                  <a:pt x="5157216" y="0"/>
+                </a:cubicBezTo>
+                <a:cubicBezTo>
+                  <a:pt x="5292733" y="11889"/>
+                  <a:pt x="5603398" y="-17698"/>
+                  <a:pt x="5952744" y="0"/>
+                </a:cubicBezTo>
+                <a:cubicBezTo>
+                  <a:pt x="6302090" y="17698"/>
+                  <a:pt x="6353093" y="-11909"/>
+                  <a:pt x="6638544" y="0"/>
+                </a:cubicBezTo>
+                <a:cubicBezTo>
+                  <a:pt x="6923995" y="11909"/>
+                  <a:pt x="7053404" y="21630"/>
+                  <a:pt x="7214616" y="0"/>
+                </a:cubicBezTo>
+                <a:cubicBezTo>
+                  <a:pt x="7375828" y="-21630"/>
+                  <a:pt x="7837963" y="3886"/>
+                  <a:pt x="8010144" y="0"/>
+                </a:cubicBezTo>
+                <a:cubicBezTo>
+                  <a:pt x="8182325" y="-3886"/>
+                  <a:pt x="8224183" y="16009"/>
+                  <a:pt x="8366760" y="0"/>
+                </a:cubicBezTo>
+                <a:cubicBezTo>
+                  <a:pt x="8509337" y="-16009"/>
+                  <a:pt x="8687920" y="-5720"/>
+                  <a:pt x="8942832" y="0"/>
+                </a:cubicBezTo>
+                <a:cubicBezTo>
+                  <a:pt x="9197744" y="5720"/>
+                  <a:pt x="9368437" y="20479"/>
+                  <a:pt x="9628632" y="0"/>
+                </a:cubicBezTo>
+                <a:cubicBezTo>
+                  <a:pt x="9888827" y="-20479"/>
+                  <a:pt x="10560858" y="-20746"/>
+                  <a:pt x="10972800" y="0"/>
+                </a:cubicBezTo>
+                <a:cubicBezTo>
+                  <a:pt x="10972186" y="5722"/>
+                  <a:pt x="10972980" y="12495"/>
+                  <a:pt x="10972800" y="18288"/>
+                </a:cubicBezTo>
+                <a:cubicBezTo>
+                  <a:pt x="10786146" y="12536"/>
+                  <a:pt x="10623717" y="14033"/>
+                  <a:pt x="10506456" y="18288"/>
+                </a:cubicBezTo>
+                <a:cubicBezTo>
+                  <a:pt x="10389195" y="22543"/>
+                  <a:pt x="10296178" y="20107"/>
+                  <a:pt x="10149840" y="18288"/>
+                </a:cubicBezTo>
+                <a:cubicBezTo>
+                  <a:pt x="10003502" y="16469"/>
+                  <a:pt x="9767530" y="28891"/>
+                  <a:pt x="9464040" y="18288"/>
+                </a:cubicBezTo>
+                <a:cubicBezTo>
+                  <a:pt x="9160550" y="7685"/>
+                  <a:pt x="9229050" y="2659"/>
+                  <a:pt x="8997696" y="18288"/>
+                </a:cubicBezTo>
+                <a:cubicBezTo>
+                  <a:pt x="8766342" y="33917"/>
+                  <a:pt x="8340136" y="34864"/>
+                  <a:pt x="8092440" y="18288"/>
+                </a:cubicBezTo>
+                <a:cubicBezTo>
+                  <a:pt x="7844744" y="1712"/>
+                  <a:pt x="7863720" y="27405"/>
+                  <a:pt x="7735824" y="18288"/>
+                </a:cubicBezTo>
+                <a:cubicBezTo>
+                  <a:pt x="7607928" y="9171"/>
+                  <a:pt x="7323619" y="461"/>
+                  <a:pt x="7050024" y="18288"/>
+                </a:cubicBezTo>
+                <a:cubicBezTo>
+                  <a:pt x="6776429" y="36115"/>
+                  <a:pt x="6787899" y="28206"/>
+                  <a:pt x="6693408" y="18288"/>
+                </a:cubicBezTo>
+                <a:cubicBezTo>
+                  <a:pt x="6598917" y="8370"/>
+                  <a:pt x="6395231" y="19114"/>
+                  <a:pt x="6227064" y="18288"/>
+                </a:cubicBezTo>
+                <a:cubicBezTo>
+                  <a:pt x="6058897" y="17462"/>
+                  <a:pt x="5618582" y="1091"/>
+                  <a:pt x="5431536" y="18288"/>
+                </a:cubicBezTo>
+                <a:cubicBezTo>
+                  <a:pt x="5244490" y="35485"/>
+                  <a:pt x="4729797" y="-9650"/>
+                  <a:pt x="4526280" y="18288"/>
+                </a:cubicBezTo>
+                <a:cubicBezTo>
+                  <a:pt x="4322763" y="46226"/>
+                  <a:pt x="4216797" y="756"/>
+                  <a:pt x="4059936" y="18288"/>
+                </a:cubicBezTo>
+                <a:cubicBezTo>
+                  <a:pt x="3903075" y="35820"/>
+                  <a:pt x="3537912" y="42098"/>
+                  <a:pt x="3374136" y="18288"/>
+                </a:cubicBezTo>
+                <a:cubicBezTo>
+                  <a:pt x="3210360" y="-5522"/>
+                  <a:pt x="3126842" y="39135"/>
+                  <a:pt x="2907792" y="18288"/>
+                </a:cubicBezTo>
+                <a:cubicBezTo>
+                  <a:pt x="2688742" y="-2559"/>
+                  <a:pt x="2490436" y="34100"/>
+                  <a:pt x="2112264" y="18288"/>
+                </a:cubicBezTo>
+                <a:cubicBezTo>
+                  <a:pt x="1734092" y="2476"/>
+                  <a:pt x="1744622" y="-7274"/>
+                  <a:pt x="1536192" y="18288"/>
+                </a:cubicBezTo>
+                <a:cubicBezTo>
+                  <a:pt x="1327762" y="43850"/>
+                  <a:pt x="1189025" y="6435"/>
+                  <a:pt x="1069848" y="18288"/>
+                </a:cubicBezTo>
+                <a:cubicBezTo>
+                  <a:pt x="950671" y="30141"/>
+                  <a:pt x="858345" y="33684"/>
+                  <a:pt x="713232" y="18288"/>
+                </a:cubicBezTo>
+                <a:cubicBezTo>
+                  <a:pt x="568119" y="2892"/>
+                  <a:pt x="250292" y="5410"/>
+                  <a:pt x="0" y="18288"/>
+                </a:cubicBezTo>
+                <a:cubicBezTo>
+                  <a:pt x="465" y="13062"/>
+                  <a:pt x="-894" y="9029"/>
+                  <a:pt x="0" y="0"/>
+                </a:cubicBezTo>
+                <a:close/>
+              </a:path>
+            </a:pathLst>
+          </a:custGeom>
+          <a:solidFill>
+            <a:schemeClr val="accent2">
+              <a:alpha val="75000"/>
+            </a:schemeClr>
+          </a:solidFill>
+          <a:ln w="44450" cap="rnd">
+            <a:solidFill>
+              <a:schemeClr val="accent2">
+                <a:alpha val="75000"/>
+              </a:schemeClr>
+            </a:solidFill>
+            <a:round/>
+            <a:extLst>
+              <a:ext uri="{C807C97D-BFC1-408E-A445-0C87EB9F89A2}">
+                <ask:lineSketchStyleProps xmlns:ask="http://schemas.microsoft.com/office/drawing/2018/sketchyshapes" sd="2727557108">
+                  <a:prstGeom prst="rect">
+                    <a:avLst/>
+                  </a:prstGeom>
+                  <ask:type>
+                    <ask:lineSketchFreehand/>
+                  </ask:type>
+                </ask:lineSketchStyleProps>
+              </a:ext>
+            </a:extLst>
+          </a:ln>
+        </p:spPr>
+        <p:style>
+          <a:lnRef idx="2">
+            <a:schemeClr val="accent1">
+              <a:shade val="50000"/>
+            </a:schemeClr>
+          </a:lnRef>
+          <a:fillRef idx="1">
+            <a:schemeClr val="accent1"/>
+          </a:fillRef>
+          <a:effectRef idx="0">
+            <a:schemeClr val="accent1"/>
+          </a:effectRef>
+          <a:fontRef idx="minor">
+            <a:schemeClr val="lt1"/>
+          </a:fontRef>
+        </p:style>
+        <p:txBody>
+          <a:bodyPr rtlCol="0" anchor="ctr"/>
+          <a:lstStyle/>
+          <a:p>
+            <a:pPr algn="ctr"/>
+            <a:endParaRPr lang="en-US"/>
+          </a:p>
+        </p:txBody>
+      </p:sp>
+      <p:sp>
+        <p:nvSpPr>
+          <p:cNvPr id="3" name="Inhaltsplatzhalter 2">
+            <a:extLst>
+              <a:ext uri="{FF2B5EF4-FFF2-40B4-BE49-F238E27FC236}">
+                <a16:creationId xmlns:a16="http://schemas.microsoft.com/office/drawing/2014/main" id="{965C8D7A-86D0-AE0E-DE78-F7E325A1754B}"/>
+              </a:ext>
+            </a:extLst>
+          </p:cNvPr>
+          <p:cNvSpPr>
+            <a:spLocks noGrp="1"/>
+          </p:cNvSpPr>
+          <p:nvPr>
+            <p:ph idx="1"/>
+          </p:nvPr>
+        </p:nvSpPr>
+        <p:spPr>
+          <a:xfrm>
+            <a:off x="572493" y="2071316"/>
+            <a:ext cx="6713552" cy="4119172"/>
+          </a:xfrm>
+        </p:spPr>
+        <p:txBody>
+          <a:bodyPr anchor="t">
+            <a:normAutofit/>
+          </a:bodyPr>
+          <a:lstStyle/>
+          <a:p>
+            <a:pPr lvl="1"/>
+            <a:r>
+              <a:rPr lang="de-DE" sz="2200" dirty="0"/>
+              <a:t>Standard für API Definitionen</a:t>
+            </a:r>
+          </a:p>
+          <a:p>
+            <a:pPr lvl="1"/>
+            <a:r>
+              <a:rPr lang="de-DE" sz="2200" dirty="0"/>
+              <a:t>Filetypen</a:t>
+            </a:r>
+          </a:p>
+          <a:p>
+            <a:pPr lvl="2"/>
+            <a:r>
+              <a:rPr lang="de-DE" sz="2200" dirty="0"/>
+              <a:t>YAML</a:t>
+            </a:r>
+          </a:p>
+          <a:p>
+            <a:pPr lvl="2"/>
+            <a:r>
+              <a:rPr lang="de-DE" sz="2200" dirty="0"/>
+              <a:t>JSON</a:t>
+            </a:r>
+          </a:p>
+          <a:p>
+            <a:pPr lvl="1"/>
+            <a:r>
+              <a:rPr lang="de-DE" sz="2200" dirty="0"/>
+              <a:t>Code Generation</a:t>
+            </a:r>
+          </a:p>
+          <a:p>
+            <a:pPr lvl="1"/>
+            <a:r>
+              <a:rPr lang="de-DE" sz="2200" dirty="0" err="1"/>
+              <a:t>Documentation</a:t>
+            </a:r>
+            <a:r>
+              <a:rPr lang="de-DE" sz="2200" dirty="0"/>
+              <a:t> Generation</a:t>
+            </a:r>
+          </a:p>
+          <a:p>
+            <a:pPr lvl="1"/>
+            <a:r>
+              <a:rPr lang="de-DE" sz="2200" dirty="0"/>
+              <a:t>Mock Server</a:t>
+            </a:r>
+          </a:p>
+          <a:p>
+            <a:pPr marL="457200" lvl="1" indent="0">
+              <a:buNone/>
+            </a:pPr>
+            <a:endParaRPr lang="de-DE" sz="2200" dirty="0"/>
+          </a:p>
+          <a:p>
+            <a:pPr marL="457200" lvl="1" indent="0">
+              <a:buNone/>
+            </a:pPr>
+            <a:endParaRPr lang="de-DE" sz="2200" dirty="0"/>
+          </a:p>
+          <a:p>
+            <a:pPr marL="457200" lvl="1" indent="0">
+              <a:buNone/>
+            </a:pPr>
+            <a:endParaRPr lang="de-DE" sz="2200" dirty="0"/>
+          </a:p>
+        </p:txBody>
+      </p:sp>
+      <p:pic>
+        <p:nvPicPr>
+          <p:cNvPr id="1026" name="Picture 2" descr="Image for OpenAPI button · Issue #614 · OAI/OpenAPI ...">
+            <a:extLst>
+              <a:ext uri="{FF2B5EF4-FFF2-40B4-BE49-F238E27FC236}">
+                <a16:creationId xmlns:a16="http://schemas.microsoft.com/office/drawing/2014/main" id="{0D5DC98C-8240-82A4-EDC3-274191C9DF52}"/>
+              </a:ext>
+            </a:extLst>
+          </p:cNvPr>
+          <p:cNvPicPr>
+            <a:picLocks noChangeAspect="1" noChangeArrowheads="1"/>
+          </p:cNvPicPr>
+          <p:nvPr/>
+        </p:nvPicPr>
+        <p:blipFill rotWithShape="1">
+          <a:blip r:embed="rId2">
+            <a:extLst>
+              <a:ext uri="{28A0092B-C50C-407E-A947-70E740481C1C}">
+                <a14:useLocalDpi xmlns:a14="http://schemas.microsoft.com/office/drawing/2010/main" val="0"/>
+              </a:ext>
+            </a:extLst>
+          </a:blip>
+          <a:srcRect r="3797" b="2"/>
+          <a:stretch/>
+        </p:blipFill>
+        <p:spPr bwMode="auto">
+          <a:xfrm>
+            <a:off x="7675658" y="2093976"/>
+            <a:ext cx="3941064" cy="4096512"/>
+          </a:xfrm>
+          <a:prstGeom prst="rect">
+            <a:avLst/>
+          </a:prstGeom>
+          <a:noFill/>
+          <a:extLst>
+            <a:ext uri="{909E8E84-426E-40DD-AFC4-6F175D3DCCD1}">
+              <a14:hiddenFill xmlns:a14="http://schemas.microsoft.com/office/drawing/2010/main">
+                <a:solidFill>
+                  <a:srgbClr val="FFFFFF"/>
+                </a:solidFill>
+              </a14:hiddenFill>
+            </a:ext>
+          </a:extLst>
+        </p:spPr>
+      </p:pic>
+    </p:spTree>
+    <p:extLst>
+      <p:ext uri="{BB962C8B-B14F-4D97-AF65-F5344CB8AC3E}">
+        <p14:creationId xmlns:p14="http://schemas.microsoft.com/office/powerpoint/2010/main" val="2208370728"/>
+      </p:ext>
+    </p:extLst>
+  </p:cSld>
+  <p:clrMapOvr>
+    <a:masterClrMapping/>
+  </p:clrMapOvr>
+</p:sld>
+</file>
+
+<file path=ppt/slides/slide21.xml><?xml version="1.0" encoding="utf-8"?>
 <p:sld xmlns:a="http://schemas.openxmlformats.org/drawingml/2006/main" xmlns:r="http://schemas.openxmlformats.org/officeDocument/2006/relationships" xmlns:p="http://schemas.openxmlformats.org/presentationml/2006/main">
   <p:cSld>
     <p:spTree>
@@ -4773,6 +7529,1065 @@
           <p:cNvPr id="2" name="Titel 1">
             <a:extLst>
               <a:ext uri="{FF2B5EF4-FFF2-40B4-BE49-F238E27FC236}">
+                <a16:creationId xmlns:a16="http://schemas.microsoft.com/office/drawing/2014/main" id="{17B5A5C0-8290-7C8E-E367-E97F90DB857A}"/>
+              </a:ext>
+            </a:extLst>
+          </p:cNvPr>
+          <p:cNvSpPr>
+            <a:spLocks noGrp="1"/>
+          </p:cNvSpPr>
+          <p:nvPr>
+            <p:ph type="title"/>
+          </p:nvPr>
+        </p:nvSpPr>
+        <p:spPr/>
+        <p:txBody>
+          <a:bodyPr/>
+          <a:lstStyle/>
+          <a:p>
+            <a:r>
+              <a:rPr lang="de-DE" dirty="0"/>
+              <a:t>Datenbank</a:t>
+            </a:r>
+          </a:p>
+        </p:txBody>
+      </p:sp>
+      <p:pic>
+        <p:nvPicPr>
+          <p:cNvPr id="5" name="Inhaltsplatzhalter 4" descr="Ein Bild, das Text, Screenshot, Diagramm, Reihe enthält.&#10;&#10;Automatisch generierte Beschreibung">
+            <a:extLst>
+              <a:ext uri="{FF2B5EF4-FFF2-40B4-BE49-F238E27FC236}">
+                <a16:creationId xmlns:a16="http://schemas.microsoft.com/office/drawing/2014/main" id="{E2DFDDB2-3998-78C3-9B8A-F8217EE22549}"/>
+              </a:ext>
+            </a:extLst>
+          </p:cNvPr>
+          <p:cNvPicPr>
+            <a:picLocks noGrp="1" noChangeAspect="1"/>
+          </p:cNvPicPr>
+          <p:nvPr>
+            <p:ph idx="1"/>
+          </p:nvPr>
+        </p:nvPicPr>
+        <p:blipFill>
+          <a:blip r:embed="rId2">
+            <a:extLst>
+              <a:ext uri="{28A0092B-C50C-407E-A947-70E740481C1C}">
+                <a14:useLocalDpi xmlns:a14="http://schemas.microsoft.com/office/drawing/2010/main" val="0"/>
+              </a:ext>
+            </a:extLst>
+          </a:blip>
+          <a:stretch>
+            <a:fillRect/>
+          </a:stretch>
+        </p:blipFill>
+        <p:spPr>
+          <a:xfrm>
+            <a:off x="6760368" y="3034506"/>
+            <a:ext cx="3343275" cy="2009775"/>
+          </a:xfrm>
+        </p:spPr>
+      </p:pic>
+      <p:pic>
+        <p:nvPicPr>
+          <p:cNvPr id="7" name="Grafik 6" descr="Ein Bild, das Text, Diagramm, Reihe, Screenshot enthält.&#10;&#10;Automatisch generierte Beschreibung">
+            <a:extLst>
+              <a:ext uri="{FF2B5EF4-FFF2-40B4-BE49-F238E27FC236}">
+                <a16:creationId xmlns:a16="http://schemas.microsoft.com/office/drawing/2014/main" id="{ECA87B96-2A44-4F1F-24DD-A53020E51B1D}"/>
+              </a:ext>
+            </a:extLst>
+          </p:cNvPr>
+          <p:cNvPicPr>
+            <a:picLocks noChangeAspect="1"/>
+          </p:cNvPicPr>
+          <p:nvPr/>
+        </p:nvPicPr>
+        <p:blipFill>
+          <a:blip r:embed="rId3">
+            <a:extLst>
+              <a:ext uri="{28A0092B-C50C-407E-A947-70E740481C1C}">
+                <a14:useLocalDpi xmlns:a14="http://schemas.microsoft.com/office/drawing/2010/main" val="0"/>
+              </a:ext>
+            </a:extLst>
+          </a:blip>
+          <a:stretch>
+            <a:fillRect/>
+          </a:stretch>
+        </p:blipFill>
+        <p:spPr>
+          <a:xfrm>
+            <a:off x="633412" y="3034506"/>
+            <a:ext cx="5057775" cy="1628775"/>
+          </a:xfrm>
+          <a:prstGeom prst="rect">
+            <a:avLst/>
+          </a:prstGeom>
+        </p:spPr>
+      </p:pic>
+      <p:sp>
+        <p:nvSpPr>
+          <p:cNvPr id="9" name="Textfeld 8">
+            <a:extLst>
+              <a:ext uri="{FF2B5EF4-FFF2-40B4-BE49-F238E27FC236}">
+                <a16:creationId xmlns:a16="http://schemas.microsoft.com/office/drawing/2014/main" id="{8F8BC405-39C8-DE1D-4EA0-BB6646F90D2E}"/>
+              </a:ext>
+            </a:extLst>
+          </p:cNvPr>
+          <p:cNvSpPr txBox="1"/>
+          <p:nvPr/>
+        </p:nvSpPr>
+        <p:spPr>
+          <a:xfrm>
+            <a:off x="6760368" y="2665174"/>
+            <a:ext cx="1737976" cy="400110"/>
+          </a:xfrm>
+          <a:prstGeom prst="rect">
+            <a:avLst/>
+          </a:prstGeom>
+          <a:noFill/>
+        </p:spPr>
+        <p:txBody>
+          <a:bodyPr wrap="none" rtlCol="0">
+            <a:spAutoFit/>
+          </a:bodyPr>
+          <a:lstStyle/>
+          <a:p>
+            <a:r>
+              <a:rPr lang="de-DE" sz="2000" b="1" dirty="0"/>
+              <a:t>Sensor Daten</a:t>
+            </a:r>
+          </a:p>
+        </p:txBody>
+      </p:sp>
+      <p:sp>
+        <p:nvSpPr>
+          <p:cNvPr id="10" name="Textfeld 9">
+            <a:extLst>
+              <a:ext uri="{FF2B5EF4-FFF2-40B4-BE49-F238E27FC236}">
+                <a16:creationId xmlns:a16="http://schemas.microsoft.com/office/drawing/2014/main" id="{4061C66C-CB3D-F9F1-E9A8-8E80442F1A9A}"/>
+              </a:ext>
+            </a:extLst>
+          </p:cNvPr>
+          <p:cNvSpPr txBox="1"/>
+          <p:nvPr/>
+        </p:nvSpPr>
+        <p:spPr>
+          <a:xfrm>
+            <a:off x="633412" y="2665174"/>
+            <a:ext cx="2648482" cy="400110"/>
+          </a:xfrm>
+          <a:prstGeom prst="rect">
+            <a:avLst/>
+          </a:prstGeom>
+          <a:noFill/>
+        </p:spPr>
+        <p:txBody>
+          <a:bodyPr wrap="none" rtlCol="0">
+            <a:spAutoFit/>
+          </a:bodyPr>
+          <a:lstStyle/>
+          <a:p>
+            <a:r>
+              <a:rPr lang="de-DE" sz="2000" b="1" dirty="0"/>
+              <a:t>Wecker </a:t>
+            </a:r>
+            <a:r>
+              <a:rPr lang="de-DE" sz="2000" b="1" dirty="0" err="1"/>
+              <a:t>Configuration</a:t>
+            </a:r>
+            <a:endParaRPr lang="de-DE" sz="2000" b="1" dirty="0"/>
+          </a:p>
+        </p:txBody>
+      </p:sp>
+    </p:spTree>
+    <p:extLst>
+      <p:ext uri="{BB962C8B-B14F-4D97-AF65-F5344CB8AC3E}">
+        <p14:creationId xmlns:p14="http://schemas.microsoft.com/office/powerpoint/2010/main" val="250442459"/>
+      </p:ext>
+    </p:extLst>
+  </p:cSld>
+  <p:clrMapOvr>
+    <a:masterClrMapping/>
+  </p:clrMapOvr>
+</p:sld>
+</file>
+
+<file path=ppt/slides/slide22.xml><?xml version="1.0" encoding="utf-8"?>
+<p:sld xmlns:a="http://schemas.openxmlformats.org/drawingml/2006/main" xmlns:r="http://schemas.openxmlformats.org/officeDocument/2006/relationships" xmlns:p="http://schemas.openxmlformats.org/presentationml/2006/main">
+  <p:cSld>
+    <p:spTree>
+      <p:nvGrpSpPr>
+        <p:cNvPr id="1" name=""/>
+        <p:cNvGrpSpPr/>
+        <p:nvPr/>
+      </p:nvGrpSpPr>
+      <p:grpSpPr>
+        <a:xfrm>
+          <a:off x="0" y="0"/>
+          <a:ext cx="0" cy="0"/>
+          <a:chOff x="0" y="0"/>
+          <a:chExt cx="0" cy="0"/>
+        </a:xfrm>
+      </p:grpSpPr>
+      <p:sp>
+        <p:nvSpPr>
+          <p:cNvPr id="3" name="Inhaltsplatzhalter 2">
+            <a:extLst>
+              <a:ext uri="{FF2B5EF4-FFF2-40B4-BE49-F238E27FC236}">
+                <a16:creationId xmlns:a16="http://schemas.microsoft.com/office/drawing/2014/main" id="{2F6EEE67-F403-CED0-A9AB-2010872C2D1D}"/>
+              </a:ext>
+            </a:extLst>
+          </p:cNvPr>
+          <p:cNvSpPr>
+            <a:spLocks noGrp="1"/>
+          </p:cNvSpPr>
+          <p:nvPr>
+            <p:ph idx="1"/>
+          </p:nvPr>
+        </p:nvSpPr>
+        <p:spPr>
+          <a:xfrm>
+            <a:off x="838200" y="2905125"/>
+            <a:ext cx="5476875" cy="3271837"/>
+          </a:xfrm>
+        </p:spPr>
+        <p:txBody>
+          <a:bodyPr/>
+          <a:lstStyle/>
+          <a:p>
+            <a:r>
+              <a:rPr lang="de-DE" dirty="0"/>
+              <a:t>Lightweight</a:t>
+            </a:r>
+          </a:p>
+          <a:p>
+            <a:r>
+              <a:rPr lang="de-DE" dirty="0"/>
+              <a:t>Wenig Konfiguration nötig</a:t>
+            </a:r>
+          </a:p>
+          <a:p>
+            <a:r>
+              <a:rPr lang="de-DE" dirty="0"/>
+              <a:t>File basiert (kein Server)</a:t>
+            </a:r>
+          </a:p>
+          <a:p>
+            <a:pPr marL="0" indent="0">
+              <a:buNone/>
+            </a:pPr>
+            <a:endParaRPr lang="de-DE" dirty="0"/>
+          </a:p>
+        </p:txBody>
+      </p:sp>
+      <p:pic>
+        <p:nvPicPr>
+          <p:cNvPr id="2050" name="Picture 2" descr="SQLite – Wikipedia">
+            <a:extLst>
+              <a:ext uri="{FF2B5EF4-FFF2-40B4-BE49-F238E27FC236}">
+                <a16:creationId xmlns:a16="http://schemas.microsoft.com/office/drawing/2014/main" id="{9385BC97-09E5-F6D6-A78E-F7D7100096A9}"/>
+              </a:ext>
+            </a:extLst>
+          </p:cNvPr>
+          <p:cNvPicPr>
+            <a:picLocks noChangeAspect="1" noChangeArrowheads="1"/>
+          </p:cNvPicPr>
+          <p:nvPr/>
+        </p:nvPicPr>
+        <p:blipFill>
+          <a:blip r:embed="rId2">
+            <a:extLst>
+              <a:ext uri="{28A0092B-C50C-407E-A947-70E740481C1C}">
+                <a14:useLocalDpi xmlns:a14="http://schemas.microsoft.com/office/drawing/2010/main" val="0"/>
+              </a:ext>
+            </a:extLst>
+          </a:blip>
+          <a:srcRect/>
+          <a:stretch>
+            <a:fillRect/>
+          </a:stretch>
+        </p:blipFill>
+        <p:spPr bwMode="auto">
+          <a:xfrm>
+            <a:off x="466726" y="90489"/>
+            <a:ext cx="4991836" cy="2366962"/>
+          </a:xfrm>
+          <a:prstGeom prst="rect">
+            <a:avLst/>
+          </a:prstGeom>
+          <a:noFill/>
+          <a:extLst>
+            <a:ext uri="{909E8E84-426E-40DD-AFC4-6F175D3DCCD1}">
+              <a14:hiddenFill xmlns:a14="http://schemas.microsoft.com/office/drawing/2010/main">
+                <a:solidFill>
+                  <a:srgbClr val="FFFFFF"/>
+                </a:solidFill>
+              </a14:hiddenFill>
+            </a:ext>
+          </a:extLst>
+        </p:spPr>
+      </p:pic>
+    </p:spTree>
+    <p:extLst>
+      <p:ext uri="{BB962C8B-B14F-4D97-AF65-F5344CB8AC3E}">
+        <p14:creationId xmlns:p14="http://schemas.microsoft.com/office/powerpoint/2010/main" val="1015918726"/>
+      </p:ext>
+    </p:extLst>
+  </p:cSld>
+  <p:clrMapOvr>
+    <a:masterClrMapping/>
+  </p:clrMapOvr>
+</p:sld>
+</file>
+
+<file path=ppt/slides/slide23.xml><?xml version="1.0" encoding="utf-8"?>
+<p:sld xmlns:a="http://schemas.openxmlformats.org/drawingml/2006/main" xmlns:r="http://schemas.openxmlformats.org/officeDocument/2006/relationships" xmlns:p="http://schemas.openxmlformats.org/presentationml/2006/main">
+  <p:cSld>
+    <p:spTree>
+      <p:nvGrpSpPr>
+        <p:cNvPr id="1" name=""/>
+        <p:cNvGrpSpPr/>
+        <p:nvPr/>
+      </p:nvGrpSpPr>
+      <p:grpSpPr>
+        <a:xfrm>
+          <a:off x="0" y="0"/>
+          <a:ext cx="0" cy="0"/>
+          <a:chOff x="0" y="0"/>
+          <a:chExt cx="0" cy="0"/>
+        </a:xfrm>
+      </p:grpSpPr>
+      <p:sp>
+        <p:nvSpPr>
+          <p:cNvPr id="2" name="Titel 1">
+            <a:extLst>
+              <a:ext uri="{FF2B5EF4-FFF2-40B4-BE49-F238E27FC236}">
+                <a16:creationId xmlns:a16="http://schemas.microsoft.com/office/drawing/2014/main" id="{FFB40984-BB98-B724-3C7A-4010A921A6B3}"/>
+              </a:ext>
+            </a:extLst>
+          </p:cNvPr>
+          <p:cNvSpPr>
+            <a:spLocks noGrp="1"/>
+          </p:cNvSpPr>
+          <p:nvPr>
+            <p:ph type="title"/>
+          </p:nvPr>
+        </p:nvSpPr>
+        <p:spPr/>
+        <p:txBody>
+          <a:bodyPr/>
+          <a:lstStyle/>
+          <a:p>
+            <a:r>
+              <a:rPr lang="de-DE" dirty="0"/>
+              <a:t>Sensoren</a:t>
+            </a:r>
+          </a:p>
+        </p:txBody>
+      </p:sp>
+      <p:sp>
+        <p:nvSpPr>
+          <p:cNvPr id="3" name="Inhaltsplatzhalter 2">
+            <a:extLst>
+              <a:ext uri="{FF2B5EF4-FFF2-40B4-BE49-F238E27FC236}">
+                <a16:creationId xmlns:a16="http://schemas.microsoft.com/office/drawing/2014/main" id="{0E0323FB-D84C-D4C4-CD34-8DA43F2F65DF}"/>
+              </a:ext>
+            </a:extLst>
+          </p:cNvPr>
+          <p:cNvSpPr>
+            <a:spLocks noGrp="1"/>
+          </p:cNvSpPr>
+          <p:nvPr>
+            <p:ph idx="1"/>
+          </p:nvPr>
+        </p:nvSpPr>
+        <p:spPr/>
+        <p:txBody>
+          <a:bodyPr/>
+          <a:lstStyle/>
+          <a:p>
+            <a:endParaRPr lang="de-DE" dirty="0"/>
+          </a:p>
+        </p:txBody>
+      </p:sp>
+    </p:spTree>
+    <p:extLst>
+      <p:ext uri="{BB962C8B-B14F-4D97-AF65-F5344CB8AC3E}">
+        <p14:creationId xmlns:p14="http://schemas.microsoft.com/office/powerpoint/2010/main" val="2557872005"/>
+      </p:ext>
+    </p:extLst>
+  </p:cSld>
+  <p:clrMapOvr>
+    <a:masterClrMapping/>
+  </p:clrMapOvr>
+</p:sld>
+</file>
+
+<file path=ppt/slides/slide24.xml><?xml version="1.0" encoding="utf-8"?>
+<p:sld xmlns:a="http://schemas.openxmlformats.org/drawingml/2006/main" xmlns:r="http://schemas.openxmlformats.org/officeDocument/2006/relationships" xmlns:p="http://schemas.openxmlformats.org/presentationml/2006/main">
+  <p:cSld>
+    <p:spTree>
+      <p:nvGrpSpPr>
+        <p:cNvPr id="1" name=""/>
+        <p:cNvGrpSpPr/>
+        <p:nvPr/>
+      </p:nvGrpSpPr>
+      <p:grpSpPr>
+        <a:xfrm>
+          <a:off x="0" y="0"/>
+          <a:ext cx="0" cy="0"/>
+          <a:chOff x="0" y="0"/>
+          <a:chExt cx="0" cy="0"/>
+        </a:xfrm>
+      </p:grpSpPr>
+      <p:sp>
+        <p:nvSpPr>
+          <p:cNvPr id="2" name="Titel 1">
+            <a:extLst>
+              <a:ext uri="{FF2B5EF4-FFF2-40B4-BE49-F238E27FC236}">
+                <a16:creationId xmlns:a16="http://schemas.microsoft.com/office/drawing/2014/main" id="{B37F299B-0A19-53C2-EAEC-77792CD14F7D}"/>
+              </a:ext>
+            </a:extLst>
+          </p:cNvPr>
+          <p:cNvSpPr>
+            <a:spLocks noGrp="1"/>
+          </p:cNvSpPr>
+          <p:nvPr>
+            <p:ph type="title"/>
+          </p:nvPr>
+        </p:nvSpPr>
+        <p:spPr/>
+        <p:txBody>
+          <a:bodyPr/>
+          <a:lstStyle/>
+          <a:p>
+            <a:r>
+              <a:rPr lang="de-DE" dirty="0"/>
+              <a:t>Docker?</a:t>
+            </a:r>
+          </a:p>
+        </p:txBody>
+      </p:sp>
+      <p:sp>
+        <p:nvSpPr>
+          <p:cNvPr id="3" name="Inhaltsplatzhalter 2">
+            <a:extLst>
+              <a:ext uri="{FF2B5EF4-FFF2-40B4-BE49-F238E27FC236}">
+                <a16:creationId xmlns:a16="http://schemas.microsoft.com/office/drawing/2014/main" id="{AE9D01AB-19BC-5442-687A-86D262FC2366}"/>
+              </a:ext>
+            </a:extLst>
+          </p:cNvPr>
+          <p:cNvSpPr>
+            <a:spLocks noGrp="1"/>
+          </p:cNvSpPr>
+          <p:nvPr>
+            <p:ph idx="1"/>
+          </p:nvPr>
+        </p:nvSpPr>
+        <p:spPr/>
+        <p:txBody>
+          <a:bodyPr/>
+          <a:lstStyle/>
+          <a:p>
+            <a:endParaRPr lang="de-DE"/>
+          </a:p>
+        </p:txBody>
+      </p:sp>
+    </p:spTree>
+    <p:extLst>
+      <p:ext uri="{BB962C8B-B14F-4D97-AF65-F5344CB8AC3E}">
+        <p14:creationId xmlns:p14="http://schemas.microsoft.com/office/powerpoint/2010/main" val="1976759225"/>
+      </p:ext>
+    </p:extLst>
+  </p:cSld>
+  <p:clrMapOvr>
+    <a:masterClrMapping/>
+  </p:clrMapOvr>
+</p:sld>
+</file>
+
+<file path=ppt/slides/slide25.xml><?xml version="1.0" encoding="utf-8"?>
+<p:sld xmlns:a="http://schemas.openxmlformats.org/drawingml/2006/main" xmlns:r="http://schemas.openxmlformats.org/officeDocument/2006/relationships" xmlns:p="http://schemas.openxmlformats.org/presentationml/2006/main">
+  <p:cSld>
+    <p:spTree>
+      <p:nvGrpSpPr>
+        <p:cNvPr id="1" name=""/>
+        <p:cNvGrpSpPr/>
+        <p:nvPr/>
+      </p:nvGrpSpPr>
+      <p:grpSpPr>
+        <a:xfrm>
+          <a:off x="0" y="0"/>
+          <a:ext cx="0" cy="0"/>
+          <a:chOff x="0" y="0"/>
+          <a:chExt cx="0" cy="0"/>
+        </a:xfrm>
+      </p:grpSpPr>
+      <p:sp>
+        <p:nvSpPr>
+          <p:cNvPr id="2" name="Titel 1">
+            <a:extLst>
+              <a:ext uri="{FF2B5EF4-FFF2-40B4-BE49-F238E27FC236}">
+                <a16:creationId xmlns:a16="http://schemas.microsoft.com/office/drawing/2014/main" id="{795B6C7D-C72F-879D-DCF8-FE2D4C7DDCD5}"/>
+              </a:ext>
+            </a:extLst>
+          </p:cNvPr>
+          <p:cNvSpPr>
+            <a:spLocks noGrp="1"/>
+          </p:cNvSpPr>
+          <p:nvPr>
+            <p:ph type="title"/>
+          </p:nvPr>
+        </p:nvSpPr>
+        <p:spPr/>
+        <p:txBody>
+          <a:bodyPr/>
+          <a:lstStyle/>
+          <a:p>
+            <a:r>
+              <a:rPr lang="de-DE" dirty="0"/>
+              <a:t>Quellen</a:t>
+            </a:r>
+          </a:p>
+        </p:txBody>
+      </p:sp>
+      <p:sp>
+        <p:nvSpPr>
+          <p:cNvPr id="3" name="Inhaltsplatzhalter 2">
+            <a:extLst>
+              <a:ext uri="{FF2B5EF4-FFF2-40B4-BE49-F238E27FC236}">
+                <a16:creationId xmlns:a16="http://schemas.microsoft.com/office/drawing/2014/main" id="{E99D5A4C-8E21-6DCC-A897-4048A1384A77}"/>
+              </a:ext>
+            </a:extLst>
+          </p:cNvPr>
+          <p:cNvSpPr>
+            <a:spLocks noGrp="1"/>
+          </p:cNvSpPr>
+          <p:nvPr>
+            <p:ph idx="1"/>
+          </p:nvPr>
+        </p:nvSpPr>
+        <p:spPr/>
+        <p:txBody>
+          <a:bodyPr/>
+          <a:lstStyle/>
+          <a:p>
+            <a:r>
+              <a:rPr lang="de-DE" dirty="0"/>
+              <a:t>Q1 : </a:t>
+            </a:r>
+            <a:r>
+              <a:rPr lang="de-DE" dirty="0">
+                <a:hlinkClick r:id="rId2"/>
+              </a:rPr>
+              <a:t>https://de.wikipedia.org/wiki/Wasserfallmodell</a:t>
+            </a:r>
+            <a:r>
+              <a:rPr lang="de-DE" dirty="0"/>
+              <a:t> </a:t>
+            </a:r>
+          </a:p>
+          <a:p>
+            <a:r>
+              <a:rPr lang="de-DE" dirty="0"/>
+              <a:t> </a:t>
+            </a:r>
+          </a:p>
+        </p:txBody>
+      </p:sp>
+    </p:spTree>
+    <p:extLst>
+      <p:ext uri="{BB962C8B-B14F-4D97-AF65-F5344CB8AC3E}">
+        <p14:creationId xmlns:p14="http://schemas.microsoft.com/office/powerpoint/2010/main" val="3260964455"/>
+      </p:ext>
+    </p:extLst>
+  </p:cSld>
+  <p:clrMapOvr>
+    <a:masterClrMapping/>
+  </p:clrMapOvr>
+</p:sld>
+</file>
+
+<file path=ppt/slides/slide3.xml><?xml version="1.0" encoding="utf-8"?>
+<p:sld xmlns:a="http://schemas.openxmlformats.org/drawingml/2006/main" xmlns:r="http://schemas.openxmlformats.org/officeDocument/2006/relationships" xmlns:p="http://schemas.openxmlformats.org/presentationml/2006/main">
+  <p:cSld>
+    <p:bg>
+      <p:bgPr>
+        <a:solidFill>
+          <a:schemeClr val="bg1"/>
+        </a:solidFill>
+        <a:effectLst/>
+      </p:bgPr>
+    </p:bg>
+    <p:spTree>
+      <p:nvGrpSpPr>
+        <p:cNvPr id="1" name=""/>
+        <p:cNvGrpSpPr/>
+        <p:nvPr/>
+      </p:nvGrpSpPr>
+      <p:grpSpPr>
+        <a:xfrm>
+          <a:off x="0" y="0"/>
+          <a:ext cx="0" cy="0"/>
+          <a:chOff x="0" y="0"/>
+          <a:chExt cx="0" cy="0"/>
+        </a:xfrm>
+      </p:grpSpPr>
+      <p:sp useBgFill="1">
+        <p:nvSpPr>
+          <p:cNvPr id="8" name="Rectangle 7">
+            <a:extLst>
+              <a:ext uri="{FF2B5EF4-FFF2-40B4-BE49-F238E27FC236}">
+                <a16:creationId xmlns:a16="http://schemas.microsoft.com/office/drawing/2014/main" id="{FFD48BC7-DC40-47DE-87EE-9F4B6ECB9ABB}"/>
+              </a:ext>
+              <a:ext uri="{C183D7F6-B498-43B3-948B-1728B52AA6E4}">
+                <adec:decorative xmlns:adec="http://schemas.microsoft.com/office/drawing/2017/decorative" val="1"/>
+              </a:ext>
+            </a:extLst>
+          </p:cNvPr>
+          <p:cNvSpPr>
+            <a:spLocks noGrp="1" noRot="1" noChangeAspect="1" noMove="1" noResize="1" noEditPoints="1" noAdjustHandles="1" noChangeArrowheads="1" noChangeShapeType="1" noTextEdit="1"/>
+          </p:cNvSpPr>
+          <p:nvPr>
+            <p:extLst>
+              <p:ext uri="{386F3935-93C4-4BCD-93E2-E3B085C9AB24}">
+                <p16:designElem xmlns:p16="http://schemas.microsoft.com/office/powerpoint/2015/main" val="1"/>
+              </p:ext>
+            </p:extLst>
+          </p:nvPr>
+        </p:nvSpPr>
+        <p:spPr>
+          <a:xfrm>
+            <a:off x="0" y="0"/>
+            <a:ext cx="12192000" cy="6858000"/>
+          </a:xfrm>
+          <a:prstGeom prst="rect">
+            <a:avLst/>
+          </a:prstGeom>
+          <a:ln>
+            <a:noFill/>
+          </a:ln>
+        </p:spPr>
+        <p:style>
+          <a:lnRef idx="2">
+            <a:schemeClr val="accent1">
+              <a:shade val="50000"/>
+            </a:schemeClr>
+          </a:lnRef>
+          <a:fillRef idx="1">
+            <a:schemeClr val="accent1"/>
+          </a:fillRef>
+          <a:effectRef idx="0">
+            <a:schemeClr val="accent1"/>
+          </a:effectRef>
+          <a:fontRef idx="minor">
+            <a:schemeClr val="lt1"/>
+          </a:fontRef>
+        </p:style>
+        <p:txBody>
+          <a:bodyPr rtlCol="0" anchor="ctr"/>
+          <a:lstStyle/>
+          <a:p>
+            <a:pPr algn="ctr"/>
+            <a:endParaRPr lang="en-US"/>
+          </a:p>
+        </p:txBody>
+      </p:sp>
+      <p:sp useBgFill="1">
+        <p:nvSpPr>
+          <p:cNvPr id="10" name="Freeform: Shape 9">
+            <a:extLst>
+              <a:ext uri="{FF2B5EF4-FFF2-40B4-BE49-F238E27FC236}">
+                <a16:creationId xmlns:a16="http://schemas.microsoft.com/office/drawing/2014/main" id="{E502BBC7-2C76-46F3-BC24-5985BC13DB88}"/>
+              </a:ext>
+              <a:ext uri="{C183D7F6-B498-43B3-948B-1728B52AA6E4}">
+                <adec:decorative xmlns:adec="http://schemas.microsoft.com/office/drawing/2017/decorative" val="1"/>
+              </a:ext>
+            </a:extLst>
+          </p:cNvPr>
+          <p:cNvSpPr>
+            <a:spLocks noGrp="1" noRot="1" noChangeAspect="1" noMove="1" noResize="1" noEditPoints="1" noAdjustHandles="1" noChangeArrowheads="1" noChangeShapeType="1" noTextEdit="1"/>
+          </p:cNvSpPr>
+          <p:nvPr>
+            <p:extLst>
+              <p:ext uri="{386F3935-93C4-4BCD-93E2-E3B085C9AB24}">
+                <p16:designElem xmlns:p16="http://schemas.microsoft.com/office/powerpoint/2015/main" val="1"/>
+              </p:ext>
+            </p:extLst>
+          </p:nvPr>
+        </p:nvSpPr>
+        <p:spPr>
+          <a:xfrm>
+            <a:off x="1114425" y="0"/>
+            <a:ext cx="9963150" cy="6858000"/>
+          </a:xfrm>
+          <a:custGeom>
+            <a:avLst/>
+            <a:gdLst>
+              <a:gd name="connsiteX0" fmla="*/ 1595771 w 9963150"/>
+              <a:gd name="connsiteY0" fmla="*/ 0 h 6858000"/>
+              <a:gd name="connsiteX1" fmla="*/ 8367379 w 9963150"/>
+              <a:gd name="connsiteY1" fmla="*/ 0 h 6858000"/>
+              <a:gd name="connsiteX2" fmla="*/ 8504080 w 9963150"/>
+              <a:gd name="connsiteY2" fmla="*/ 130333 h 6858000"/>
+              <a:gd name="connsiteX3" fmla="*/ 9963150 w 9963150"/>
+              <a:gd name="connsiteY3" fmla="*/ 3652838 h 6858000"/>
+              <a:gd name="connsiteX4" fmla="*/ 8825600 w 9963150"/>
+              <a:gd name="connsiteY4" fmla="*/ 6821583 h 6858000"/>
+              <a:gd name="connsiteX5" fmla="*/ 8794055 w 9963150"/>
+              <a:gd name="connsiteY5" fmla="*/ 6858000 h 6858000"/>
+              <a:gd name="connsiteX6" fmla="*/ 1169096 w 9963150"/>
+              <a:gd name="connsiteY6" fmla="*/ 6858000 h 6858000"/>
+              <a:gd name="connsiteX7" fmla="*/ 1137550 w 9963150"/>
+              <a:gd name="connsiteY7" fmla="*/ 6821583 h 6858000"/>
+              <a:gd name="connsiteX8" fmla="*/ 0 w 9963150"/>
+              <a:gd name="connsiteY8" fmla="*/ 3652838 h 6858000"/>
+              <a:gd name="connsiteX9" fmla="*/ 1459070 w 9963150"/>
+              <a:gd name="connsiteY9" fmla="*/ 130333 h 6858000"/>
+            </a:gdLst>
+            <a:ahLst/>
+            <a:cxnLst>
+              <a:cxn ang="0">
+                <a:pos x="connsiteX0" y="connsiteY0"/>
+              </a:cxn>
+              <a:cxn ang="0">
+                <a:pos x="connsiteX1" y="connsiteY1"/>
+              </a:cxn>
+              <a:cxn ang="0">
+                <a:pos x="connsiteX2" y="connsiteY2"/>
+              </a:cxn>
+              <a:cxn ang="0">
+                <a:pos x="connsiteX3" y="connsiteY3"/>
+              </a:cxn>
+              <a:cxn ang="0">
+                <a:pos x="connsiteX4" y="connsiteY4"/>
+              </a:cxn>
+              <a:cxn ang="0">
+                <a:pos x="connsiteX5" y="connsiteY5"/>
+              </a:cxn>
+              <a:cxn ang="0">
+                <a:pos x="connsiteX6" y="connsiteY6"/>
+              </a:cxn>
+              <a:cxn ang="0">
+                <a:pos x="connsiteX7" y="connsiteY7"/>
+              </a:cxn>
+              <a:cxn ang="0">
+                <a:pos x="connsiteX8" y="connsiteY8"/>
+              </a:cxn>
+              <a:cxn ang="0">
+                <a:pos x="connsiteX9" y="connsiteY9"/>
+              </a:cxn>
+            </a:cxnLst>
+            <a:rect l="l" t="t" r="r" b="b"/>
+            <a:pathLst>
+              <a:path w="9963150" h="6858000">
+                <a:moveTo>
+                  <a:pt x="1595771" y="0"/>
+                </a:moveTo>
+                <a:lnTo>
+                  <a:pt x="8367379" y="0"/>
+                </a:lnTo>
+                <a:lnTo>
+                  <a:pt x="8504080" y="130333"/>
+                </a:lnTo>
+                <a:cubicBezTo>
+                  <a:pt x="9405568" y="1031820"/>
+                  <a:pt x="9963150" y="2277214"/>
+                  <a:pt x="9963150" y="3652838"/>
+                </a:cubicBezTo>
+                <a:cubicBezTo>
+                  <a:pt x="9963150" y="4856509"/>
+                  <a:pt x="9536251" y="5960473"/>
+                  <a:pt x="8825600" y="6821583"/>
+                </a:cubicBezTo>
+                <a:lnTo>
+                  <a:pt x="8794055" y="6858000"/>
+                </a:lnTo>
+                <a:lnTo>
+                  <a:pt x="1169096" y="6858000"/>
+                </a:lnTo>
+                <a:lnTo>
+                  <a:pt x="1137550" y="6821583"/>
+                </a:lnTo>
+                <a:cubicBezTo>
+                  <a:pt x="426899" y="5960473"/>
+                  <a:pt x="0" y="4856509"/>
+                  <a:pt x="0" y="3652838"/>
+                </a:cubicBezTo>
+                <a:cubicBezTo>
+                  <a:pt x="0" y="2277214"/>
+                  <a:pt x="557582" y="1031820"/>
+                  <a:pt x="1459070" y="130333"/>
+                </a:cubicBezTo>
+                <a:close/>
+              </a:path>
+            </a:pathLst>
+          </a:custGeom>
+          <a:ln w="9525">
+            <a:solidFill>
+              <a:srgbClr val="EFEFEF"/>
+            </a:solidFill>
+          </a:ln>
+          <a:effectLst>
+            <a:outerShdw blurRad="139700" sx="102000" sy="102000" algn="ctr" rotWithShape="0">
+              <a:schemeClr val="bg1">
+                <a:lumMod val="85000"/>
+                <a:alpha val="38000"/>
+              </a:schemeClr>
+            </a:outerShdw>
+          </a:effectLst>
+        </p:spPr>
+        <p:style>
+          <a:lnRef idx="2">
+            <a:schemeClr val="accent1">
+              <a:shade val="50000"/>
+            </a:schemeClr>
+          </a:lnRef>
+          <a:fillRef idx="1">
+            <a:schemeClr val="accent1"/>
+          </a:fillRef>
+          <a:effectRef idx="0">
+            <a:schemeClr val="accent1"/>
+          </a:effectRef>
+          <a:fontRef idx="minor">
+            <a:schemeClr val="lt1"/>
+          </a:fontRef>
+        </p:style>
+        <p:txBody>
+          <a:bodyPr wrap="square" rtlCol="0" anchor="ctr">
+            <a:noAutofit/>
+          </a:bodyPr>
+          <a:lstStyle/>
+          <a:p>
+            <a:pPr marL="0" marR="0" lvl="0" indent="0" algn="ctr" defTabSz="914400" rtl="0" eaLnBrk="1" fontAlgn="auto" latinLnBrk="0" hangingPunct="1">
+              <a:lnSpc>
+                <a:spcPct val="100000"/>
+              </a:lnSpc>
+              <a:spcBef>
+                <a:spcPts val="0"/>
+              </a:spcBef>
+              <a:spcAft>
+                <a:spcPts val="0"/>
+              </a:spcAft>
+              <a:buClrTx/>
+              <a:buSzTx/>
+              <a:buFontTx/>
+              <a:buNone/>
+              <a:tabLst/>
+              <a:defRPr/>
+            </a:pPr>
+            <a:endParaRPr kumimoji="0" lang="en-US" sz="1800" b="0" i="0" u="none" strike="noStrike" kern="1200" cap="none" spc="0" normalizeH="0" baseline="0" noProof="0">
+              <a:ln>
+                <a:noFill/>
+              </a:ln>
+              <a:solidFill>
+                <a:prstClr val="white"/>
+              </a:solidFill>
+              <a:effectLst/>
+              <a:uLnTx/>
+              <a:uFillTx/>
+              <a:latin typeface="Calibri" panose="020F0502020204030204"/>
+              <a:ea typeface="+mn-ea"/>
+              <a:cs typeface="+mn-cs"/>
+            </a:endParaRPr>
+          </a:p>
+        </p:txBody>
+      </p:sp>
+      <p:sp useBgFill="1">
+        <p:nvSpPr>
+          <p:cNvPr id="12" name="Freeform: Shape 11">
+            <a:extLst>
+              <a:ext uri="{FF2B5EF4-FFF2-40B4-BE49-F238E27FC236}">
+                <a16:creationId xmlns:a16="http://schemas.microsoft.com/office/drawing/2014/main" id="{C7F28D52-2A5F-4D23-81AE-7CB8B591C7AF}"/>
+              </a:ext>
+              <a:ext uri="{C183D7F6-B498-43B3-948B-1728B52AA6E4}">
+                <adec:decorative xmlns:adec="http://schemas.microsoft.com/office/drawing/2017/decorative" val="1"/>
+              </a:ext>
+            </a:extLst>
+          </p:cNvPr>
+          <p:cNvSpPr>
+            <a:spLocks noGrp="1" noRot="1" noChangeAspect="1" noMove="1" noResize="1" noEditPoints="1" noAdjustHandles="1" noChangeArrowheads="1" noChangeShapeType="1" noTextEdit="1"/>
+          </p:cNvSpPr>
+          <p:nvPr>
+            <p:extLst>
+              <p:ext uri="{386F3935-93C4-4BCD-93E2-E3B085C9AB24}">
+                <p16:designElem xmlns:p16="http://schemas.microsoft.com/office/powerpoint/2015/main" val="1"/>
+              </p:ext>
+            </p:extLst>
+          </p:nvPr>
+        </p:nvSpPr>
+        <p:spPr>
+          <a:xfrm>
+            <a:off x="1121664" y="0"/>
+            <a:ext cx="9948672" cy="6858000"/>
+          </a:xfrm>
+          <a:custGeom>
+            <a:avLst/>
+            <a:gdLst>
+              <a:gd name="connsiteX0" fmla="*/ 1595771 w 9963150"/>
+              <a:gd name="connsiteY0" fmla="*/ 0 h 6858000"/>
+              <a:gd name="connsiteX1" fmla="*/ 8367379 w 9963150"/>
+              <a:gd name="connsiteY1" fmla="*/ 0 h 6858000"/>
+              <a:gd name="connsiteX2" fmla="*/ 8504080 w 9963150"/>
+              <a:gd name="connsiteY2" fmla="*/ 130333 h 6858000"/>
+              <a:gd name="connsiteX3" fmla="*/ 9963150 w 9963150"/>
+              <a:gd name="connsiteY3" fmla="*/ 3652838 h 6858000"/>
+              <a:gd name="connsiteX4" fmla="*/ 8825600 w 9963150"/>
+              <a:gd name="connsiteY4" fmla="*/ 6821583 h 6858000"/>
+              <a:gd name="connsiteX5" fmla="*/ 8794055 w 9963150"/>
+              <a:gd name="connsiteY5" fmla="*/ 6858000 h 6858000"/>
+              <a:gd name="connsiteX6" fmla="*/ 1169096 w 9963150"/>
+              <a:gd name="connsiteY6" fmla="*/ 6858000 h 6858000"/>
+              <a:gd name="connsiteX7" fmla="*/ 1137550 w 9963150"/>
+              <a:gd name="connsiteY7" fmla="*/ 6821583 h 6858000"/>
+              <a:gd name="connsiteX8" fmla="*/ 0 w 9963150"/>
+              <a:gd name="connsiteY8" fmla="*/ 3652838 h 6858000"/>
+              <a:gd name="connsiteX9" fmla="*/ 1459070 w 9963150"/>
+              <a:gd name="connsiteY9" fmla="*/ 130333 h 6858000"/>
+            </a:gdLst>
+            <a:ahLst/>
+            <a:cxnLst>
+              <a:cxn ang="0">
+                <a:pos x="connsiteX0" y="connsiteY0"/>
+              </a:cxn>
+              <a:cxn ang="0">
+                <a:pos x="connsiteX1" y="connsiteY1"/>
+              </a:cxn>
+              <a:cxn ang="0">
+                <a:pos x="connsiteX2" y="connsiteY2"/>
+              </a:cxn>
+              <a:cxn ang="0">
+                <a:pos x="connsiteX3" y="connsiteY3"/>
+              </a:cxn>
+              <a:cxn ang="0">
+                <a:pos x="connsiteX4" y="connsiteY4"/>
+              </a:cxn>
+              <a:cxn ang="0">
+                <a:pos x="connsiteX5" y="connsiteY5"/>
+              </a:cxn>
+              <a:cxn ang="0">
+                <a:pos x="connsiteX6" y="connsiteY6"/>
+              </a:cxn>
+              <a:cxn ang="0">
+                <a:pos x="connsiteX7" y="connsiteY7"/>
+              </a:cxn>
+              <a:cxn ang="0">
+                <a:pos x="connsiteX8" y="connsiteY8"/>
+              </a:cxn>
+              <a:cxn ang="0">
+                <a:pos x="connsiteX9" y="connsiteY9"/>
+              </a:cxn>
+            </a:cxnLst>
+            <a:rect l="l" t="t" r="r" b="b"/>
+            <a:pathLst>
+              <a:path w="9963150" h="6858000">
+                <a:moveTo>
+                  <a:pt x="1595771" y="0"/>
+                </a:moveTo>
+                <a:lnTo>
+                  <a:pt x="8367379" y="0"/>
+                </a:lnTo>
+                <a:lnTo>
+                  <a:pt x="8504080" y="130333"/>
+                </a:lnTo>
+                <a:cubicBezTo>
+                  <a:pt x="9405568" y="1031820"/>
+                  <a:pt x="9963150" y="2277214"/>
+                  <a:pt x="9963150" y="3652838"/>
+                </a:cubicBezTo>
+                <a:cubicBezTo>
+                  <a:pt x="9963150" y="4856509"/>
+                  <a:pt x="9536251" y="5960473"/>
+                  <a:pt x="8825600" y="6821583"/>
+                </a:cubicBezTo>
+                <a:lnTo>
+                  <a:pt x="8794055" y="6858000"/>
+                </a:lnTo>
+                <a:lnTo>
+                  <a:pt x="1169096" y="6858000"/>
+                </a:lnTo>
+                <a:lnTo>
+                  <a:pt x="1137550" y="6821583"/>
+                </a:lnTo>
+                <a:cubicBezTo>
+                  <a:pt x="426899" y="5960473"/>
+                  <a:pt x="0" y="4856509"/>
+                  <a:pt x="0" y="3652838"/>
+                </a:cubicBezTo>
+                <a:cubicBezTo>
+                  <a:pt x="0" y="2277214"/>
+                  <a:pt x="557582" y="1031820"/>
+                  <a:pt x="1459070" y="130333"/>
+                </a:cubicBezTo>
+                <a:close/>
+              </a:path>
+            </a:pathLst>
+          </a:custGeom>
+          <a:ln w="9525">
+            <a:noFill/>
+          </a:ln>
+          <a:effectLst/>
+        </p:spPr>
+        <p:style>
+          <a:lnRef idx="2">
+            <a:schemeClr val="accent1">
+              <a:shade val="50000"/>
+            </a:schemeClr>
+          </a:lnRef>
+          <a:fillRef idx="1">
+            <a:schemeClr val="accent1"/>
+          </a:fillRef>
+          <a:effectRef idx="0">
+            <a:schemeClr val="accent1"/>
+          </a:effectRef>
+          <a:fontRef idx="minor">
+            <a:schemeClr val="lt1"/>
+          </a:fontRef>
+        </p:style>
+        <p:txBody>
+          <a:bodyPr wrap="square" rtlCol="0" anchor="ctr">
+            <a:noAutofit/>
+          </a:bodyPr>
+          <a:lstStyle/>
+          <a:p>
+            <a:pPr marL="0" marR="0" lvl="0" indent="0" algn="ctr" defTabSz="914400" rtl="0" eaLnBrk="1" fontAlgn="auto" latinLnBrk="0" hangingPunct="1">
+              <a:lnSpc>
+                <a:spcPct val="100000"/>
+              </a:lnSpc>
+              <a:spcBef>
+                <a:spcPts val="0"/>
+              </a:spcBef>
+              <a:spcAft>
+                <a:spcPts val="0"/>
+              </a:spcAft>
+              <a:buClrTx/>
+              <a:buSzTx/>
+              <a:buFontTx/>
+              <a:buNone/>
+              <a:tabLst/>
+              <a:defRPr/>
+            </a:pPr>
+            <a:endParaRPr kumimoji="0" lang="en-US" sz="1800" b="0" i="0" u="none" strike="noStrike" kern="1200" cap="none" spc="0" normalizeH="0" baseline="0" noProof="0">
+              <a:ln>
+                <a:noFill/>
+              </a:ln>
+              <a:solidFill>
+                <a:prstClr val="white"/>
+              </a:solidFill>
+              <a:effectLst/>
+              <a:uLnTx/>
+              <a:uFillTx/>
+              <a:latin typeface="Calibri" panose="020F0502020204030204"/>
+              <a:ea typeface="+mn-ea"/>
+              <a:cs typeface="+mn-cs"/>
+            </a:endParaRPr>
+          </a:p>
+        </p:txBody>
+      </p:sp>
+      <p:sp>
+        <p:nvSpPr>
+          <p:cNvPr id="2" name="Titel 1">
+            <a:extLst>
+              <a:ext uri="{FF2B5EF4-FFF2-40B4-BE49-F238E27FC236}">
                 <a16:creationId xmlns:a16="http://schemas.microsoft.com/office/drawing/2014/main" id="{49DFCEEE-8BEB-00BE-FD08-E2100A391DD7}"/>
               </a:ext>
             </a:extLst>
@@ -4784,13 +8599,28 @@
             <p:ph type="title"/>
           </p:nvPr>
         </p:nvSpPr>
-        <p:spPr/>
-        <p:txBody>
-          <a:bodyPr/>
-          <a:lstStyle/>
-          <a:p>
-            <a:r>
-              <a:rPr lang="de-DE" dirty="0"/>
+        <p:spPr>
+          <a:xfrm>
+            <a:off x="1524003" y="1999615"/>
+            <a:ext cx="9144000" cy="2764028"/>
+          </a:xfrm>
+        </p:spPr>
+        <p:txBody>
+          <a:bodyPr vert="horz" lIns="91440" tIns="45720" rIns="91440" bIns="45720" rtlCol="0" anchor="ctr">
+            <a:normAutofit/>
+          </a:bodyPr>
+          <a:lstStyle/>
+          <a:p>
+            <a:pPr algn="ctr"/>
+            <a:r>
+              <a:rPr lang="en-US" sz="7200" kern="1200">
+                <a:solidFill>
+                  <a:schemeClr val="tx1"/>
+                </a:solidFill>
+                <a:latin typeface="+mj-lt"/>
+                <a:ea typeface="+mj-ea"/>
+                <a:cs typeface="+mj-cs"/>
+              </a:rPr>
               <a:t>Planung</a:t>
             </a:r>
           </a:p>
@@ -4798,26 +8628,93 @@
       </p:sp>
       <p:sp>
         <p:nvSpPr>
-          <p:cNvPr id="3" name="Inhaltsplatzhalter 2">
-            <a:extLst>
-              <a:ext uri="{FF2B5EF4-FFF2-40B4-BE49-F238E27FC236}">
-                <a16:creationId xmlns:a16="http://schemas.microsoft.com/office/drawing/2014/main" id="{ECEBCD3E-F188-B094-973B-7F5A8C3E875B}"/>
-              </a:ext>
-            </a:extLst>
-          </p:cNvPr>
-          <p:cNvSpPr>
-            <a:spLocks noGrp="1"/>
-          </p:cNvSpPr>
-          <p:nvPr>
-            <p:ph idx="1"/>
-          </p:nvPr>
-        </p:nvSpPr>
-        <p:spPr/>
-        <p:txBody>
-          <a:bodyPr/>
-          <a:lstStyle/>
-          <a:p>
-            <a:endParaRPr lang="de-DE"/>
+          <p:cNvPr id="14" name="Rectangle 13">
+            <a:extLst>
+              <a:ext uri="{FF2B5EF4-FFF2-40B4-BE49-F238E27FC236}">
+                <a16:creationId xmlns:a16="http://schemas.microsoft.com/office/drawing/2014/main" id="{3629484E-3792-4B3D-89AD-7C8A1ED0E0D4}"/>
+              </a:ext>
+              <a:ext uri="{C183D7F6-B498-43B3-948B-1728B52AA6E4}">
+                <adec:decorative xmlns:adec="http://schemas.microsoft.com/office/drawing/2017/decorative" val="1"/>
+              </a:ext>
+            </a:extLst>
+          </p:cNvPr>
+          <p:cNvSpPr>
+            <a:spLocks noGrp="1" noRot="1" noChangeAspect="1" noMove="1" noResize="1" noEditPoints="1" noAdjustHandles="1" noChangeArrowheads="1" noChangeShapeType="1" noTextEdit="1"/>
+          </p:cNvSpPr>
+          <p:nvPr>
+            <p:extLst>
+              <p:ext uri="{386F3935-93C4-4BCD-93E2-E3B085C9AB24}">
+                <p16:designElem xmlns:p16="http://schemas.microsoft.com/office/powerpoint/2015/main" val="1"/>
+              </p:ext>
+            </p:extLst>
+          </p:nvPr>
+        </p:nvSpPr>
+        <p:spPr>
+          <a:xfrm>
+            <a:off x="3718560" y="5524786"/>
+            <a:ext cx="4754880" cy="27432"/>
+          </a:xfrm>
+          <a:prstGeom prst="rect">
+            <a:avLst/>
+          </a:prstGeom>
+          <a:solidFill>
+            <a:schemeClr val="accent2"/>
+          </a:solidFill>
+          <a:ln>
+            <a:noFill/>
+          </a:ln>
+        </p:spPr>
+        <p:style>
+          <a:lnRef idx="2">
+            <a:schemeClr val="accent1">
+              <a:shade val="50000"/>
+            </a:schemeClr>
+          </a:lnRef>
+          <a:fillRef idx="1">
+            <a:schemeClr val="accent1"/>
+          </a:fillRef>
+          <a:effectRef idx="0">
+            <a:schemeClr val="accent1"/>
+          </a:effectRef>
+          <a:fontRef idx="minor">
+            <a:schemeClr val="lt1"/>
+          </a:fontRef>
+        </p:style>
+        <p:txBody>
+          <a:bodyPr rtlCol="0" anchor="ctr"/>
+          <a:lstStyle/>
+          <a:p>
+            <a:pPr marL="0" marR="0" lvl="0" indent="0" algn="ctr" defTabSz="914400" rtl="0" eaLnBrk="1" fontAlgn="auto" latinLnBrk="0" hangingPunct="1">
+              <a:lnSpc>
+                <a:spcPct val="100000"/>
+              </a:lnSpc>
+              <a:spcBef>
+                <a:spcPts val="0"/>
+              </a:spcBef>
+              <a:spcAft>
+                <a:spcPts val="0"/>
+              </a:spcAft>
+              <a:buClrTx/>
+              <a:buSzTx/>
+              <a:buFontTx/>
+              <a:buNone/>
+              <a:tabLst/>
+              <a:defRPr/>
+            </a:pPr>
+            <a:endParaRPr kumimoji="0" lang="en-US" sz="1800" b="0" i="0" u="none" strike="noStrike" kern="1200" cap="none" spc="0" normalizeH="0" baseline="0" noProof="0">
+              <a:ln>
+                <a:noFill/>
+              </a:ln>
+              <a:solidFill>
+                <a:prstClr val="white"/>
+              </a:solidFill>
+              <a:effectLst/>
+              <a:uLnTx/>
+              <a:uFillTx/>
+              <a:latin typeface="Calibri" panose="020F0502020204030204"/>
+              <a:ea typeface="+mn-ea"/>
+              <a:cs typeface="+mn-cs"/>
+            </a:endParaRPr>
           </a:p>
         </p:txBody>
       </p:sp>
